--- a/ppts/template/template.pptx
+++ b/ppts/template/template.pptx
@@ -11,7 +11,7 @@
     <p:handoutMasterId r:id="rId6"/>
   </p:handoutMasterIdLst>
   <p:sldIdLst>
-    <p:sldId id="715" r:id="rId2"/>
+    <p:sldId id="717" r:id="rId2"/>
     <p:sldId id="677" r:id="rId3"/>
     <p:sldId id="716" r:id="rId4"/>
   </p:sldIdLst>
@@ -220,2130 +220,6 @@
 <file path=ppt/changesInfos/changesInfo1.xml><?xml version="1.0" encoding="utf-8"?>
 <pc:chgInfo xmlns:a="http://schemas.openxmlformats.org/drawingml/2006/main" xmlns:r="http://schemas.openxmlformats.org/officeDocument/2006/relationships" xmlns:ac="http://schemas.microsoft.com/office/drawing/2013/main/command" xmlns:pc="http://schemas.microsoft.com/office/powerpoint/2013/main/command">
   <pc:docChgLst>
-    <pc:chgData name="G 2" userId="8d203687cf76d0fd" providerId="LiveId" clId="{76E2985F-61D3-4F0E-8587-FEEB01D31A41}"/>
-    <pc:docChg chg="undo redo custSel addSld delSld modSld sldOrd">
-      <pc:chgData name="G 2" userId="8d203687cf76d0fd" providerId="LiveId" clId="{76E2985F-61D3-4F0E-8587-FEEB01D31A41}" dt="2019-03-19T01:13:46.087" v="16243"/>
-      <pc:docMkLst>
-        <pc:docMk/>
-      </pc:docMkLst>
-      <pc:sldChg chg="addSp delSp modSp modTransition">
-        <pc:chgData name="G 2" userId="8d203687cf76d0fd" providerId="LiveId" clId="{76E2985F-61D3-4F0E-8587-FEEB01D31A41}" dt="2019-03-18T23:52:31.643" v="13331"/>
-        <pc:sldMkLst>
-          <pc:docMk/>
-          <pc:sldMk cId="2149104172" sldId="669"/>
-        </pc:sldMkLst>
-        <pc:spChg chg="mod">
-          <ac:chgData name="G 2" userId="8d203687cf76d0fd" providerId="LiveId" clId="{76E2985F-61D3-4F0E-8587-FEEB01D31A41}" dt="2019-03-18T23:52:21.701" v="13329" actId="6549"/>
-          <ac:spMkLst>
-            <pc:docMk/>
-            <pc:sldMk cId="2149104172" sldId="669"/>
-            <ac:spMk id="7" creationId="{E9FA7309-F1C6-4CBD-8CF9-4B7F9DDE73E1}"/>
-          </ac:spMkLst>
-        </pc:spChg>
-        <pc:spChg chg="mod">
-          <ac:chgData name="G 2" userId="8d203687cf76d0fd" providerId="LiveId" clId="{76E2985F-61D3-4F0E-8587-FEEB01D31A41}" dt="2019-03-12T11:33:34.986" v="275" actId="113"/>
-          <ac:spMkLst>
-            <pc:docMk/>
-            <pc:sldMk cId="2149104172" sldId="669"/>
-            <ac:spMk id="8" creationId="{56A4447F-7D87-4D48-A0BB-0F0A59C6D550}"/>
-          </ac:spMkLst>
-        </pc:spChg>
-        <pc:picChg chg="add del mod">
-          <ac:chgData name="G 2" userId="8d203687cf76d0fd" providerId="LiveId" clId="{76E2985F-61D3-4F0E-8587-FEEB01D31A41}" dt="2019-03-12T11:26:18.091" v="2"/>
-          <ac:picMkLst>
-            <pc:docMk/>
-            <pc:sldMk cId="2149104172" sldId="669"/>
-            <ac:picMk id="3" creationId="{D670081C-43DA-4464-8CC8-3650F2E6CC50}"/>
-          </ac:picMkLst>
-        </pc:picChg>
-      </pc:sldChg>
-      <pc:sldChg chg="addSp delSp modSp">
-        <pc:chgData name="G 2" userId="8d203687cf76d0fd" providerId="LiveId" clId="{76E2985F-61D3-4F0E-8587-FEEB01D31A41}" dt="2019-03-18T23:51:25.135" v="13327" actId="1076"/>
-        <pc:sldMkLst>
-          <pc:docMk/>
-          <pc:sldMk cId="229129333" sldId="670"/>
-        </pc:sldMkLst>
-        <pc:spChg chg="add del mod">
-          <ac:chgData name="G 2" userId="8d203687cf76d0fd" providerId="LiveId" clId="{76E2985F-61D3-4F0E-8587-FEEB01D31A41}" dt="2019-03-12T11:30:00.486" v="65"/>
-          <ac:spMkLst>
-            <pc:docMk/>
-            <pc:sldMk cId="229129333" sldId="670"/>
-            <ac:spMk id="6" creationId="{EF88130E-0EA7-4E52-A6AA-CF9433954C8B}"/>
-          </ac:spMkLst>
-        </pc:spChg>
-        <pc:spChg chg="del mod">
-          <ac:chgData name="G 2" userId="8d203687cf76d0fd" providerId="LiveId" clId="{76E2985F-61D3-4F0E-8587-FEEB01D31A41}" dt="2019-03-12T11:26:52.763" v="13" actId="478"/>
-          <ac:spMkLst>
-            <pc:docMk/>
-            <pc:sldMk cId="229129333" sldId="670"/>
-            <ac:spMk id="7" creationId="{E9FA7309-F1C6-4CBD-8CF9-4B7F9DDE73E1}"/>
-          </ac:spMkLst>
-        </pc:spChg>
-        <pc:spChg chg="del mod">
-          <ac:chgData name="G 2" userId="8d203687cf76d0fd" providerId="LiveId" clId="{76E2985F-61D3-4F0E-8587-FEEB01D31A41}" dt="2019-03-12T11:26:52.763" v="13" actId="478"/>
-          <ac:spMkLst>
-            <pc:docMk/>
-            <pc:sldMk cId="229129333" sldId="670"/>
-            <ac:spMk id="8" creationId="{56A4447F-7D87-4D48-A0BB-0F0A59C6D550}"/>
-          </ac:spMkLst>
-        </pc:spChg>
-        <pc:spChg chg="add del">
-          <ac:chgData name="G 2" userId="8d203687cf76d0fd" providerId="LiveId" clId="{76E2985F-61D3-4F0E-8587-FEEB01D31A41}" dt="2019-03-12T11:30:15.748" v="67"/>
-          <ac:spMkLst>
-            <pc:docMk/>
-            <pc:sldMk cId="229129333" sldId="670"/>
-            <ac:spMk id="10" creationId="{B0331875-846A-47E0-A155-C5726F5EE59C}"/>
-          </ac:spMkLst>
-        </pc:spChg>
-        <pc:picChg chg="add del mod">
-          <ac:chgData name="G 2" userId="8d203687cf76d0fd" providerId="LiveId" clId="{76E2985F-61D3-4F0E-8587-FEEB01D31A41}" dt="2019-03-12T11:26:55.951" v="17" actId="478"/>
-          <ac:picMkLst>
-            <pc:docMk/>
-            <pc:sldMk cId="229129333" sldId="670"/>
-            <ac:picMk id="3" creationId="{E04139B6-CCFD-4172-AEC5-529A53A42ED2}"/>
-          </ac:picMkLst>
-        </pc:picChg>
-        <pc:picChg chg="add mod">
-          <ac:chgData name="G 2" userId="8d203687cf76d0fd" providerId="LiveId" clId="{76E2985F-61D3-4F0E-8587-FEEB01D31A41}" dt="2019-03-18T23:51:25.135" v="13327" actId="1076"/>
-          <ac:picMkLst>
-            <pc:docMk/>
-            <pc:sldMk cId="229129333" sldId="670"/>
-            <ac:picMk id="3" creationId="{FFBDD2C8-6B0C-4513-B452-238301CF9009}"/>
-          </ac:picMkLst>
-        </pc:picChg>
-        <pc:picChg chg="add mod">
-          <ac:chgData name="G 2" userId="8d203687cf76d0fd" providerId="LiveId" clId="{76E2985F-61D3-4F0E-8587-FEEB01D31A41}" dt="2019-03-18T14:30:31.517" v="2608" actId="1076"/>
-          <ac:picMkLst>
-            <pc:docMk/>
-            <pc:sldMk cId="229129333" sldId="670"/>
-            <ac:picMk id="5" creationId="{9EE6F063-AF0E-424B-A6EE-3B4DD3E1EC55}"/>
-          </ac:picMkLst>
-        </pc:picChg>
-        <pc:picChg chg="add mod">
-          <ac:chgData name="G 2" userId="8d203687cf76d0fd" providerId="LiveId" clId="{76E2985F-61D3-4F0E-8587-FEEB01D31A41}" dt="2019-03-18T14:30:30.931" v="2607" actId="1076"/>
-          <ac:picMkLst>
-            <pc:docMk/>
-            <pc:sldMk cId="229129333" sldId="670"/>
-            <ac:picMk id="9" creationId="{28F3A0F2-AD31-4B18-9BA0-1AC0F67F8CF6}"/>
-          </ac:picMkLst>
-        </pc:picChg>
-      </pc:sldChg>
-      <pc:sldChg chg="addSp delSp modSp add">
-        <pc:chgData name="G 2" userId="8d203687cf76d0fd" providerId="LiveId" clId="{76E2985F-61D3-4F0E-8587-FEEB01D31A41}" dt="2019-03-18T14:40:40.642" v="3038" actId="1076"/>
-        <pc:sldMkLst>
-          <pc:docMk/>
-          <pc:sldMk cId="2298693606" sldId="671"/>
-        </pc:sldMkLst>
-        <pc:picChg chg="add mod">
-          <ac:chgData name="G 2" userId="8d203687cf76d0fd" providerId="LiveId" clId="{76E2985F-61D3-4F0E-8587-FEEB01D31A41}" dt="2019-03-18T14:40:40.642" v="3038" actId="1076"/>
-          <ac:picMkLst>
-            <pc:docMk/>
-            <pc:sldMk cId="2298693606" sldId="671"/>
-            <ac:picMk id="3" creationId="{202DEFAF-76B1-43E8-88B9-D0DFE60E54BA}"/>
-          </ac:picMkLst>
-        </pc:picChg>
-        <pc:picChg chg="del">
-          <ac:chgData name="G 2" userId="8d203687cf76d0fd" providerId="LiveId" clId="{76E2985F-61D3-4F0E-8587-FEEB01D31A41}" dt="2019-03-12T11:27:53.691" v="22" actId="478"/>
-          <ac:picMkLst>
-            <pc:docMk/>
-            <pc:sldMk cId="2298693606" sldId="671"/>
-            <ac:picMk id="5" creationId="{9EE6F063-AF0E-424B-A6EE-3B4DD3E1EC55}"/>
-          </ac:picMkLst>
-        </pc:picChg>
-        <pc:picChg chg="add mod">
-          <ac:chgData name="G 2" userId="8d203687cf76d0fd" providerId="LiveId" clId="{76E2985F-61D3-4F0E-8587-FEEB01D31A41}" dt="2019-03-18T14:36:49.806" v="3036" actId="1076"/>
-          <ac:picMkLst>
-            <pc:docMk/>
-            <pc:sldMk cId="2298693606" sldId="671"/>
-            <ac:picMk id="6" creationId="{65480B90-7CDD-49A5-A6B7-C99967F69D85}"/>
-          </ac:picMkLst>
-        </pc:picChg>
-        <pc:picChg chg="add mod">
-          <ac:chgData name="G 2" userId="8d203687cf76d0fd" providerId="LiveId" clId="{76E2985F-61D3-4F0E-8587-FEEB01D31A41}" dt="2019-03-12T11:28:54.174" v="47" actId="1076"/>
-          <ac:picMkLst>
-            <pc:docMk/>
-            <pc:sldMk cId="2298693606" sldId="671"/>
-            <ac:picMk id="7" creationId="{C4271D63-9418-4C5E-995C-B43C60B12CA5}"/>
-          </ac:picMkLst>
-        </pc:picChg>
-        <pc:picChg chg="add mod">
-          <ac:chgData name="G 2" userId="8d203687cf76d0fd" providerId="LiveId" clId="{76E2985F-61D3-4F0E-8587-FEEB01D31A41}" dt="2019-03-12T11:29:11.889" v="54" actId="1076"/>
-          <ac:picMkLst>
-            <pc:docMk/>
-            <pc:sldMk cId="2298693606" sldId="671"/>
-            <ac:picMk id="8" creationId="{67397486-E3A3-45B5-B25E-7C7EDDF85659}"/>
-          </ac:picMkLst>
-        </pc:picChg>
-        <pc:picChg chg="del">
-          <ac:chgData name="G 2" userId="8d203687cf76d0fd" providerId="LiveId" clId="{76E2985F-61D3-4F0E-8587-FEEB01D31A41}" dt="2019-03-12T11:27:53.691" v="22" actId="478"/>
-          <ac:picMkLst>
-            <pc:docMk/>
-            <pc:sldMk cId="2298693606" sldId="671"/>
-            <ac:picMk id="9" creationId="{28F3A0F2-AD31-4B18-9BA0-1AC0F67F8CF6}"/>
-          </ac:picMkLst>
-        </pc:picChg>
-        <pc:picChg chg="add mod">
-          <ac:chgData name="G 2" userId="8d203687cf76d0fd" providerId="LiveId" clId="{76E2985F-61D3-4F0E-8587-FEEB01D31A41}" dt="2019-03-12T11:29:08.066" v="53" actId="1076"/>
-          <ac:picMkLst>
-            <pc:docMk/>
-            <pc:sldMk cId="2298693606" sldId="671"/>
-            <ac:picMk id="10" creationId="{7098AB16-E01D-47BB-9987-7BDEC6C07081}"/>
-          </ac:picMkLst>
-        </pc:picChg>
-      </pc:sldChg>
-      <pc:sldChg chg="modSp add del ord">
-        <pc:chgData name="G 2" userId="8d203687cf76d0fd" providerId="LiveId" clId="{76E2985F-61D3-4F0E-8587-FEEB01D31A41}" dt="2019-03-18T14:34:05.260" v="2806" actId="2696"/>
-        <pc:sldMkLst>
-          <pc:docMk/>
-          <pc:sldMk cId="2555377988" sldId="674"/>
-        </pc:sldMkLst>
-        <pc:spChg chg="mod">
-          <ac:chgData name="G 2" userId="8d203687cf76d0fd" providerId="LiveId" clId="{76E2985F-61D3-4F0E-8587-FEEB01D31A41}" dt="2019-03-15T16:20:28.806" v="1730"/>
-          <ac:spMkLst>
-            <pc:docMk/>
-            <pc:sldMk cId="2555377988" sldId="674"/>
-            <ac:spMk id="7" creationId="{E9FA7309-F1C6-4CBD-8CF9-4B7F9DDE73E1}"/>
-          </ac:spMkLst>
-        </pc:spChg>
-      </pc:sldChg>
-      <pc:sldChg chg="modSp add">
-        <pc:chgData name="G 2" userId="8d203687cf76d0fd" providerId="LiveId" clId="{76E2985F-61D3-4F0E-8587-FEEB01D31A41}" dt="2019-03-18T23:49:25.650" v="13326"/>
-        <pc:sldMkLst>
-          <pc:docMk/>
-          <pc:sldMk cId="1966728104" sldId="675"/>
-        </pc:sldMkLst>
-        <pc:spChg chg="mod">
-          <ac:chgData name="G 2" userId="8d203687cf76d0fd" providerId="LiveId" clId="{76E2985F-61D3-4F0E-8587-FEEB01D31A41}" dt="2019-03-18T14:27:59.214" v="2225"/>
-          <ac:spMkLst>
-            <pc:docMk/>
-            <pc:sldMk cId="1966728104" sldId="675"/>
-            <ac:spMk id="7" creationId="{E9FA7309-F1C6-4CBD-8CF9-4B7F9DDE73E1}"/>
-          </ac:spMkLst>
-        </pc:spChg>
-        <pc:spChg chg="mod">
-          <ac:chgData name="G 2" userId="8d203687cf76d0fd" providerId="LiveId" clId="{76E2985F-61D3-4F0E-8587-FEEB01D31A41}" dt="2019-03-18T23:49:25.650" v="13326"/>
-          <ac:spMkLst>
-            <pc:docMk/>
-            <pc:sldMk cId="1966728104" sldId="675"/>
-            <ac:spMk id="8" creationId="{56A4447F-7D87-4D48-A0BB-0F0A59C6D550}"/>
-          </ac:spMkLst>
-        </pc:spChg>
-      </pc:sldChg>
-      <pc:sldChg chg="modSp add del ord">
-        <pc:chgData name="G 2" userId="8d203687cf76d0fd" providerId="LiveId" clId="{76E2985F-61D3-4F0E-8587-FEEB01D31A41}" dt="2019-03-18T23:52:27.542" v="13330" actId="2696"/>
-        <pc:sldMkLst>
-          <pc:docMk/>
-          <pc:sldMk cId="2693556601" sldId="676"/>
-        </pc:sldMkLst>
-        <pc:spChg chg="mod">
-          <ac:chgData name="G 2" userId="8d203687cf76d0fd" providerId="LiveId" clId="{76E2985F-61D3-4F0E-8587-FEEB01D31A41}" dt="2019-03-12T11:38:45.271" v="902" actId="20577"/>
-          <ac:spMkLst>
-            <pc:docMk/>
-            <pc:sldMk cId="2693556601" sldId="676"/>
-            <ac:spMk id="4" creationId="{00000000-0000-0000-0000-000000000000}"/>
-          </ac:spMkLst>
-        </pc:spChg>
-        <pc:spChg chg="mod">
-          <ac:chgData name="G 2" userId="8d203687cf76d0fd" providerId="LiveId" clId="{76E2985F-61D3-4F0E-8587-FEEB01D31A41}" dt="2019-03-12T11:40:15.064" v="1015" actId="20577"/>
-          <ac:spMkLst>
-            <pc:docMk/>
-            <pc:sldMk cId="2693556601" sldId="676"/>
-            <ac:spMk id="7" creationId="{E9FA7309-F1C6-4CBD-8CF9-4B7F9DDE73E1}"/>
-          </ac:spMkLst>
-        </pc:spChg>
-      </pc:sldChg>
-      <pc:sldChg chg="add modTransition">
-        <pc:chgData name="G 2" userId="8d203687cf76d0fd" providerId="LiveId" clId="{76E2985F-61D3-4F0E-8587-FEEB01D31A41}" dt="2019-03-18T23:52:31.643" v="13331"/>
-        <pc:sldMkLst>
-          <pc:docMk/>
-          <pc:sldMk cId="1471482274" sldId="677"/>
-        </pc:sldMkLst>
-      </pc:sldChg>
-      <pc:sldChg chg="addSp delSp modSp add">
-        <pc:chgData name="G 2" userId="8d203687cf76d0fd" providerId="LiveId" clId="{76E2985F-61D3-4F0E-8587-FEEB01D31A41}" dt="2019-03-18T18:10:24.922" v="6836" actId="1076"/>
-        <pc:sldMkLst>
-          <pc:docMk/>
-          <pc:sldMk cId="597615141" sldId="678"/>
-        </pc:sldMkLst>
-        <pc:spChg chg="add del">
-          <ac:chgData name="G 2" userId="8d203687cf76d0fd" providerId="LiveId" clId="{76E2985F-61D3-4F0E-8587-FEEB01D31A41}" dt="2019-03-18T15:34:51.161" v="3377"/>
-          <ac:spMkLst>
-            <pc:docMk/>
-            <pc:sldMk cId="597615141" sldId="678"/>
-            <ac:spMk id="3" creationId="{37B9796C-6E82-4DCA-AAAF-2B2C4FB3ABA7}"/>
-          </ac:spMkLst>
-        </pc:spChg>
-        <pc:spChg chg="mod">
-          <ac:chgData name="G 2" userId="8d203687cf76d0fd" providerId="LiveId" clId="{76E2985F-61D3-4F0E-8587-FEEB01D31A41}" dt="2019-03-18T13:51:27.457" v="2057"/>
-          <ac:spMkLst>
-            <pc:docMk/>
-            <pc:sldMk cId="597615141" sldId="678"/>
-            <ac:spMk id="4" creationId="{00000000-0000-0000-0000-000000000000}"/>
-          </ac:spMkLst>
-        </pc:spChg>
-        <pc:spChg chg="mod">
-          <ac:chgData name="G 2" userId="8d203687cf76d0fd" providerId="LiveId" clId="{76E2985F-61D3-4F0E-8587-FEEB01D31A41}" dt="2019-03-18T17:32:43.822" v="5477"/>
-          <ac:spMkLst>
-            <pc:docMk/>
-            <pc:sldMk cId="597615141" sldId="678"/>
-            <ac:spMk id="7" creationId="{E9FA7309-F1C6-4CBD-8CF9-4B7F9DDE73E1}"/>
-          </ac:spMkLst>
-        </pc:spChg>
-        <pc:spChg chg="mod">
-          <ac:chgData name="G 2" userId="8d203687cf76d0fd" providerId="LiveId" clId="{76E2985F-61D3-4F0E-8587-FEEB01D31A41}" dt="2019-03-18T17:33:32.466" v="5572" actId="20577"/>
-          <ac:spMkLst>
-            <pc:docMk/>
-            <pc:sldMk cId="597615141" sldId="678"/>
-            <ac:spMk id="8" creationId="{56A4447F-7D87-4D48-A0BB-0F0A59C6D550}"/>
-          </ac:spMkLst>
-        </pc:spChg>
-        <pc:picChg chg="add mod">
-          <ac:chgData name="G 2" userId="8d203687cf76d0fd" providerId="LiveId" clId="{76E2985F-61D3-4F0E-8587-FEEB01D31A41}" dt="2019-03-18T18:10:24.922" v="6836" actId="1076"/>
-          <ac:picMkLst>
-            <pc:docMk/>
-            <pc:sldMk cId="597615141" sldId="678"/>
-            <ac:picMk id="5" creationId="{3A6E7129-EABE-45B6-B6BB-404F6F919C17}"/>
-          </ac:picMkLst>
-        </pc:picChg>
-      </pc:sldChg>
-      <pc:sldChg chg="delSp modSp add del ord">
-        <pc:chgData name="G 2" userId="8d203687cf76d0fd" providerId="LiveId" clId="{76E2985F-61D3-4F0E-8587-FEEB01D31A41}" dt="2019-03-18T23:20:27.636" v="12434" actId="2696"/>
-        <pc:sldMkLst>
-          <pc:docMk/>
-          <pc:sldMk cId="2027332306" sldId="679"/>
-        </pc:sldMkLst>
-        <pc:spChg chg="mod">
-          <ac:chgData name="G 2" userId="8d203687cf76d0fd" providerId="LiveId" clId="{76E2985F-61D3-4F0E-8587-FEEB01D31A41}" dt="2019-03-18T14:41:57.388" v="3049"/>
-          <ac:spMkLst>
-            <pc:docMk/>
-            <pc:sldMk cId="2027332306" sldId="679"/>
-            <ac:spMk id="4" creationId="{00000000-0000-0000-0000-000000000000}"/>
-          </ac:spMkLst>
-        </pc:spChg>
-        <pc:spChg chg="del mod">
-          <ac:chgData name="G 2" userId="8d203687cf76d0fd" providerId="LiveId" clId="{76E2985F-61D3-4F0E-8587-FEEB01D31A41}" dt="2019-03-18T22:05:43.071" v="9938" actId="478"/>
-          <ac:spMkLst>
-            <pc:docMk/>
-            <pc:sldMk cId="2027332306" sldId="679"/>
-            <ac:spMk id="7" creationId="{E9FA7309-F1C6-4CBD-8CF9-4B7F9DDE73E1}"/>
-          </ac:spMkLst>
-        </pc:spChg>
-        <pc:spChg chg="mod">
-          <ac:chgData name="G 2" userId="8d203687cf76d0fd" providerId="LiveId" clId="{76E2985F-61D3-4F0E-8587-FEEB01D31A41}" dt="2019-03-18T22:10:13.748" v="10264" actId="14100"/>
-          <ac:spMkLst>
-            <pc:docMk/>
-            <pc:sldMk cId="2027332306" sldId="679"/>
-            <ac:spMk id="8" creationId="{56A4447F-7D87-4D48-A0BB-0F0A59C6D550}"/>
-          </ac:spMkLst>
-        </pc:spChg>
-      </pc:sldChg>
-      <pc:sldChg chg="addSp delSp modSp add ord">
-        <pc:chgData name="G 2" userId="8d203687cf76d0fd" providerId="LiveId" clId="{76E2985F-61D3-4F0E-8587-FEEB01D31A41}" dt="2019-03-18T17:09:03.615" v="4807" actId="478"/>
-        <pc:sldMkLst>
-          <pc:docMk/>
-          <pc:sldMk cId="3243273481" sldId="680"/>
-        </pc:sldMkLst>
-        <pc:spChg chg="mod">
-          <ac:chgData name="G 2" userId="8d203687cf76d0fd" providerId="LiveId" clId="{76E2985F-61D3-4F0E-8587-FEEB01D31A41}" dt="2019-03-18T15:24:06.504" v="3054"/>
-          <ac:spMkLst>
-            <pc:docMk/>
-            <pc:sldMk cId="3243273481" sldId="680"/>
-            <ac:spMk id="4" creationId="{00000000-0000-0000-0000-000000000000}"/>
-          </ac:spMkLst>
-        </pc:spChg>
-        <pc:spChg chg="add mod">
-          <ac:chgData name="G 2" userId="8d203687cf76d0fd" providerId="LiveId" clId="{76E2985F-61D3-4F0E-8587-FEEB01D31A41}" dt="2019-03-18T15:27:25.882" v="3240" actId="20577"/>
-          <ac:spMkLst>
-            <pc:docMk/>
-            <pc:sldMk cId="3243273481" sldId="680"/>
-            <ac:spMk id="11" creationId="{00DD3F7B-F2AF-4B52-B26F-8EA1FDBC4AEB}"/>
-          </ac:spMkLst>
-        </pc:spChg>
-        <pc:spChg chg="add mod">
-          <ac:chgData name="G 2" userId="8d203687cf76d0fd" providerId="LiveId" clId="{76E2985F-61D3-4F0E-8587-FEEB01D31A41}" dt="2019-03-18T15:28:02" v="3346" actId="14100"/>
-          <ac:spMkLst>
-            <pc:docMk/>
-            <pc:sldMk cId="3243273481" sldId="680"/>
-            <ac:spMk id="12" creationId="{EACC9957-6FC9-4D41-95B3-F1BB881A5153}"/>
-          </ac:spMkLst>
-        </pc:spChg>
-        <pc:spChg chg="add mod">
-          <ac:chgData name="G 2" userId="8d203687cf76d0fd" providerId="LiveId" clId="{76E2985F-61D3-4F0E-8587-FEEB01D31A41}" dt="2019-03-18T15:26:11.226" v="3236" actId="14100"/>
-          <ac:spMkLst>
-            <pc:docMk/>
-            <pc:sldMk cId="3243273481" sldId="680"/>
-            <ac:spMk id="13" creationId="{9640351B-50F9-4376-A810-2FD4B10C45DA}"/>
-          </ac:spMkLst>
-        </pc:spChg>
-        <pc:picChg chg="del">
-          <ac:chgData name="G 2" userId="8d203687cf76d0fd" providerId="LiveId" clId="{76E2985F-61D3-4F0E-8587-FEEB01D31A41}" dt="2019-03-18T15:24:00.184" v="3051" actId="478"/>
-          <ac:picMkLst>
-            <pc:docMk/>
-            <pc:sldMk cId="3243273481" sldId="680"/>
-            <ac:picMk id="3" creationId="{202DEFAF-76B1-43E8-88B9-D0DFE60E54BA}"/>
-          </ac:picMkLst>
-        </pc:picChg>
-        <pc:picChg chg="add mod modCrop">
-          <ac:chgData name="G 2" userId="8d203687cf76d0fd" providerId="LiveId" clId="{76E2985F-61D3-4F0E-8587-FEEB01D31A41}" dt="2019-03-18T16:49:46.818" v="4783" actId="1076"/>
-          <ac:picMkLst>
-            <pc:docMk/>
-            <pc:sldMk cId="3243273481" sldId="680"/>
-            <ac:picMk id="5" creationId="{0E0CA78F-2056-4648-99A8-EA33AFF6FA84}"/>
-          </ac:picMkLst>
-        </pc:picChg>
-        <pc:picChg chg="del">
-          <ac:chgData name="G 2" userId="8d203687cf76d0fd" providerId="LiveId" clId="{76E2985F-61D3-4F0E-8587-FEEB01D31A41}" dt="2019-03-18T15:24:00.184" v="3051" actId="478"/>
-          <ac:picMkLst>
-            <pc:docMk/>
-            <pc:sldMk cId="3243273481" sldId="680"/>
-            <ac:picMk id="6" creationId="{65480B90-7CDD-49A5-A6B7-C99967F69D85}"/>
-          </ac:picMkLst>
-        </pc:picChg>
-        <pc:picChg chg="del">
-          <ac:chgData name="G 2" userId="8d203687cf76d0fd" providerId="LiveId" clId="{76E2985F-61D3-4F0E-8587-FEEB01D31A41}" dt="2019-03-18T15:24:00.184" v="3051" actId="478"/>
-          <ac:picMkLst>
-            <pc:docMk/>
-            <pc:sldMk cId="3243273481" sldId="680"/>
-            <ac:picMk id="7" creationId="{C4271D63-9418-4C5E-995C-B43C60B12CA5}"/>
-          </ac:picMkLst>
-        </pc:picChg>
-        <pc:picChg chg="del">
-          <ac:chgData name="G 2" userId="8d203687cf76d0fd" providerId="LiveId" clId="{76E2985F-61D3-4F0E-8587-FEEB01D31A41}" dt="2019-03-18T15:24:00.184" v="3051" actId="478"/>
-          <ac:picMkLst>
-            <pc:docMk/>
-            <pc:sldMk cId="3243273481" sldId="680"/>
-            <ac:picMk id="8" creationId="{67397486-E3A3-45B5-B25E-7C7EDDF85659}"/>
-          </ac:picMkLst>
-        </pc:picChg>
-        <pc:picChg chg="add mod modCrop">
-          <ac:chgData name="G 2" userId="8d203687cf76d0fd" providerId="LiveId" clId="{76E2985F-61D3-4F0E-8587-FEEB01D31A41}" dt="2019-03-18T16:48:32.398" v="4782" actId="1076"/>
-          <ac:picMkLst>
-            <pc:docMk/>
-            <pc:sldMk cId="3243273481" sldId="680"/>
-            <ac:picMk id="9" creationId="{E7A40E84-80A5-4FCA-8D37-61742CD84F60}"/>
-          </ac:picMkLst>
-        </pc:picChg>
-        <pc:picChg chg="del">
-          <ac:chgData name="G 2" userId="8d203687cf76d0fd" providerId="LiveId" clId="{76E2985F-61D3-4F0E-8587-FEEB01D31A41}" dt="2019-03-18T15:24:02.014" v="3052" actId="478"/>
-          <ac:picMkLst>
-            <pc:docMk/>
-            <pc:sldMk cId="3243273481" sldId="680"/>
-            <ac:picMk id="10" creationId="{7098AB16-E01D-47BB-9987-7BDEC6C07081}"/>
-          </ac:picMkLst>
-        </pc:picChg>
-        <pc:picChg chg="add del">
-          <ac:chgData name="G 2" userId="8d203687cf76d0fd" providerId="LiveId" clId="{76E2985F-61D3-4F0E-8587-FEEB01D31A41}" dt="2019-03-18T17:08:58.091" v="4804"/>
-          <ac:picMkLst>
-            <pc:docMk/>
-            <pc:sldMk cId="3243273481" sldId="680"/>
-            <ac:picMk id="14" creationId="{1B4B2912-0AF4-4229-A838-2E9CFD07D536}"/>
-          </ac:picMkLst>
-        </pc:picChg>
-        <pc:picChg chg="add del">
-          <ac:chgData name="G 2" userId="8d203687cf76d0fd" providerId="LiveId" clId="{76E2985F-61D3-4F0E-8587-FEEB01D31A41}" dt="2019-03-18T17:09:03.615" v="4807" actId="478"/>
-          <ac:picMkLst>
-            <pc:docMk/>
-            <pc:sldMk cId="3243273481" sldId="680"/>
-            <ac:picMk id="16" creationId="{EAF4CF5E-919B-47BC-8C47-57B6A733094F}"/>
-          </ac:picMkLst>
-        </pc:picChg>
-      </pc:sldChg>
-      <pc:sldChg chg="addSp delSp modSp add ord">
-        <pc:chgData name="G 2" userId="8d203687cf76d0fd" providerId="LiveId" clId="{76E2985F-61D3-4F0E-8587-FEEB01D31A41}" dt="2019-03-18T18:22:51.833" v="7052" actId="478"/>
-        <pc:sldMkLst>
-          <pc:docMk/>
-          <pc:sldMk cId="26782565" sldId="681"/>
-        </pc:sldMkLst>
-        <pc:spChg chg="add del mod">
-          <ac:chgData name="G 2" userId="8d203687cf76d0fd" providerId="LiveId" clId="{76E2985F-61D3-4F0E-8587-FEEB01D31A41}" dt="2019-03-18T15:34:22.270" v="3374"/>
-          <ac:spMkLst>
-            <pc:docMk/>
-            <pc:sldMk cId="26782565" sldId="681"/>
-            <ac:spMk id="6" creationId="{A0CEB459-B032-4E67-8FE9-26E98F3F26C6}"/>
-          </ac:spMkLst>
-        </pc:spChg>
-        <pc:spChg chg="mod">
-          <ac:chgData name="G 2" userId="8d203687cf76d0fd" providerId="LiveId" clId="{76E2985F-61D3-4F0E-8587-FEEB01D31A41}" dt="2019-03-18T15:34:03.895" v="3359"/>
-          <ac:spMkLst>
-            <pc:docMk/>
-            <pc:sldMk cId="26782565" sldId="681"/>
-            <ac:spMk id="11" creationId="{00DD3F7B-F2AF-4B52-B26F-8EA1FDBC4AEB}"/>
-          </ac:spMkLst>
-        </pc:spChg>
-        <pc:spChg chg="del">
-          <ac:chgData name="G 2" userId="8d203687cf76d0fd" providerId="LiveId" clId="{76E2985F-61D3-4F0E-8587-FEEB01D31A41}" dt="2019-03-18T15:34:05.912" v="3360" actId="478"/>
-          <ac:spMkLst>
-            <pc:docMk/>
-            <pc:sldMk cId="26782565" sldId="681"/>
-            <ac:spMk id="12" creationId="{EACC9957-6FC9-4D41-95B3-F1BB881A5153}"/>
-          </ac:spMkLst>
-        </pc:spChg>
-        <pc:spChg chg="mod">
-          <ac:chgData name="G 2" userId="8d203687cf76d0fd" providerId="LiveId" clId="{76E2985F-61D3-4F0E-8587-FEEB01D31A41}" dt="2019-03-18T15:34:22.068" v="3372" actId="14100"/>
-          <ac:spMkLst>
-            <pc:docMk/>
-            <pc:sldMk cId="26782565" sldId="681"/>
-            <ac:spMk id="13" creationId="{9640351B-50F9-4376-A810-2FD4B10C45DA}"/>
-          </ac:spMkLst>
-        </pc:spChg>
-        <pc:picChg chg="add mod">
-          <ac:chgData name="G 2" userId="8d203687cf76d0fd" providerId="LiveId" clId="{76E2985F-61D3-4F0E-8587-FEEB01D31A41}" dt="2019-03-18T15:34:23.308" v="3375" actId="1076"/>
-          <ac:picMkLst>
-            <pc:docMk/>
-            <pc:sldMk cId="26782565" sldId="681"/>
-            <ac:picMk id="3" creationId="{FF6CF874-A5B2-4755-88C2-2D0D95A08C7F}"/>
-          </ac:picMkLst>
-        </pc:picChg>
-        <pc:picChg chg="del">
-          <ac:chgData name="G 2" userId="8d203687cf76d0fd" providerId="LiveId" clId="{76E2985F-61D3-4F0E-8587-FEEB01D31A41}" dt="2019-03-18T15:33:56.487" v="3353" actId="478"/>
-          <ac:picMkLst>
-            <pc:docMk/>
-            <pc:sldMk cId="26782565" sldId="681"/>
-            <ac:picMk id="5" creationId="{0E0CA78F-2056-4648-99A8-EA33AFF6FA84}"/>
-          </ac:picMkLst>
-        </pc:picChg>
-        <pc:picChg chg="add del mod">
-          <ac:chgData name="G 2" userId="8d203687cf76d0fd" providerId="LiveId" clId="{76E2985F-61D3-4F0E-8587-FEEB01D31A41}" dt="2019-03-18T18:22:51.833" v="7052" actId="478"/>
-          <ac:picMkLst>
-            <pc:docMk/>
-            <pc:sldMk cId="26782565" sldId="681"/>
-            <ac:picMk id="5" creationId="{738B21FC-3245-47E0-9BA5-D3AACB2AE012}"/>
-          </ac:picMkLst>
-        </pc:picChg>
-        <pc:picChg chg="add del mod">
-          <ac:chgData name="G 2" userId="8d203687cf76d0fd" providerId="LiveId" clId="{76E2985F-61D3-4F0E-8587-FEEB01D31A41}" dt="2019-03-18T18:22:50.783" v="7051" actId="478"/>
-          <ac:picMkLst>
-            <pc:docMk/>
-            <pc:sldMk cId="26782565" sldId="681"/>
-            <ac:picMk id="6" creationId="{CDF1E6DA-13B0-4292-ACD5-C711B96C87B0}"/>
-          </ac:picMkLst>
-        </pc:picChg>
-        <pc:picChg chg="add del mod">
-          <ac:chgData name="G 2" userId="8d203687cf76d0fd" providerId="LiveId" clId="{76E2985F-61D3-4F0E-8587-FEEB01D31A41}" dt="2019-03-18T16:21:13.384" v="4065" actId="478"/>
-          <ac:picMkLst>
-            <pc:docMk/>
-            <pc:sldMk cId="26782565" sldId="681"/>
-            <ac:picMk id="7" creationId="{B88FD8DF-C9B8-45CC-8E94-F620B25A17D4}"/>
-          </ac:picMkLst>
-        </pc:picChg>
-        <pc:picChg chg="del mod">
-          <ac:chgData name="G 2" userId="8d203687cf76d0fd" providerId="LiveId" clId="{76E2985F-61D3-4F0E-8587-FEEB01D31A41}" dt="2019-03-18T15:33:54.653" v="3350" actId="478"/>
-          <ac:picMkLst>
-            <pc:docMk/>
-            <pc:sldMk cId="26782565" sldId="681"/>
-            <ac:picMk id="9" creationId="{E7A40E84-80A5-4FCA-8D37-61742CD84F60}"/>
-          </ac:picMkLst>
-        </pc:picChg>
-      </pc:sldChg>
-      <pc:sldChg chg="addSp delSp modSp add ord">
-        <pc:chgData name="G 2" userId="8d203687cf76d0fd" providerId="LiveId" clId="{76E2985F-61D3-4F0E-8587-FEEB01D31A41}" dt="2019-03-18T18:14:09.400" v="6972"/>
-        <pc:sldMkLst>
-          <pc:docMk/>
-          <pc:sldMk cId="224664726" sldId="682"/>
-        </pc:sldMkLst>
-        <pc:spChg chg="add mod">
-          <ac:chgData name="G 2" userId="8d203687cf76d0fd" providerId="LiveId" clId="{76E2985F-61D3-4F0E-8587-FEEB01D31A41}" dt="2019-03-18T15:49:35.148" v="3771" actId="1076"/>
-          <ac:spMkLst>
-            <pc:docMk/>
-            <pc:sldMk cId="224664726" sldId="682"/>
-            <ac:spMk id="5" creationId="{818B95C9-4BE7-4384-9B16-F8E42471DF40}"/>
-          </ac:spMkLst>
-        </pc:spChg>
-        <pc:spChg chg="del mod">
-          <ac:chgData name="G 2" userId="8d203687cf76d0fd" providerId="LiveId" clId="{76E2985F-61D3-4F0E-8587-FEEB01D31A41}" dt="2019-03-18T15:49:13.460" v="3757" actId="478"/>
-          <ac:spMkLst>
-            <pc:docMk/>
-            <pc:sldMk cId="224664726" sldId="682"/>
-            <ac:spMk id="7" creationId="{E9FA7309-F1C6-4CBD-8CF9-4B7F9DDE73E1}"/>
-          </ac:spMkLst>
-        </pc:spChg>
-        <pc:spChg chg="del">
-          <ac:chgData name="G 2" userId="8d203687cf76d0fd" providerId="LiveId" clId="{76E2985F-61D3-4F0E-8587-FEEB01D31A41}" dt="2019-03-18T15:35:45.446" v="3499" actId="478"/>
-          <ac:spMkLst>
-            <pc:docMk/>
-            <pc:sldMk cId="224664726" sldId="682"/>
-            <ac:spMk id="8" creationId="{56A4447F-7D87-4D48-A0BB-0F0A59C6D550}"/>
-          </ac:spMkLst>
-        </pc:spChg>
-        <pc:picChg chg="add mod">
-          <ac:chgData name="G 2" userId="8d203687cf76d0fd" providerId="LiveId" clId="{76E2985F-61D3-4F0E-8587-FEEB01D31A41}" dt="2019-03-18T17:05:46.038" v="4802" actId="1076"/>
-          <ac:picMkLst>
-            <pc:docMk/>
-            <pc:sldMk cId="224664726" sldId="682"/>
-            <ac:picMk id="3" creationId="{4B7602F3-27C4-494E-B7CE-658D72A701EC}"/>
-          </ac:picMkLst>
-        </pc:picChg>
-        <pc:picChg chg="add del mod">
-          <ac:chgData name="G 2" userId="8d203687cf76d0fd" providerId="LiveId" clId="{76E2985F-61D3-4F0E-8587-FEEB01D31A41}" dt="2019-03-18T15:49:11.357" v="3755" actId="478"/>
-          <ac:picMkLst>
-            <pc:docMk/>
-            <pc:sldMk cId="224664726" sldId="682"/>
-            <ac:picMk id="9" creationId="{08F8203E-226E-4206-9554-26B3895A14DD}"/>
-          </ac:picMkLst>
-        </pc:picChg>
-      </pc:sldChg>
-      <pc:sldChg chg="addSp delSp modSp add ord modTransition">
-        <pc:chgData name="G 2" userId="8d203687cf76d0fd" providerId="LiveId" clId="{76E2985F-61D3-4F0E-8587-FEEB01D31A41}" dt="2019-03-18T20:20:02.152" v="8263"/>
-        <pc:sldMkLst>
-          <pc:docMk/>
-          <pc:sldMk cId="3571356580" sldId="683"/>
-        </pc:sldMkLst>
-        <pc:spChg chg="add del mod">
-          <ac:chgData name="G 2" userId="8d203687cf76d0fd" providerId="LiveId" clId="{76E2985F-61D3-4F0E-8587-FEEB01D31A41}" dt="2019-03-18T20:19:54.006" v="8261" actId="1076"/>
-          <ac:spMkLst>
-            <pc:docMk/>
-            <pc:sldMk cId="3571356580" sldId="683"/>
-            <ac:spMk id="5" creationId="{379A6240-8DB5-4E3B-A1FF-C2B5F7C8F2F4}"/>
-          </ac:spMkLst>
-        </pc:spChg>
-        <pc:spChg chg="mod">
-          <ac:chgData name="G 2" userId="8d203687cf76d0fd" providerId="LiveId" clId="{76E2985F-61D3-4F0E-8587-FEEB01D31A41}" dt="2019-03-18T19:56:37.658" v="7846" actId="20577"/>
-          <ac:spMkLst>
-            <pc:docMk/>
-            <pc:sldMk cId="3571356580" sldId="683"/>
-            <ac:spMk id="7" creationId="{E9FA7309-F1C6-4CBD-8CF9-4B7F9DDE73E1}"/>
-          </ac:spMkLst>
-        </pc:spChg>
-        <pc:picChg chg="del">
-          <ac:chgData name="G 2" userId="8d203687cf76d0fd" providerId="LiveId" clId="{76E2985F-61D3-4F0E-8587-FEEB01D31A41}" dt="2019-03-18T15:49:07.865" v="3753" actId="478"/>
-          <ac:picMkLst>
-            <pc:docMk/>
-            <pc:sldMk cId="3571356580" sldId="683"/>
-            <ac:picMk id="3" creationId="{4B7602F3-27C4-494E-B7CE-658D72A701EC}"/>
-          </ac:picMkLst>
-        </pc:picChg>
-        <pc:picChg chg="add mod">
-          <ac:chgData name="G 2" userId="8d203687cf76d0fd" providerId="LiveId" clId="{76E2985F-61D3-4F0E-8587-FEEB01D31A41}" dt="2019-03-18T18:13:48.374" v="6970" actId="1076"/>
-          <ac:picMkLst>
-            <pc:docMk/>
-            <pc:sldMk cId="3571356580" sldId="683"/>
-            <ac:picMk id="8" creationId="{0D091775-4376-4C4D-96C7-2F956AA7D5DF}"/>
-          </ac:picMkLst>
-        </pc:picChg>
-        <pc:picChg chg="del">
-          <ac:chgData name="G 2" userId="8d203687cf76d0fd" providerId="LiveId" clId="{76E2985F-61D3-4F0E-8587-FEEB01D31A41}" dt="2019-03-18T15:49:06.261" v="3752" actId="478"/>
-          <ac:picMkLst>
-            <pc:docMk/>
-            <pc:sldMk cId="3571356580" sldId="683"/>
-            <ac:picMk id="9" creationId="{08F8203E-226E-4206-9554-26B3895A14DD}"/>
-          </ac:picMkLst>
-        </pc:picChg>
-      </pc:sldChg>
-      <pc:sldChg chg="addSp delSp modSp add del ord">
-        <pc:chgData name="G 2" userId="8d203687cf76d0fd" providerId="LiveId" clId="{76E2985F-61D3-4F0E-8587-FEEB01D31A41}" dt="2019-03-18T19:57:01.496" v="7849" actId="2696"/>
-        <pc:sldMkLst>
-          <pc:docMk/>
-          <pc:sldMk cId="105115762" sldId="684"/>
-        </pc:sldMkLst>
-        <pc:spChg chg="mod">
-          <ac:chgData name="G 2" userId="8d203687cf76d0fd" providerId="LiveId" clId="{76E2985F-61D3-4F0E-8587-FEEB01D31A41}" dt="2019-03-18T16:21:04.813" v="4064" actId="1076"/>
-          <ac:spMkLst>
-            <pc:docMk/>
-            <pc:sldMk cId="105115762" sldId="684"/>
-            <ac:spMk id="11" creationId="{00DD3F7B-F2AF-4B52-B26F-8EA1FDBC4AEB}"/>
-          </ac:spMkLst>
-        </pc:spChg>
-        <pc:spChg chg="mod">
-          <ac:chgData name="G 2" userId="8d203687cf76d0fd" providerId="LiveId" clId="{76E2985F-61D3-4F0E-8587-FEEB01D31A41}" dt="2019-03-18T16:20:11.348" v="4055" actId="20577"/>
-          <ac:spMkLst>
-            <pc:docMk/>
-            <pc:sldMk cId="105115762" sldId="684"/>
-            <ac:spMk id="13" creationId="{9640351B-50F9-4376-A810-2FD4B10C45DA}"/>
-          </ac:spMkLst>
-        </pc:spChg>
-        <pc:picChg chg="add mod ord modCrop">
-          <ac:chgData name="G 2" userId="8d203687cf76d0fd" providerId="LiveId" clId="{76E2985F-61D3-4F0E-8587-FEEB01D31A41}" dt="2019-03-18T19:55:26.974" v="7743" actId="14100"/>
-          <ac:picMkLst>
-            <pc:docMk/>
-            <pc:sldMk cId="105115762" sldId="684"/>
-            <ac:picMk id="3" creationId="{5869101D-D093-46E1-8871-7D30DA8B7748}"/>
-          </ac:picMkLst>
-        </pc:picChg>
-        <pc:picChg chg="del mod">
-          <ac:chgData name="G 2" userId="8d203687cf76d0fd" providerId="LiveId" clId="{76E2985F-61D3-4F0E-8587-FEEB01D31A41}" dt="2019-03-18T16:19:27.557" v="4010" actId="478"/>
-          <ac:picMkLst>
-            <pc:docMk/>
-            <pc:sldMk cId="105115762" sldId="684"/>
-            <ac:picMk id="3" creationId="{FF6CF874-A5B2-4755-88C2-2D0D95A08C7F}"/>
-          </ac:picMkLst>
-        </pc:picChg>
-        <pc:picChg chg="mod ord">
-          <ac:chgData name="G 2" userId="8d203687cf76d0fd" providerId="LiveId" clId="{76E2985F-61D3-4F0E-8587-FEEB01D31A41}" dt="2019-03-18T19:55:28.634" v="7744" actId="1076"/>
-          <ac:picMkLst>
-            <pc:docMk/>
-            <pc:sldMk cId="105115762" sldId="684"/>
-            <ac:picMk id="7" creationId="{B88FD8DF-C9B8-45CC-8E94-F620B25A17D4}"/>
-          </ac:picMkLst>
-        </pc:picChg>
-      </pc:sldChg>
-      <pc:sldChg chg="addSp delSp modSp add ord">
-        <pc:chgData name="G 2" userId="8d203687cf76d0fd" providerId="LiveId" clId="{76E2985F-61D3-4F0E-8587-FEEB01D31A41}" dt="2019-03-18T18:11:55.411" v="6912"/>
-        <pc:sldMkLst>
-          <pc:docMk/>
-          <pc:sldMk cId="3878708904" sldId="685"/>
-        </pc:sldMkLst>
-        <pc:spChg chg="mod">
-          <ac:chgData name="G 2" userId="8d203687cf76d0fd" providerId="LiveId" clId="{76E2985F-61D3-4F0E-8587-FEEB01D31A41}" dt="2019-03-18T17:09:28.943" v="4853"/>
-          <ac:spMkLst>
-            <pc:docMk/>
-            <pc:sldMk cId="3878708904" sldId="685"/>
-            <ac:spMk id="11" creationId="{00DD3F7B-F2AF-4B52-B26F-8EA1FDBC4AEB}"/>
-          </ac:spMkLst>
-        </pc:spChg>
-        <pc:spChg chg="del mod">
-          <ac:chgData name="G 2" userId="8d203687cf76d0fd" providerId="LiveId" clId="{76E2985F-61D3-4F0E-8587-FEEB01D31A41}" dt="2019-03-18T17:09:52.659" v="4870"/>
-          <ac:spMkLst>
-            <pc:docMk/>
-            <pc:sldMk cId="3878708904" sldId="685"/>
-            <ac:spMk id="12" creationId="{EACC9957-6FC9-4D41-95B3-F1BB881A5153}"/>
-          </ac:spMkLst>
-        </pc:spChg>
-        <pc:spChg chg="add mod">
-          <ac:chgData name="G 2" userId="8d203687cf76d0fd" providerId="LiveId" clId="{76E2985F-61D3-4F0E-8587-FEEB01D31A41}" dt="2019-03-18T17:11:03.202" v="4965" actId="20577"/>
-          <ac:spMkLst>
-            <pc:docMk/>
-            <pc:sldMk cId="3878708904" sldId="685"/>
-            <ac:spMk id="14" creationId="{53C76C3E-66BC-466E-91C6-40E893E9056A}"/>
-          </ac:spMkLst>
-        </pc:spChg>
-        <pc:picChg chg="add mod">
-          <ac:chgData name="G 2" userId="8d203687cf76d0fd" providerId="LiveId" clId="{76E2985F-61D3-4F0E-8587-FEEB01D31A41}" dt="2019-03-18T17:09:48.893" v="4866" actId="14100"/>
-          <ac:picMkLst>
-            <pc:docMk/>
-            <pc:sldMk cId="3878708904" sldId="685"/>
-            <ac:picMk id="3" creationId="{287788D4-A59B-4163-9F33-6F8BDEAB8C03}"/>
-          </ac:picMkLst>
-        </pc:picChg>
-        <pc:picChg chg="del">
-          <ac:chgData name="G 2" userId="8d203687cf76d0fd" providerId="LiveId" clId="{76E2985F-61D3-4F0E-8587-FEEB01D31A41}" dt="2019-03-18T17:09:09.408" v="4811" actId="478"/>
-          <ac:picMkLst>
-            <pc:docMk/>
-            <pc:sldMk cId="3878708904" sldId="685"/>
-            <ac:picMk id="5" creationId="{0E0CA78F-2056-4648-99A8-EA33AFF6FA84}"/>
-          </ac:picMkLst>
-        </pc:picChg>
-        <pc:picChg chg="del">
-          <ac:chgData name="G 2" userId="8d203687cf76d0fd" providerId="LiveId" clId="{76E2985F-61D3-4F0E-8587-FEEB01D31A41}" dt="2019-03-18T17:09:06.123" v="4808" actId="478"/>
-          <ac:picMkLst>
-            <pc:docMk/>
-            <pc:sldMk cId="3878708904" sldId="685"/>
-            <ac:picMk id="9" creationId="{E7A40E84-80A5-4FCA-8D37-61742CD84F60}"/>
-          </ac:picMkLst>
-        </pc:picChg>
-        <pc:picChg chg="mod">
-          <ac:chgData name="G 2" userId="8d203687cf76d0fd" providerId="LiveId" clId="{76E2985F-61D3-4F0E-8587-FEEB01D31A41}" dt="2019-03-18T17:09:52.379" v="4868" actId="1076"/>
-          <ac:picMkLst>
-            <pc:docMk/>
-            <pc:sldMk cId="3878708904" sldId="685"/>
-            <ac:picMk id="16" creationId="{EAF4CF5E-919B-47BC-8C47-57B6A733094F}"/>
-          </ac:picMkLst>
-        </pc:picChg>
-      </pc:sldChg>
-      <pc:sldChg chg="addSp delSp modSp add ord">
-        <pc:chgData name="G 2" userId="8d203687cf76d0fd" providerId="LiveId" clId="{76E2985F-61D3-4F0E-8587-FEEB01D31A41}" dt="2019-03-18T18:14:10.491" v="6973"/>
-        <pc:sldMkLst>
-          <pc:docMk/>
-          <pc:sldMk cId="259087055" sldId="686"/>
-        </pc:sldMkLst>
-        <pc:spChg chg="mod">
-          <ac:chgData name="G 2" userId="8d203687cf76d0fd" providerId="LiveId" clId="{76E2985F-61D3-4F0E-8587-FEEB01D31A41}" dt="2019-03-18T17:11:14.638" v="4977" actId="5793"/>
-          <ac:spMkLst>
-            <pc:docMk/>
-            <pc:sldMk cId="259087055" sldId="686"/>
-            <ac:spMk id="11" creationId="{00DD3F7B-F2AF-4B52-B26F-8EA1FDBC4AEB}"/>
-          </ac:spMkLst>
-        </pc:spChg>
-        <pc:spChg chg="del">
-          <ac:chgData name="G 2" userId="8d203687cf76d0fd" providerId="LiveId" clId="{76E2985F-61D3-4F0E-8587-FEEB01D31A41}" dt="2019-03-18T17:16:17.893" v="5024" actId="478"/>
-          <ac:spMkLst>
-            <pc:docMk/>
-            <pc:sldMk cId="259087055" sldId="686"/>
-            <ac:spMk id="13" creationId="{9640351B-50F9-4376-A810-2FD4B10C45DA}"/>
-          </ac:spMkLst>
-        </pc:spChg>
-        <pc:spChg chg="mod">
-          <ac:chgData name="G 2" userId="8d203687cf76d0fd" providerId="LiveId" clId="{76E2985F-61D3-4F0E-8587-FEEB01D31A41}" dt="2019-03-18T17:11:48.580" v="5019" actId="1076"/>
-          <ac:spMkLst>
-            <pc:docMk/>
-            <pc:sldMk cId="259087055" sldId="686"/>
-            <ac:spMk id="14" creationId="{53C76C3E-66BC-466E-91C6-40E893E9056A}"/>
-          </ac:spMkLst>
-        </pc:spChg>
-        <pc:picChg chg="del">
-          <ac:chgData name="G 2" userId="8d203687cf76d0fd" providerId="LiveId" clId="{76E2985F-61D3-4F0E-8587-FEEB01D31A41}" dt="2019-03-18T17:16:05.851" v="5021" actId="478"/>
-          <ac:picMkLst>
-            <pc:docMk/>
-            <pc:sldMk cId="259087055" sldId="686"/>
-            <ac:picMk id="3" creationId="{287788D4-A59B-4163-9F33-6F8BDEAB8C03}"/>
-          </ac:picMkLst>
-        </pc:picChg>
-        <pc:picChg chg="add mod">
-          <ac:chgData name="G 2" userId="8d203687cf76d0fd" providerId="LiveId" clId="{76E2985F-61D3-4F0E-8587-FEEB01D31A41}" dt="2019-03-18T17:16:07.101" v="5023" actId="1076"/>
-          <ac:picMkLst>
-            <pc:docMk/>
-            <pc:sldMk cId="259087055" sldId="686"/>
-            <ac:picMk id="5" creationId="{537D7992-7BF8-46D8-B240-0D67C08816B6}"/>
-          </ac:picMkLst>
-        </pc:picChg>
-        <pc:picChg chg="del mod">
-          <ac:chgData name="G 2" userId="8d203687cf76d0fd" providerId="LiveId" clId="{76E2985F-61D3-4F0E-8587-FEEB01D31A41}" dt="2019-03-18T17:16:05.851" v="5021" actId="478"/>
-          <ac:picMkLst>
-            <pc:docMk/>
-            <pc:sldMk cId="259087055" sldId="686"/>
-            <ac:picMk id="16" creationId="{EAF4CF5E-919B-47BC-8C47-57B6A733094F}"/>
-          </ac:picMkLst>
-        </pc:picChg>
-      </pc:sldChg>
-      <pc:sldChg chg="addSp delSp modSp add ord">
-        <pc:chgData name="G 2" userId="8d203687cf76d0fd" providerId="LiveId" clId="{76E2985F-61D3-4F0E-8587-FEEB01D31A41}" dt="2019-03-18T20:19:46.271" v="8257"/>
-        <pc:sldMkLst>
-          <pc:docMk/>
-          <pc:sldMk cId="464840888" sldId="687"/>
-        </pc:sldMkLst>
-        <pc:spChg chg="del">
-          <ac:chgData name="G 2" userId="8d203687cf76d0fd" providerId="LiveId" clId="{76E2985F-61D3-4F0E-8587-FEEB01D31A41}" dt="2019-03-18T17:52:56.749" v="5837" actId="478"/>
-          <ac:spMkLst>
-            <pc:docMk/>
-            <pc:sldMk cId="464840888" sldId="687"/>
-            <ac:spMk id="5" creationId="{379A6240-8DB5-4E3B-A1FF-C2B5F7C8F2F4}"/>
-          </ac:spMkLst>
-        </pc:spChg>
-        <pc:spChg chg="add mod">
-          <ac:chgData name="G 2" userId="8d203687cf76d0fd" providerId="LiveId" clId="{76E2985F-61D3-4F0E-8587-FEEB01D31A41}" dt="2019-03-18T18:07:17.811" v="6774"/>
-          <ac:spMkLst>
-            <pc:docMk/>
-            <pc:sldMk cId="464840888" sldId="687"/>
-            <ac:spMk id="5" creationId="{4547AA16-6AE6-4DC4-A3FA-6BA7B4AEE629}"/>
-          </ac:spMkLst>
-        </pc:spChg>
-        <pc:spChg chg="add del">
-          <ac:chgData name="G 2" userId="8d203687cf76d0fd" providerId="LiveId" clId="{76E2985F-61D3-4F0E-8587-FEEB01D31A41}" dt="2019-03-18T17:53:24.689" v="5841"/>
-          <ac:spMkLst>
-            <pc:docMk/>
-            <pc:sldMk cId="464840888" sldId="687"/>
-            <ac:spMk id="6" creationId="{6BFFC819-5468-4DA1-8FAC-1E612BC744E5}"/>
-          </ac:spMkLst>
-        </pc:spChg>
-        <pc:spChg chg="add mod">
-          <ac:chgData name="G 2" userId="8d203687cf76d0fd" providerId="LiveId" clId="{76E2985F-61D3-4F0E-8587-FEEB01D31A41}" dt="2019-03-18T19:09:42.202" v="7589" actId="114"/>
-          <ac:spMkLst>
-            <pc:docMk/>
-            <pc:sldMk cId="464840888" sldId="687"/>
-            <ac:spMk id="6" creationId="{C1B47136-CAA1-46AE-91CD-FA56DBD148E5}"/>
-          </ac:spMkLst>
-        </pc:spChg>
-        <pc:spChg chg="mod">
-          <ac:chgData name="G 2" userId="8d203687cf76d0fd" providerId="LiveId" clId="{76E2985F-61D3-4F0E-8587-FEEB01D31A41}" dt="2019-03-18T17:57:44.150" v="6117" actId="27636"/>
-          <ac:spMkLst>
-            <pc:docMk/>
-            <pc:sldMk cId="464840888" sldId="687"/>
-            <ac:spMk id="7" creationId="{E9FA7309-F1C6-4CBD-8CF9-4B7F9DDE73E1}"/>
-          </ac:spMkLst>
-        </pc:spChg>
-        <pc:spChg chg="add mod">
-          <ac:chgData name="G 2" userId="8d203687cf76d0fd" providerId="LiveId" clId="{76E2985F-61D3-4F0E-8587-FEEB01D31A41}" dt="2019-03-18T19:09:54.506" v="7594" actId="20577"/>
-          <ac:spMkLst>
-            <pc:docMk/>
-            <pc:sldMk cId="464840888" sldId="687"/>
-            <ac:spMk id="8" creationId="{AFF60BFC-C680-470D-BC9E-A905FBDD3649}"/>
-          </ac:spMkLst>
-        </pc:spChg>
-        <pc:spChg chg="add del mod">
-          <ac:chgData name="G 2" userId="8d203687cf76d0fd" providerId="LiveId" clId="{76E2985F-61D3-4F0E-8587-FEEB01D31A41}" dt="2019-03-18T17:57:37.823" v="6103"/>
-          <ac:spMkLst>
-            <pc:docMk/>
-            <pc:sldMk cId="464840888" sldId="687"/>
-            <ac:spMk id="9" creationId="{73D3876F-E7CB-4824-AD2A-64230E098F60}"/>
-          </ac:spMkLst>
-        </pc:spChg>
-        <pc:spChg chg="add mod">
-          <ac:chgData name="G 2" userId="8d203687cf76d0fd" providerId="LiveId" clId="{76E2985F-61D3-4F0E-8587-FEEB01D31A41}" dt="2019-03-18T18:10:01.434" v="6834"/>
-          <ac:spMkLst>
-            <pc:docMk/>
-            <pc:sldMk cId="464840888" sldId="687"/>
-            <ac:spMk id="12" creationId="{99A66485-6211-4BCC-BD43-CC765377936D}"/>
-          </ac:spMkLst>
-        </pc:spChg>
-        <pc:spChg chg="add mod">
-          <ac:chgData name="G 2" userId="8d203687cf76d0fd" providerId="LiveId" clId="{76E2985F-61D3-4F0E-8587-FEEB01D31A41}" dt="2019-03-18T18:06:28.055" v="6677" actId="20577"/>
-          <ac:spMkLst>
-            <pc:docMk/>
-            <pc:sldMk cId="464840888" sldId="687"/>
-            <ac:spMk id="13" creationId="{C9FD66CB-F6D2-49DF-8102-F8A7ED3DE05F}"/>
-          </ac:spMkLst>
-        </pc:spChg>
-        <pc:spChg chg="add del mod">
-          <ac:chgData name="G 2" userId="8d203687cf76d0fd" providerId="LiveId" clId="{76E2985F-61D3-4F0E-8587-FEEB01D31A41}" dt="2019-03-18T20:19:46.271" v="8257"/>
-          <ac:spMkLst>
-            <pc:docMk/>
-            <pc:sldMk cId="464840888" sldId="687"/>
-            <ac:spMk id="14" creationId="{F0BC710E-8D5A-471C-B7AB-B8B1002CA1F0}"/>
-          </ac:spMkLst>
-        </pc:spChg>
-        <pc:picChg chg="add mod">
-          <ac:chgData name="G 2" userId="8d203687cf76d0fd" providerId="LiveId" clId="{76E2985F-61D3-4F0E-8587-FEEB01D31A41}" dt="2019-03-18T17:57:50.557" v="6121" actId="14100"/>
-          <ac:picMkLst>
-            <pc:docMk/>
-            <pc:sldMk cId="464840888" sldId="687"/>
-            <ac:picMk id="3" creationId="{25815D3E-0176-47B6-8279-E3672EE6E154}"/>
-          </ac:picMkLst>
-        </pc:picChg>
-        <pc:picChg chg="del">
-          <ac:chgData name="G 2" userId="8d203687cf76d0fd" providerId="LiveId" clId="{76E2985F-61D3-4F0E-8587-FEEB01D31A41}" dt="2019-03-18T17:52:55.345" v="5836" actId="478"/>
-          <ac:picMkLst>
-            <pc:docMk/>
-            <pc:sldMk cId="464840888" sldId="687"/>
-            <ac:picMk id="8" creationId="{0D091775-4376-4C4D-96C7-2F956AA7D5DF}"/>
-          </ac:picMkLst>
-        </pc:picChg>
-        <pc:picChg chg="add mod">
-          <ac:chgData name="G 2" userId="8d203687cf76d0fd" providerId="LiveId" clId="{76E2985F-61D3-4F0E-8587-FEEB01D31A41}" dt="2019-03-18T17:58:00.450" v="6128" actId="1076"/>
-          <ac:picMkLst>
-            <pc:docMk/>
-            <pc:sldMk cId="464840888" sldId="687"/>
-            <ac:picMk id="10" creationId="{AE2D1C78-F1CD-40C7-AD5C-A7F373C9F057}"/>
-          </ac:picMkLst>
-        </pc:picChg>
-        <pc:picChg chg="add mod">
-          <ac:chgData name="G 2" userId="8d203687cf76d0fd" providerId="LiveId" clId="{76E2985F-61D3-4F0E-8587-FEEB01D31A41}" dt="2019-03-18T18:08:20.525" v="6783" actId="1076"/>
-          <ac:picMkLst>
-            <pc:docMk/>
-            <pc:sldMk cId="464840888" sldId="687"/>
-            <ac:picMk id="11" creationId="{69E70975-4778-493D-8244-4339B92A2D4C}"/>
-          </ac:picMkLst>
-        </pc:picChg>
-      </pc:sldChg>
-      <pc:sldChg chg="addSp delSp modSp add">
-        <pc:chgData name="G 2" userId="8d203687cf76d0fd" providerId="LiveId" clId="{76E2985F-61D3-4F0E-8587-FEEB01D31A41}" dt="2019-03-18T18:47:42.966" v="7498" actId="1076"/>
-        <pc:sldMkLst>
-          <pc:docMk/>
-          <pc:sldMk cId="3812753546" sldId="688"/>
-        </pc:sldMkLst>
-        <pc:spChg chg="add mod">
-          <ac:chgData name="G 2" userId="8d203687cf76d0fd" providerId="LiveId" clId="{76E2985F-61D3-4F0E-8587-FEEB01D31A41}" dt="2019-03-18T18:37:07.547" v="7383" actId="1076"/>
-          <ac:spMkLst>
-            <pc:docMk/>
-            <pc:sldMk cId="3812753546" sldId="688"/>
-            <ac:spMk id="8" creationId="{36935E5C-8D60-4DF3-B039-C37D567FE840}"/>
-          </ac:spMkLst>
-        </pc:spChg>
-        <pc:spChg chg="mod">
-          <ac:chgData name="G 2" userId="8d203687cf76d0fd" providerId="LiveId" clId="{76E2985F-61D3-4F0E-8587-FEEB01D31A41}" dt="2019-03-18T18:47:42.966" v="7498" actId="1076"/>
-          <ac:spMkLst>
-            <pc:docMk/>
-            <pc:sldMk cId="3812753546" sldId="688"/>
-            <ac:spMk id="11" creationId="{00DD3F7B-F2AF-4B52-B26F-8EA1FDBC4AEB}"/>
-          </ac:spMkLst>
-        </pc:spChg>
-        <pc:spChg chg="del">
-          <ac:chgData name="G 2" userId="8d203687cf76d0fd" providerId="LiveId" clId="{76E2985F-61D3-4F0E-8587-FEEB01D31A41}" dt="2019-03-18T18:24:03.057" v="7069" actId="478"/>
-          <ac:spMkLst>
-            <pc:docMk/>
-            <pc:sldMk cId="3812753546" sldId="688"/>
-            <ac:spMk id="13" creationId="{9640351B-50F9-4376-A810-2FD4B10C45DA}"/>
-          </ac:spMkLst>
-        </pc:spChg>
-        <pc:spChg chg="add mod">
-          <ac:chgData name="G 2" userId="8d203687cf76d0fd" providerId="LiveId" clId="{76E2985F-61D3-4F0E-8587-FEEB01D31A41}" dt="2019-03-18T18:47:40.812" v="7497" actId="1076"/>
-          <ac:spMkLst>
-            <pc:docMk/>
-            <pc:sldMk cId="3812753546" sldId="688"/>
-            <ac:spMk id="14" creationId="{46262A25-75B8-4637-B198-F896B270D25A}"/>
-          </ac:spMkLst>
-        </pc:spChg>
-        <pc:spChg chg="add mod">
-          <ac:chgData name="G 2" userId="8d203687cf76d0fd" providerId="LiveId" clId="{76E2985F-61D3-4F0E-8587-FEEB01D31A41}" dt="2019-03-18T18:39:06.099" v="7419" actId="1076"/>
-          <ac:spMkLst>
-            <pc:docMk/>
-            <pc:sldMk cId="3812753546" sldId="688"/>
-            <ac:spMk id="17" creationId="{65043FE1-CC8C-494A-931D-09E842876ACA}"/>
-          </ac:spMkLst>
-        </pc:spChg>
-        <pc:picChg chg="del">
-          <ac:chgData name="G 2" userId="8d203687cf76d0fd" providerId="LiveId" clId="{76E2985F-61D3-4F0E-8587-FEEB01D31A41}" dt="2019-03-18T18:22:43.073" v="7043" actId="478"/>
-          <ac:picMkLst>
-            <pc:docMk/>
-            <pc:sldMk cId="3812753546" sldId="688"/>
-            <ac:picMk id="3" creationId="{FF6CF874-A5B2-4755-88C2-2D0D95A08C7F}"/>
-          </ac:picMkLst>
-        </pc:picChg>
-        <pc:picChg chg="add del">
-          <ac:chgData name="G 2" userId="8d203687cf76d0fd" providerId="LiveId" clId="{76E2985F-61D3-4F0E-8587-FEEB01D31A41}" dt="2019-03-18T18:23:34.778" v="7053" actId="478"/>
-          <ac:picMkLst>
-            <pc:docMk/>
-            <pc:sldMk cId="3812753546" sldId="688"/>
-            <ac:picMk id="5" creationId="{738B21FC-3245-47E0-9BA5-D3AACB2AE012}"/>
-          </ac:picMkLst>
-        </pc:picChg>
-        <pc:picChg chg="del">
-          <ac:chgData name="G 2" userId="8d203687cf76d0fd" providerId="LiveId" clId="{76E2985F-61D3-4F0E-8587-FEEB01D31A41}" dt="2019-03-18T18:22:26.750" v="6987"/>
-          <ac:picMkLst>
-            <pc:docMk/>
-            <pc:sldMk cId="3812753546" sldId="688"/>
-            <ac:picMk id="6" creationId="{CDF1E6DA-13B0-4292-ACD5-C711B96C87B0}"/>
-          </ac:picMkLst>
-        </pc:picChg>
-        <pc:picChg chg="add mod">
-          <ac:chgData name="G 2" userId="8d203687cf76d0fd" providerId="LiveId" clId="{76E2985F-61D3-4F0E-8587-FEEB01D31A41}" dt="2019-03-18T18:37:13.628" v="7386" actId="1076"/>
-          <ac:picMkLst>
-            <pc:docMk/>
-            <pc:sldMk cId="3812753546" sldId="688"/>
-            <ac:picMk id="7" creationId="{301423CB-CDC6-4F58-B191-B63A36C1F9CA}"/>
-          </ac:picMkLst>
-        </pc:picChg>
-        <pc:picChg chg="add mod">
-          <ac:chgData name="G 2" userId="8d203687cf76d0fd" providerId="LiveId" clId="{76E2985F-61D3-4F0E-8587-FEEB01D31A41}" dt="2019-03-18T18:37:10.196" v="7385" actId="1076"/>
-          <ac:picMkLst>
-            <pc:docMk/>
-            <pc:sldMk cId="3812753546" sldId="688"/>
-            <ac:picMk id="9" creationId="{12509685-46E0-4CFE-B430-908686D28456}"/>
-          </ac:picMkLst>
-        </pc:picChg>
-        <pc:picChg chg="add del mod">
-          <ac:chgData name="G 2" userId="8d203687cf76d0fd" providerId="LiveId" clId="{76E2985F-61D3-4F0E-8587-FEEB01D31A41}" dt="2019-03-18T18:22:25.465" v="6986"/>
-          <ac:picMkLst>
-            <pc:docMk/>
-            <pc:sldMk cId="3812753546" sldId="688"/>
-            <ac:picMk id="10" creationId="{7D6E13B5-60DF-44FD-8561-342229ED5AF0}"/>
-          </ac:picMkLst>
-        </pc:picChg>
-        <pc:picChg chg="add mod">
-          <ac:chgData name="G 2" userId="8d203687cf76d0fd" providerId="LiveId" clId="{76E2985F-61D3-4F0E-8587-FEEB01D31A41}" dt="2019-03-18T18:37:14.725" v="7387" actId="1076"/>
-          <ac:picMkLst>
-            <pc:docMk/>
-            <pc:sldMk cId="3812753546" sldId="688"/>
-            <ac:picMk id="12" creationId="{04552AC5-C5FF-411A-A468-03ADAB0A47FC}"/>
-          </ac:picMkLst>
-        </pc:picChg>
-        <pc:picChg chg="add mod">
-          <ac:chgData name="G 2" userId="8d203687cf76d0fd" providerId="LiveId" clId="{76E2985F-61D3-4F0E-8587-FEEB01D31A41}" dt="2019-03-18T18:37:05.877" v="7382" actId="1076"/>
-          <ac:picMkLst>
-            <pc:docMk/>
-            <pc:sldMk cId="3812753546" sldId="688"/>
-            <ac:picMk id="16" creationId="{B0537519-E307-4E43-AD5B-343DFB77ACBA}"/>
-          </ac:picMkLst>
-        </pc:picChg>
-      </pc:sldChg>
-      <pc:sldChg chg="addSp delSp modSp add">
-        <pc:chgData name="G 2" userId="8d203687cf76d0fd" providerId="LiveId" clId="{76E2985F-61D3-4F0E-8587-FEEB01D31A41}" dt="2019-03-18T18:46:06.999" v="7446" actId="478"/>
-        <pc:sldMkLst>
-          <pc:docMk/>
-          <pc:sldMk cId="1353214361" sldId="689"/>
-        </pc:sldMkLst>
-        <pc:spChg chg="del">
-          <ac:chgData name="G 2" userId="8d203687cf76d0fd" providerId="LiveId" clId="{76E2985F-61D3-4F0E-8587-FEEB01D31A41}" dt="2019-03-18T18:44:59.647" v="7421" actId="478"/>
-          <ac:spMkLst>
-            <pc:docMk/>
-            <pc:sldMk cId="1353214361" sldId="689"/>
-            <ac:spMk id="11" creationId="{00DD3F7B-F2AF-4B52-B26F-8EA1FDBC4AEB}"/>
-          </ac:spMkLst>
-        </pc:spChg>
-        <pc:spChg chg="del">
-          <ac:chgData name="G 2" userId="8d203687cf76d0fd" providerId="LiveId" clId="{76E2985F-61D3-4F0E-8587-FEEB01D31A41}" dt="2019-03-18T18:45:03.539" v="7422" actId="478"/>
-          <ac:spMkLst>
-            <pc:docMk/>
-            <pc:sldMk cId="1353214361" sldId="689"/>
-            <ac:spMk id="13" creationId="{9640351B-50F9-4376-A810-2FD4B10C45DA}"/>
-          </ac:spMkLst>
-        </pc:spChg>
-        <pc:picChg chg="del">
-          <ac:chgData name="G 2" userId="8d203687cf76d0fd" providerId="LiveId" clId="{76E2985F-61D3-4F0E-8587-FEEB01D31A41}" dt="2019-03-18T18:44:59.647" v="7421" actId="478"/>
-          <ac:picMkLst>
-            <pc:docMk/>
-            <pc:sldMk cId="1353214361" sldId="689"/>
-            <ac:picMk id="3" creationId="{FF6CF874-A5B2-4755-88C2-2D0D95A08C7F}"/>
-          </ac:picMkLst>
-        </pc:picChg>
-        <pc:picChg chg="add mod">
-          <ac:chgData name="G 2" userId="8d203687cf76d0fd" providerId="LiveId" clId="{76E2985F-61D3-4F0E-8587-FEEB01D31A41}" dt="2019-03-18T18:45:25.121" v="7429" actId="1076"/>
-          <ac:picMkLst>
-            <pc:docMk/>
-            <pc:sldMk cId="1353214361" sldId="689"/>
-            <ac:picMk id="5" creationId="{3DBA6064-9324-480A-87B7-7644ABF85A0A}"/>
-          </ac:picMkLst>
-        </pc:picChg>
-        <pc:picChg chg="add mod">
-          <ac:chgData name="G 2" userId="8d203687cf76d0fd" providerId="LiveId" clId="{76E2985F-61D3-4F0E-8587-FEEB01D31A41}" dt="2019-03-18T18:45:34.521" v="7431" actId="1076"/>
-          <ac:picMkLst>
-            <pc:docMk/>
-            <pc:sldMk cId="1353214361" sldId="689"/>
-            <ac:picMk id="6" creationId="{5E4E1EE4-CB72-4470-9E06-B7AF5FC51BF9}"/>
-          </ac:picMkLst>
-        </pc:picChg>
-        <pc:picChg chg="add del mod">
-          <ac:chgData name="G 2" userId="8d203687cf76d0fd" providerId="LiveId" clId="{76E2985F-61D3-4F0E-8587-FEEB01D31A41}" dt="2019-03-18T18:45:49.917" v="7438" actId="478"/>
-          <ac:picMkLst>
-            <pc:docMk/>
-            <pc:sldMk cId="1353214361" sldId="689"/>
-            <ac:picMk id="7" creationId="{21651E43-C422-48F8-9F46-D0B526DDFDA8}"/>
-          </ac:picMkLst>
-        </pc:picChg>
-        <pc:picChg chg="add del mod">
-          <ac:chgData name="G 2" userId="8d203687cf76d0fd" providerId="LiveId" clId="{76E2985F-61D3-4F0E-8587-FEEB01D31A41}" dt="2019-03-18T18:46:06.999" v="7446" actId="478"/>
-          <ac:picMkLst>
-            <pc:docMk/>
-            <pc:sldMk cId="1353214361" sldId="689"/>
-            <ac:picMk id="8" creationId="{5D7CE396-7541-4954-934C-110BCE65DA48}"/>
-          </ac:picMkLst>
-        </pc:picChg>
-      </pc:sldChg>
-      <pc:sldChg chg="addSp delSp modSp add">
-        <pc:chgData name="G 2" userId="8d203687cf76d0fd" providerId="LiveId" clId="{76E2985F-61D3-4F0E-8587-FEEB01D31A41}" dt="2019-03-18T18:46:43.228" v="7462" actId="1076"/>
-        <pc:sldMkLst>
-          <pc:docMk/>
-          <pc:sldMk cId="1545439474" sldId="690"/>
-        </pc:sldMkLst>
-        <pc:picChg chg="add mod">
-          <ac:chgData name="G 2" userId="8d203687cf76d0fd" providerId="LiveId" clId="{76E2985F-61D3-4F0E-8587-FEEB01D31A41}" dt="2019-03-18T18:46:40.150" v="7459" actId="1076"/>
-          <ac:picMkLst>
-            <pc:docMk/>
-            <pc:sldMk cId="1545439474" sldId="690"/>
-            <ac:picMk id="3" creationId="{B20E78EF-C58A-4AB4-965A-DD770E570155}"/>
-          </ac:picMkLst>
-        </pc:picChg>
-        <pc:picChg chg="del">
-          <ac:chgData name="G 2" userId="8d203687cf76d0fd" providerId="LiveId" clId="{76E2985F-61D3-4F0E-8587-FEEB01D31A41}" dt="2019-03-18T18:46:04.601" v="7444" actId="478"/>
-          <ac:picMkLst>
-            <pc:docMk/>
-            <pc:sldMk cId="1545439474" sldId="690"/>
-            <ac:picMk id="5" creationId="{3DBA6064-9324-480A-87B7-7644ABF85A0A}"/>
-          </ac:picMkLst>
-        </pc:picChg>
-        <pc:picChg chg="del">
-          <ac:chgData name="G 2" userId="8d203687cf76d0fd" providerId="LiveId" clId="{76E2985F-61D3-4F0E-8587-FEEB01D31A41}" dt="2019-03-18T18:46:04.601" v="7444" actId="478"/>
-          <ac:picMkLst>
-            <pc:docMk/>
-            <pc:sldMk cId="1545439474" sldId="690"/>
-            <ac:picMk id="6" creationId="{5E4E1EE4-CB72-4470-9E06-B7AF5FC51BF9}"/>
-          </ac:picMkLst>
-        </pc:picChg>
-        <pc:picChg chg="add mod">
-          <ac:chgData name="G 2" userId="8d203687cf76d0fd" providerId="LiveId" clId="{76E2985F-61D3-4F0E-8587-FEEB01D31A41}" dt="2019-03-18T18:46:27.901" v="7454" actId="1076"/>
-          <ac:picMkLst>
-            <pc:docMk/>
-            <pc:sldMk cId="1545439474" sldId="690"/>
-            <ac:picMk id="7" creationId="{79DF4804-6328-4C9A-97BC-DF50AB5A99A5}"/>
-          </ac:picMkLst>
-        </pc:picChg>
-        <pc:picChg chg="del mod">
-          <ac:chgData name="G 2" userId="8d203687cf76d0fd" providerId="LiveId" clId="{76E2985F-61D3-4F0E-8587-FEEB01D31A41}" dt="2019-03-18T18:46:26.255" v="7452" actId="478"/>
-          <ac:picMkLst>
-            <pc:docMk/>
-            <pc:sldMk cId="1545439474" sldId="690"/>
-            <ac:picMk id="8" creationId="{5D7CE396-7541-4954-934C-110BCE65DA48}"/>
-          </ac:picMkLst>
-        </pc:picChg>
-        <pc:picChg chg="add mod">
-          <ac:chgData name="G 2" userId="8d203687cf76d0fd" providerId="LiveId" clId="{76E2985F-61D3-4F0E-8587-FEEB01D31A41}" dt="2019-03-18T18:46:43.228" v="7462" actId="1076"/>
-          <ac:picMkLst>
-            <pc:docMk/>
-            <pc:sldMk cId="1545439474" sldId="690"/>
-            <ac:picMk id="9" creationId="{C505437D-9086-4D66-9BF0-326A6216AEBA}"/>
-          </ac:picMkLst>
-        </pc:picChg>
-      </pc:sldChg>
-      <pc:sldChg chg="addSp delSp modSp add del">
-        <pc:chgData name="G 2" userId="8d203687cf76d0fd" providerId="LiveId" clId="{76E2985F-61D3-4F0E-8587-FEEB01D31A41}" dt="2019-03-18T20:19:48.090" v="8260" actId="1076"/>
-        <pc:sldMkLst>
-          <pc:docMk/>
-          <pc:sldMk cId="200427402" sldId="691"/>
-        </pc:sldMkLst>
-        <pc:spChg chg="mod">
-          <ac:chgData name="G 2" userId="8d203687cf76d0fd" providerId="LiveId" clId="{76E2985F-61D3-4F0E-8587-FEEB01D31A41}" dt="2019-03-18T19:41:45.725" v="7691"/>
-          <ac:spMkLst>
-            <pc:docMk/>
-            <pc:sldMk cId="200427402" sldId="691"/>
-            <ac:spMk id="4" creationId="{00000000-0000-0000-0000-000000000000}"/>
-          </ac:spMkLst>
-        </pc:spChg>
-        <pc:spChg chg="add mod">
-          <ac:chgData name="G 2" userId="8d203687cf76d0fd" providerId="LiveId" clId="{76E2985F-61D3-4F0E-8587-FEEB01D31A41}" dt="2019-03-18T20:17:19.687" v="8229" actId="1076"/>
-          <ac:spMkLst>
-            <pc:docMk/>
-            <pc:sldMk cId="200427402" sldId="691"/>
-            <ac:spMk id="6" creationId="{1CC9EED9-97EC-41BE-860D-AB736F39B80B}"/>
-          </ac:spMkLst>
-        </pc:spChg>
-        <pc:spChg chg="add mod">
-          <ac:chgData name="G 2" userId="8d203687cf76d0fd" providerId="LiveId" clId="{76E2985F-61D3-4F0E-8587-FEEB01D31A41}" dt="2019-03-18T20:15:57.201" v="8091" actId="1076"/>
-          <ac:spMkLst>
-            <pc:docMk/>
-            <pc:sldMk cId="200427402" sldId="691"/>
-            <ac:spMk id="8" creationId="{EC066E52-CFBA-451C-884B-5AD50B6622C5}"/>
-          </ac:spMkLst>
-        </pc:spChg>
-        <pc:spChg chg="add mod">
-          <ac:chgData name="G 2" userId="8d203687cf76d0fd" providerId="LiveId" clId="{76E2985F-61D3-4F0E-8587-FEEB01D31A41}" dt="2019-03-18T20:17:17.982" v="8228" actId="1076"/>
-          <ac:spMkLst>
-            <pc:docMk/>
-            <pc:sldMk cId="200427402" sldId="691"/>
-            <ac:spMk id="10" creationId="{7B8AEE2A-3515-4FA0-BCD8-3F16D3847509}"/>
-          </ac:spMkLst>
-        </pc:spChg>
-        <pc:spChg chg="add mod">
-          <ac:chgData name="G 2" userId="8d203687cf76d0fd" providerId="LiveId" clId="{76E2985F-61D3-4F0E-8587-FEEB01D31A41}" dt="2019-03-18T20:19:48.090" v="8260" actId="1076"/>
-          <ac:spMkLst>
-            <pc:docMk/>
-            <pc:sldMk cId="200427402" sldId="691"/>
-            <ac:spMk id="11" creationId="{3DDC0DB8-4D92-411C-A106-226CC7E62BC9}"/>
-          </ac:spMkLst>
-        </pc:spChg>
-        <pc:picChg chg="del">
-          <ac:chgData name="G 2" userId="8d203687cf76d0fd" providerId="LiveId" clId="{76E2985F-61D3-4F0E-8587-FEEB01D31A41}" dt="2019-03-18T19:41:49.047" v="7692" actId="478"/>
-          <ac:picMkLst>
-            <pc:docMk/>
-            <pc:sldMk cId="200427402" sldId="691"/>
-            <ac:picMk id="3" creationId="{B20E78EF-C58A-4AB4-965A-DD770E570155}"/>
-          </ac:picMkLst>
-        </pc:picChg>
-        <pc:picChg chg="add mod">
-          <ac:chgData name="G 2" userId="8d203687cf76d0fd" providerId="LiveId" clId="{76E2985F-61D3-4F0E-8587-FEEB01D31A41}" dt="2019-03-18T20:17:20.403" v="8230" actId="1076"/>
-          <ac:picMkLst>
-            <pc:docMk/>
-            <pc:sldMk cId="200427402" sldId="691"/>
-            <ac:picMk id="5" creationId="{6C22A456-25B9-4B7C-8E0F-42482802AE72}"/>
-          </ac:picMkLst>
-        </pc:picChg>
-        <pc:picChg chg="del">
-          <ac:chgData name="G 2" userId="8d203687cf76d0fd" providerId="LiveId" clId="{76E2985F-61D3-4F0E-8587-FEEB01D31A41}" dt="2019-03-18T19:41:49.047" v="7692" actId="478"/>
-          <ac:picMkLst>
-            <pc:docMk/>
-            <pc:sldMk cId="200427402" sldId="691"/>
-            <ac:picMk id="7" creationId="{79DF4804-6328-4C9A-97BC-DF50AB5A99A5}"/>
-          </ac:picMkLst>
-        </pc:picChg>
-        <pc:picChg chg="del">
-          <ac:chgData name="G 2" userId="8d203687cf76d0fd" providerId="LiveId" clId="{76E2985F-61D3-4F0E-8587-FEEB01D31A41}" dt="2019-03-18T19:41:49.047" v="7692" actId="478"/>
-          <ac:picMkLst>
-            <pc:docMk/>
-            <pc:sldMk cId="200427402" sldId="691"/>
-            <ac:picMk id="9" creationId="{C505437D-9086-4D66-9BF0-326A6216AEBA}"/>
-          </ac:picMkLst>
-        </pc:picChg>
-      </pc:sldChg>
-      <pc:sldChg chg="addSp delSp modSp add">
-        <pc:chgData name="G 2" userId="8d203687cf76d0fd" providerId="LiveId" clId="{76E2985F-61D3-4F0E-8587-FEEB01D31A41}" dt="2019-03-18T19:42:13.533" v="7696" actId="404"/>
-        <pc:sldMkLst>
-          <pc:docMk/>
-          <pc:sldMk cId="3140058013" sldId="692"/>
-        </pc:sldMkLst>
-        <pc:spChg chg="del">
-          <ac:chgData name="G 2" userId="8d203687cf76d0fd" providerId="LiveId" clId="{76E2985F-61D3-4F0E-8587-FEEB01D31A41}" dt="2019-03-18T19:42:03.194" v="7694"/>
-          <ac:spMkLst>
-            <pc:docMk/>
-            <pc:sldMk cId="3140058013" sldId="692"/>
-            <ac:spMk id="2" creationId="{4AB947ED-6EC5-4914-93B5-6DAA3F5C11EB}"/>
-          </ac:spMkLst>
-        </pc:spChg>
-        <pc:spChg chg="add mod">
-          <ac:chgData name="G 2" userId="8d203687cf76d0fd" providerId="LiveId" clId="{76E2985F-61D3-4F0E-8587-FEEB01D31A41}" dt="2019-03-18T19:42:13.533" v="7696" actId="404"/>
-          <ac:spMkLst>
-            <pc:docMk/>
-            <pc:sldMk cId="3140058013" sldId="692"/>
-            <ac:spMk id="4" creationId="{FD08CAA5-5B67-45E3-99AB-556A364EA09F}"/>
-          </ac:spMkLst>
-        </pc:spChg>
-      </pc:sldChg>
-      <pc:sldChg chg="modSp add">
-        <pc:chgData name="G 2" userId="8d203687cf76d0fd" providerId="LiveId" clId="{76E2985F-61D3-4F0E-8587-FEEB01D31A41}" dt="2019-03-18T19:42:25.989" v="7698"/>
-        <pc:sldMkLst>
-          <pc:docMk/>
-          <pc:sldMk cId="1717511062" sldId="693"/>
-        </pc:sldMkLst>
-        <pc:spChg chg="mod">
-          <ac:chgData name="G 2" userId="8d203687cf76d0fd" providerId="LiveId" clId="{76E2985F-61D3-4F0E-8587-FEEB01D31A41}" dt="2019-03-18T19:42:25.989" v="7698"/>
-          <ac:spMkLst>
-            <pc:docMk/>
-            <pc:sldMk cId="1717511062" sldId="693"/>
-            <ac:spMk id="4" creationId="{FD08CAA5-5B67-45E3-99AB-556A364EA09F}"/>
-          </ac:spMkLst>
-        </pc:spChg>
-      </pc:sldChg>
-      <pc:sldChg chg="modSp add">
-        <pc:chgData name="G 2" userId="8d203687cf76d0fd" providerId="LiveId" clId="{76E2985F-61D3-4F0E-8587-FEEB01D31A41}" dt="2019-03-18T19:42:34.427" v="7700"/>
-        <pc:sldMkLst>
-          <pc:docMk/>
-          <pc:sldMk cId="694382884" sldId="694"/>
-        </pc:sldMkLst>
-        <pc:spChg chg="mod">
-          <ac:chgData name="G 2" userId="8d203687cf76d0fd" providerId="LiveId" clId="{76E2985F-61D3-4F0E-8587-FEEB01D31A41}" dt="2019-03-18T19:42:34.427" v="7700"/>
-          <ac:spMkLst>
-            <pc:docMk/>
-            <pc:sldMk cId="694382884" sldId="694"/>
-            <ac:spMk id="4" creationId="{FD08CAA5-5B67-45E3-99AB-556A364EA09F}"/>
-          </ac:spMkLst>
-        </pc:spChg>
-      </pc:sldChg>
-      <pc:sldChg chg="modSp add">
-        <pc:chgData name="G 2" userId="8d203687cf76d0fd" providerId="LiveId" clId="{76E2985F-61D3-4F0E-8587-FEEB01D31A41}" dt="2019-03-18T19:56:50.209" v="7848"/>
-        <pc:sldMkLst>
-          <pc:docMk/>
-          <pc:sldMk cId="3773327093" sldId="695"/>
-        </pc:sldMkLst>
-        <pc:spChg chg="mod">
-          <ac:chgData name="G 2" userId="8d203687cf76d0fd" providerId="LiveId" clId="{76E2985F-61D3-4F0E-8587-FEEB01D31A41}" dt="2019-03-18T19:56:50.209" v="7848"/>
-          <ac:spMkLst>
-            <pc:docMk/>
-            <pc:sldMk cId="3773327093" sldId="695"/>
-            <ac:spMk id="4" creationId="{00000000-0000-0000-0000-000000000000}"/>
-          </ac:spMkLst>
-        </pc:spChg>
-      </pc:sldChg>
-      <pc:sldChg chg="modSp add">
-        <pc:chgData name="G 2" userId="8d203687cf76d0fd" providerId="LiveId" clId="{76E2985F-61D3-4F0E-8587-FEEB01D31A41}" dt="2019-03-18T19:57:18.030" v="7853"/>
-        <pc:sldMkLst>
-          <pc:docMk/>
-          <pc:sldMk cId="4094841143" sldId="696"/>
-        </pc:sldMkLst>
-        <pc:spChg chg="mod">
-          <ac:chgData name="G 2" userId="8d203687cf76d0fd" providerId="LiveId" clId="{76E2985F-61D3-4F0E-8587-FEEB01D31A41}" dt="2019-03-18T19:57:18.030" v="7853"/>
-          <ac:spMkLst>
-            <pc:docMk/>
-            <pc:sldMk cId="4094841143" sldId="696"/>
-            <ac:spMk id="4" creationId="{FD08CAA5-5B67-45E3-99AB-556A364EA09F}"/>
-          </ac:spMkLst>
-        </pc:spChg>
-      </pc:sldChg>
-      <pc:sldChg chg="addSp delSp modSp add del ord">
-        <pc:chgData name="G 2" userId="8d203687cf76d0fd" providerId="LiveId" clId="{76E2985F-61D3-4F0E-8587-FEEB01D31A41}" dt="2019-03-18T22:04:30.262" v="9936" actId="2696"/>
-        <pc:sldMkLst>
-          <pc:docMk/>
-          <pc:sldMk cId="2132508291" sldId="697"/>
-        </pc:sldMkLst>
-        <pc:spChg chg="add mod">
-          <ac:chgData name="G 2" userId="8d203687cf76d0fd" providerId="LiveId" clId="{76E2985F-61D3-4F0E-8587-FEEB01D31A41}" dt="2019-03-18T21:18:18.830" v="9095" actId="1076"/>
-          <ac:spMkLst>
-            <pc:docMk/>
-            <pc:sldMk cId="2132508291" sldId="697"/>
-            <ac:spMk id="3" creationId="{B7692912-7854-4339-88E4-84D66FF91699}"/>
-          </ac:spMkLst>
-        </pc:spChg>
-        <pc:spChg chg="mod">
-          <ac:chgData name="G 2" userId="8d203687cf76d0fd" providerId="LiveId" clId="{76E2985F-61D3-4F0E-8587-FEEB01D31A41}" dt="2019-03-18T21:15:10.787" v="8857" actId="14100"/>
-          <ac:spMkLst>
-            <pc:docMk/>
-            <pc:sldMk cId="2132508291" sldId="697"/>
-            <ac:spMk id="7" creationId="{E9FA7309-F1C6-4CBD-8CF9-4B7F9DDE73E1}"/>
-          </ac:spMkLst>
-        </pc:spChg>
-        <pc:spChg chg="del">
-          <ac:chgData name="G 2" userId="8d203687cf76d0fd" providerId="LiveId" clId="{76E2985F-61D3-4F0E-8587-FEEB01D31A41}" dt="2019-03-18T21:12:28.506" v="8638" actId="478"/>
-          <ac:spMkLst>
-            <pc:docMk/>
-            <pc:sldMk cId="2132508291" sldId="697"/>
-            <ac:spMk id="8" creationId="{56A4447F-7D87-4D48-A0BB-0F0A59C6D550}"/>
-          </ac:spMkLst>
-        </pc:spChg>
-        <pc:spChg chg="add del mod">
-          <ac:chgData name="G 2" userId="8d203687cf76d0fd" providerId="LiveId" clId="{76E2985F-61D3-4F0E-8587-FEEB01D31A41}" dt="2019-03-18T21:14:47.472" v="8815" actId="478"/>
-          <ac:spMkLst>
-            <pc:docMk/>
-            <pc:sldMk cId="2132508291" sldId="697"/>
-            <ac:spMk id="9" creationId="{F24765F1-E3DC-4EFF-B6BD-376D31114004}"/>
-          </ac:spMkLst>
-        </pc:spChg>
-        <pc:spChg chg="add mod">
-          <ac:chgData name="G 2" userId="8d203687cf76d0fd" providerId="LiveId" clId="{76E2985F-61D3-4F0E-8587-FEEB01D31A41}" dt="2019-03-18T22:03:01.261" v="9904" actId="1076"/>
-          <ac:spMkLst>
-            <pc:docMk/>
-            <pc:sldMk cId="2132508291" sldId="697"/>
-            <ac:spMk id="10" creationId="{69C08D8B-B7A0-4A24-B75E-1ABD1BC3668D}"/>
-          </ac:spMkLst>
-        </pc:spChg>
-        <pc:spChg chg="add del">
-          <ac:chgData name="G 2" userId="8d203687cf76d0fd" providerId="LiveId" clId="{76E2985F-61D3-4F0E-8587-FEEB01D31A41}" dt="2019-03-18T21:15:29.795" v="8872"/>
-          <ac:spMkLst>
-            <pc:docMk/>
-            <pc:sldMk cId="2132508291" sldId="697"/>
-            <ac:spMk id="11" creationId="{11F85646-B015-45D6-9A79-06A6CBFF5976}"/>
-          </ac:spMkLst>
-        </pc:spChg>
-        <pc:spChg chg="add del">
-          <ac:chgData name="G 2" userId="8d203687cf76d0fd" providerId="LiveId" clId="{76E2985F-61D3-4F0E-8587-FEEB01D31A41}" dt="2019-03-18T21:15:29.615" v="8871"/>
-          <ac:spMkLst>
-            <pc:docMk/>
-            <pc:sldMk cId="2132508291" sldId="697"/>
-            <ac:spMk id="12" creationId="{A62B3E8B-1967-4E9B-8A3B-9DDDE09807C8}"/>
-          </ac:spMkLst>
-        </pc:spChg>
-        <pc:spChg chg="add mod">
-          <ac:chgData name="G 2" userId="8d203687cf76d0fd" providerId="LiveId" clId="{76E2985F-61D3-4F0E-8587-FEEB01D31A41}" dt="2019-03-18T22:03:19.359" v="9908" actId="1076"/>
-          <ac:spMkLst>
-            <pc:docMk/>
-            <pc:sldMk cId="2132508291" sldId="697"/>
-            <ac:spMk id="16" creationId="{78FF9628-8A5F-4A0D-8B9A-FBEB3155F849}"/>
-          </ac:spMkLst>
-        </pc:spChg>
-        <pc:spChg chg="add del">
-          <ac:chgData name="G 2" userId="8d203687cf76d0fd" providerId="LiveId" clId="{76E2985F-61D3-4F0E-8587-FEEB01D31A41}" dt="2019-03-18T21:19:47.328" v="9126"/>
-          <ac:spMkLst>
-            <pc:docMk/>
-            <pc:sldMk cId="2132508291" sldId="697"/>
-            <ac:spMk id="17" creationId="{1595F4D8-F976-458B-B292-BB7242FA454D}"/>
-          </ac:spMkLst>
-        </pc:spChg>
-        <pc:spChg chg="add del mod ord">
-          <ac:chgData name="G 2" userId="8d203687cf76d0fd" providerId="LiveId" clId="{76E2985F-61D3-4F0E-8587-FEEB01D31A41}" dt="2019-03-18T22:03:48.103" v="9915" actId="478"/>
-          <ac:spMkLst>
-            <pc:docMk/>
-            <pc:sldMk cId="2132508291" sldId="697"/>
-            <ac:spMk id="19" creationId="{CDCA597B-CE76-48A4-B422-89EB7DD7315B}"/>
-          </ac:spMkLst>
-        </pc:spChg>
-        <pc:picChg chg="add del mod">
-          <ac:chgData name="G 2" userId="8d203687cf76d0fd" providerId="LiveId" clId="{76E2985F-61D3-4F0E-8587-FEEB01D31A41}" dt="2019-03-18T21:14:31.100" v="8808" actId="478"/>
-          <ac:picMkLst>
-            <pc:docMk/>
-            <pc:sldMk cId="2132508291" sldId="697"/>
-            <ac:picMk id="5" creationId="{99EF643E-C8AA-465B-B62F-FADB79FE7FBF}"/>
-          </ac:picMkLst>
-        </pc:picChg>
-        <pc:picChg chg="add mod">
-          <ac:chgData name="G 2" userId="8d203687cf76d0fd" providerId="LiveId" clId="{76E2985F-61D3-4F0E-8587-FEEB01D31A41}" dt="2019-03-18T22:03:00.090" v="9902" actId="1076"/>
-          <ac:picMkLst>
-            <pc:docMk/>
-            <pc:sldMk cId="2132508291" sldId="697"/>
-            <ac:picMk id="6" creationId="{7F223BD7-580B-4A2B-83F6-CFD9AF657445}"/>
-          </ac:picMkLst>
-        </pc:picChg>
-        <pc:picChg chg="add del mod">
-          <ac:chgData name="G 2" userId="8d203687cf76d0fd" providerId="LiveId" clId="{76E2985F-61D3-4F0E-8587-FEEB01D31A41}" dt="2019-03-18T22:02:33.044" v="9886" actId="478"/>
-          <ac:picMkLst>
-            <pc:docMk/>
-            <pc:sldMk cId="2132508291" sldId="697"/>
-            <ac:picMk id="13" creationId="{B2D1D02A-63A3-4909-B0FF-6D45FAEE2DDC}"/>
-          </ac:picMkLst>
-        </pc:picChg>
-        <pc:picChg chg="add mod">
-          <ac:chgData name="G 2" userId="8d203687cf76d0fd" providerId="LiveId" clId="{76E2985F-61D3-4F0E-8587-FEEB01D31A41}" dt="2019-03-18T22:03:19.359" v="9908" actId="1076"/>
-          <ac:picMkLst>
-            <pc:docMk/>
-            <pc:sldMk cId="2132508291" sldId="697"/>
-            <ac:picMk id="14" creationId="{FEDC0046-DE00-4E33-9D0A-DC1ED385231D}"/>
-          </ac:picMkLst>
-        </pc:picChg>
-        <pc:picChg chg="add mod">
-          <ac:chgData name="G 2" userId="8d203687cf76d0fd" providerId="LiveId" clId="{76E2985F-61D3-4F0E-8587-FEEB01D31A41}" dt="2019-03-18T22:04:00.829" v="9917" actId="1076"/>
-          <ac:picMkLst>
-            <pc:docMk/>
-            <pc:sldMk cId="2132508291" sldId="697"/>
-            <ac:picMk id="18" creationId="{0617BA53-A042-4295-AF02-CBEFC7A64C7F}"/>
-          </ac:picMkLst>
-        </pc:picChg>
-      </pc:sldChg>
-      <pc:sldChg chg="delSp add">
-        <pc:chgData name="G 2" userId="8d203687cf76d0fd" providerId="LiveId" clId="{76E2985F-61D3-4F0E-8587-FEEB01D31A41}" dt="2019-03-18T20:20:04.812" v="8264" actId="478"/>
-        <pc:sldMkLst>
-          <pc:docMk/>
-          <pc:sldMk cId="753023440" sldId="698"/>
-        </pc:sldMkLst>
-        <pc:spChg chg="del">
-          <ac:chgData name="G 2" userId="8d203687cf76d0fd" providerId="LiveId" clId="{76E2985F-61D3-4F0E-8587-FEEB01D31A41}" dt="2019-03-18T20:20:04.812" v="8264" actId="478"/>
-          <ac:spMkLst>
-            <pc:docMk/>
-            <pc:sldMk cId="753023440" sldId="698"/>
-            <ac:spMk id="5" creationId="{379A6240-8DB5-4E3B-A1FF-C2B5F7C8F2F4}"/>
-          </ac:spMkLst>
-        </pc:spChg>
-      </pc:sldChg>
-      <pc:sldChg chg="addSp delSp modSp add ord modAnim">
-        <pc:chgData name="G 2" userId="8d203687cf76d0fd" providerId="LiveId" clId="{76E2985F-61D3-4F0E-8587-FEEB01D31A41}" dt="2019-03-18T20:24:53.356" v="8586" actId="207"/>
-        <pc:sldMkLst>
-          <pc:docMk/>
-          <pc:sldMk cId="3751995553" sldId="699"/>
-        </pc:sldMkLst>
-        <pc:spChg chg="add mod">
-          <ac:chgData name="G 2" userId="8d203687cf76d0fd" providerId="LiveId" clId="{76E2985F-61D3-4F0E-8587-FEEB01D31A41}" dt="2019-03-18T20:24:53.356" v="8586" actId="207"/>
-          <ac:spMkLst>
-            <pc:docMk/>
-            <pc:sldMk cId="3751995553" sldId="699"/>
-            <ac:spMk id="6" creationId="{A2B1FBF4-752F-40E3-A5C3-C0490B50AAD6}"/>
-          </ac:spMkLst>
-        </pc:spChg>
-        <pc:picChg chg="del">
-          <ac:chgData name="G 2" userId="8d203687cf76d0fd" providerId="LiveId" clId="{76E2985F-61D3-4F0E-8587-FEEB01D31A41}" dt="2019-03-18T20:22:18.851" v="8267" actId="478"/>
-          <ac:picMkLst>
-            <pc:docMk/>
-            <pc:sldMk cId="3751995553" sldId="699"/>
-            <ac:picMk id="3" creationId="{FFBDD2C8-6B0C-4513-B452-238301CF9009}"/>
-          </ac:picMkLst>
-        </pc:picChg>
-        <pc:picChg chg="del">
-          <ac:chgData name="G 2" userId="8d203687cf76d0fd" providerId="LiveId" clId="{76E2985F-61D3-4F0E-8587-FEEB01D31A41}" dt="2019-03-18T20:22:18.851" v="8267" actId="478"/>
-          <ac:picMkLst>
-            <pc:docMk/>
-            <pc:sldMk cId="3751995553" sldId="699"/>
-            <ac:picMk id="5" creationId="{9EE6F063-AF0E-424B-A6EE-3B4DD3E1EC55}"/>
-          </ac:picMkLst>
-        </pc:picChg>
-        <pc:picChg chg="del mod">
-          <ac:chgData name="G 2" userId="8d203687cf76d0fd" providerId="LiveId" clId="{76E2985F-61D3-4F0E-8587-FEEB01D31A41}" dt="2019-03-18T20:22:18.851" v="8267" actId="478"/>
-          <ac:picMkLst>
-            <pc:docMk/>
-            <pc:sldMk cId="3751995553" sldId="699"/>
-            <ac:picMk id="9" creationId="{28F3A0F2-AD31-4B18-9BA0-1AC0F67F8CF6}"/>
-          </ac:picMkLst>
-        </pc:picChg>
-      </pc:sldChg>
-      <pc:sldChg chg="addSp delSp modSp add ord">
-        <pc:chgData name="G 2" userId="8d203687cf76d0fd" providerId="LiveId" clId="{76E2985F-61D3-4F0E-8587-FEEB01D31A41}" dt="2019-03-18T23:32:55.114" v="12691"/>
-        <pc:sldMkLst>
-          <pc:docMk/>
-          <pc:sldMk cId="1807499228" sldId="700"/>
-        </pc:sldMkLst>
-        <pc:spChg chg="add mod">
-          <ac:chgData name="G 2" userId="8d203687cf76d0fd" providerId="LiveId" clId="{76E2985F-61D3-4F0E-8587-FEEB01D31A41}" dt="2019-03-18T22:00:32.995" v="9860" actId="1076"/>
-          <ac:spMkLst>
-            <pc:docMk/>
-            <pc:sldMk cId="1807499228" sldId="700"/>
-            <ac:spMk id="5" creationId="{BEB2C078-A61D-457D-9B09-C06440DA3F1B}"/>
-          </ac:spMkLst>
-        </pc:spChg>
-        <pc:spChg chg="mod">
-          <ac:chgData name="G 2" userId="8d203687cf76d0fd" providerId="LiveId" clId="{76E2985F-61D3-4F0E-8587-FEEB01D31A41}" dt="2019-03-18T23:32:55.114" v="12691"/>
-          <ac:spMkLst>
-            <pc:docMk/>
-            <pc:sldMk cId="1807499228" sldId="700"/>
-            <ac:spMk id="7" creationId="{E9FA7309-F1C6-4CBD-8CF9-4B7F9DDE73E1}"/>
-          </ac:spMkLst>
-        </pc:spChg>
-        <pc:spChg chg="del">
-          <ac:chgData name="G 2" userId="8d203687cf76d0fd" providerId="LiveId" clId="{76E2985F-61D3-4F0E-8587-FEEB01D31A41}" dt="2019-03-18T21:59:09.971" v="9843" actId="478"/>
-          <ac:spMkLst>
-            <pc:docMk/>
-            <pc:sldMk cId="1807499228" sldId="700"/>
-            <ac:spMk id="8" creationId="{56A4447F-7D87-4D48-A0BB-0F0A59C6D550}"/>
-          </ac:spMkLst>
-        </pc:spChg>
-        <pc:spChg chg="mod">
-          <ac:chgData name="G 2" userId="8d203687cf76d0fd" providerId="LiveId" clId="{76E2985F-61D3-4F0E-8587-FEEB01D31A41}" dt="2019-03-18T21:59:20.199" v="9850" actId="1076"/>
-          <ac:spMkLst>
-            <pc:docMk/>
-            <pc:sldMk cId="1807499228" sldId="700"/>
-            <ac:spMk id="15" creationId="{00000000-0000-0000-0000-000000000000}"/>
-          </ac:spMkLst>
-        </pc:spChg>
-        <pc:picChg chg="add mod">
-          <ac:chgData name="G 2" userId="8d203687cf76d0fd" providerId="LiveId" clId="{76E2985F-61D3-4F0E-8587-FEEB01D31A41}" dt="2019-03-18T22:00:30.645" v="9859" actId="14100"/>
-          <ac:picMkLst>
-            <pc:docMk/>
-            <pc:sldMk cId="1807499228" sldId="700"/>
-            <ac:picMk id="3" creationId="{DF849321-1062-4D3F-904F-1B5921BF3164}"/>
-          </ac:picMkLst>
-        </pc:picChg>
-        <pc:picChg chg="add del mod">
-          <ac:chgData name="G 2" userId="8d203687cf76d0fd" providerId="LiveId" clId="{76E2985F-61D3-4F0E-8587-FEEB01D31A41}" dt="2019-03-18T22:18:34.209" v="10275" actId="478"/>
-          <ac:picMkLst>
-            <pc:docMk/>
-            <pc:sldMk cId="1807499228" sldId="700"/>
-            <ac:picMk id="6" creationId="{26E8DD30-B588-4963-9F8D-D7D8331DBDC4}"/>
-          </ac:picMkLst>
-        </pc:picChg>
-      </pc:sldChg>
-      <pc:sldChg chg="addSp delSp modSp add ord modTransition">
-        <pc:chgData name="G 2" userId="8d203687cf76d0fd" providerId="LiveId" clId="{76E2985F-61D3-4F0E-8587-FEEB01D31A41}" dt="2019-03-18T22:04:29.411" v="9935"/>
-        <pc:sldMkLst>
-          <pc:docMk/>
-          <pc:sldMk cId="1767211852" sldId="701"/>
-        </pc:sldMkLst>
-        <pc:spChg chg="del">
-          <ac:chgData name="G 2" userId="8d203687cf76d0fd" providerId="LiveId" clId="{76E2985F-61D3-4F0E-8587-FEEB01D31A41}" dt="2019-03-18T22:02:26.787" v="9884" actId="478"/>
-          <ac:spMkLst>
-            <pc:docMk/>
-            <pc:sldMk cId="1767211852" sldId="701"/>
-            <ac:spMk id="10" creationId="{69C08D8B-B7A0-4A24-B75E-1ABD1BC3668D}"/>
-          </ac:spMkLst>
-        </pc:spChg>
-        <pc:spChg chg="add mod">
-          <ac:chgData name="G 2" userId="8d203687cf76d0fd" providerId="LiveId" clId="{76E2985F-61D3-4F0E-8587-FEEB01D31A41}" dt="2019-03-18T22:04:26.838" v="9933" actId="1076"/>
-          <ac:spMkLst>
-            <pc:docMk/>
-            <pc:sldMk cId="1767211852" sldId="701"/>
-            <ac:spMk id="17" creationId="{7F9A328C-1594-42FC-AC01-532015309FA9}"/>
-          </ac:spMkLst>
-        </pc:spChg>
-        <pc:picChg chg="mod">
-          <ac:chgData name="G 2" userId="8d203687cf76d0fd" providerId="LiveId" clId="{76E2985F-61D3-4F0E-8587-FEEB01D31A41}" dt="2019-03-18T22:02:25.329" v="9883" actId="1076"/>
-          <ac:picMkLst>
-            <pc:docMk/>
-            <pc:sldMk cId="1767211852" sldId="701"/>
-            <ac:picMk id="13" creationId="{B2D1D02A-63A3-4909-B0FF-6D45FAEE2DDC}"/>
-          </ac:picMkLst>
-        </pc:picChg>
-        <pc:picChg chg="add del">
-          <ac:chgData name="G 2" userId="8d203687cf76d0fd" providerId="LiveId" clId="{76E2985F-61D3-4F0E-8587-FEEB01D31A41}" dt="2019-03-18T22:04:21.189" v="9931" actId="478"/>
-          <ac:picMkLst>
-            <pc:docMk/>
-            <pc:sldMk cId="1767211852" sldId="701"/>
-            <ac:picMk id="18" creationId="{0617BA53-A042-4295-AF02-CBEFC7A64C7F}"/>
-          </ac:picMkLst>
-        </pc:picChg>
-      </pc:sldChg>
-      <pc:sldChg chg="delSp modSp add ord">
-        <pc:chgData name="G 2" userId="8d203687cf76d0fd" providerId="LiveId" clId="{76E2985F-61D3-4F0E-8587-FEEB01D31A41}" dt="2019-03-18T23:28:05.793" v="12607"/>
-        <pc:sldMkLst>
-          <pc:docMk/>
-          <pc:sldMk cId="1779771687" sldId="702"/>
-        </pc:sldMkLst>
-        <pc:spChg chg="del mod">
-          <ac:chgData name="G 2" userId="8d203687cf76d0fd" providerId="LiveId" clId="{76E2985F-61D3-4F0E-8587-FEEB01D31A41}" dt="2019-03-18T22:04:06.020" v="9920" actId="478"/>
-          <ac:spMkLst>
-            <pc:docMk/>
-            <pc:sldMk cId="1779771687" sldId="702"/>
-            <ac:spMk id="10" creationId="{69C08D8B-B7A0-4A24-B75E-1ABD1BC3668D}"/>
-          </ac:spMkLst>
-        </pc:spChg>
-        <pc:spChg chg="del">
-          <ac:chgData name="G 2" userId="8d203687cf76d0fd" providerId="LiveId" clId="{76E2985F-61D3-4F0E-8587-FEEB01D31A41}" dt="2019-03-18T22:04:06.020" v="9920" actId="478"/>
-          <ac:spMkLst>
-            <pc:docMk/>
-            <pc:sldMk cId="1779771687" sldId="702"/>
-            <ac:spMk id="16" creationId="{78FF9628-8A5F-4A0D-8B9A-FBEB3155F849}"/>
-          </ac:spMkLst>
-        </pc:spChg>
-        <pc:picChg chg="del">
-          <ac:chgData name="G 2" userId="8d203687cf76d0fd" providerId="LiveId" clId="{76E2985F-61D3-4F0E-8587-FEEB01D31A41}" dt="2019-03-18T22:04:07.143" v="9921" actId="478"/>
-          <ac:picMkLst>
-            <pc:docMk/>
-            <pc:sldMk cId="1779771687" sldId="702"/>
-            <ac:picMk id="6" creationId="{7F223BD7-580B-4A2B-83F6-CFD9AF657445}"/>
-          </ac:picMkLst>
-        </pc:picChg>
-        <pc:picChg chg="del">
-          <ac:chgData name="G 2" userId="8d203687cf76d0fd" providerId="LiveId" clId="{76E2985F-61D3-4F0E-8587-FEEB01D31A41}" dt="2019-03-18T22:04:06.020" v="9920" actId="478"/>
-          <ac:picMkLst>
-            <pc:docMk/>
-            <pc:sldMk cId="1779771687" sldId="702"/>
-            <ac:picMk id="14" creationId="{FEDC0046-DE00-4E33-9D0A-DC1ED385231D}"/>
-          </ac:picMkLst>
-        </pc:picChg>
-        <pc:picChg chg="mod">
-          <ac:chgData name="G 2" userId="8d203687cf76d0fd" providerId="LiveId" clId="{76E2985F-61D3-4F0E-8587-FEEB01D31A41}" dt="2019-03-18T22:04:20.896" v="9929" actId="1076"/>
-          <ac:picMkLst>
-            <pc:docMk/>
-            <pc:sldMk cId="1779771687" sldId="702"/>
-            <ac:picMk id="18" creationId="{0617BA53-A042-4295-AF02-CBEFC7A64C7F}"/>
-          </ac:picMkLst>
-        </pc:picChg>
-      </pc:sldChg>
-      <pc:sldChg chg="addSp modSp add del ord modTransition">
-        <pc:chgData name="G 2" userId="8d203687cf76d0fd" providerId="LiveId" clId="{76E2985F-61D3-4F0E-8587-FEEB01D31A41}" dt="2019-03-18T23:39:51.284" v="12818" actId="2696"/>
-        <pc:sldMkLst>
-          <pc:docMk/>
-          <pc:sldMk cId="951929209" sldId="703"/>
-        </pc:sldMkLst>
-        <pc:spChg chg="mod">
-          <ac:chgData name="G 2" userId="8d203687cf76d0fd" providerId="LiveId" clId="{76E2985F-61D3-4F0E-8587-FEEB01D31A41}" dt="2019-03-18T23:34:26.704" v="12740" actId="5793"/>
-          <ac:spMkLst>
-            <pc:docMk/>
-            <pc:sldMk cId="951929209" sldId="703"/>
-            <ac:spMk id="8" creationId="{56A4447F-7D87-4D48-A0BB-0F0A59C6D550}"/>
-          </ac:spMkLst>
-        </pc:spChg>
-        <pc:picChg chg="add mod">
-          <ac:chgData name="G 2" userId="8d203687cf76d0fd" providerId="LiveId" clId="{76E2985F-61D3-4F0E-8587-FEEB01D31A41}" dt="2019-03-18T23:35:59.412" v="12747" actId="1076"/>
-          <ac:picMkLst>
-            <pc:docMk/>
-            <pc:sldMk cId="951929209" sldId="703"/>
-            <ac:picMk id="3" creationId="{F10F68C0-12DC-4520-8909-D22631B41893}"/>
-          </ac:picMkLst>
-        </pc:picChg>
-        <pc:picChg chg="add mod modCrop">
-          <ac:chgData name="G 2" userId="8d203687cf76d0fd" providerId="LiveId" clId="{76E2985F-61D3-4F0E-8587-FEEB01D31A41}" dt="2019-03-18T23:36:25.250" v="12759" actId="14100"/>
-          <ac:picMkLst>
-            <pc:docMk/>
-            <pc:sldMk cId="951929209" sldId="703"/>
-            <ac:picMk id="5" creationId="{DC5031CB-95A5-44FC-A7A4-EC902CC67961}"/>
-          </ac:picMkLst>
-        </pc:picChg>
-        <pc:picChg chg="add mod modCrop">
-          <ac:chgData name="G 2" userId="8d203687cf76d0fd" providerId="LiveId" clId="{76E2985F-61D3-4F0E-8587-FEEB01D31A41}" dt="2019-03-18T23:36:37.235" v="12763" actId="1076"/>
-          <ac:picMkLst>
-            <pc:docMk/>
-            <pc:sldMk cId="951929209" sldId="703"/>
-            <ac:picMk id="9" creationId="{D4DBBD75-4680-44FD-9337-47A5409AC3A1}"/>
-          </ac:picMkLst>
-        </pc:picChg>
-      </pc:sldChg>
-      <pc:sldChg chg="add del">
-        <pc:chgData name="G 2" userId="8d203687cf76d0fd" providerId="LiveId" clId="{76E2985F-61D3-4F0E-8587-FEEB01D31A41}" dt="2019-03-18T22:06:38.507" v="9947"/>
-        <pc:sldMkLst>
-          <pc:docMk/>
-          <pc:sldMk cId="1290981655" sldId="703"/>
-        </pc:sldMkLst>
-      </pc:sldChg>
-      <pc:sldChg chg="addSp delSp modSp add ord">
-        <pc:chgData name="G 2" userId="8d203687cf76d0fd" providerId="LiveId" clId="{76E2985F-61D3-4F0E-8587-FEEB01D31A41}" dt="2019-03-18T23:39:45.860" v="12816"/>
-        <pc:sldMkLst>
-          <pc:docMk/>
-          <pc:sldMk cId="1808640732" sldId="704"/>
-        </pc:sldMkLst>
-        <pc:spChg chg="del">
-          <ac:chgData name="G 2" userId="8d203687cf76d0fd" providerId="LiveId" clId="{76E2985F-61D3-4F0E-8587-FEEB01D31A41}" dt="2019-03-18T22:17:48.964" v="10270" actId="478"/>
-          <ac:spMkLst>
-            <pc:docMk/>
-            <pc:sldMk cId="1808640732" sldId="704"/>
-            <ac:spMk id="5" creationId="{BEB2C078-A61D-457D-9B09-C06440DA3F1B}"/>
-          </ac:spMkLst>
-        </pc:spChg>
-        <pc:spChg chg="del">
-          <ac:chgData name="G 2" userId="8d203687cf76d0fd" providerId="LiveId" clId="{76E2985F-61D3-4F0E-8587-FEEB01D31A41}" dt="2019-03-18T22:17:48.964" v="10270" actId="478"/>
-          <ac:spMkLst>
-            <pc:docMk/>
-            <pc:sldMk cId="1808640732" sldId="704"/>
-            <ac:spMk id="7" creationId="{E9FA7309-F1C6-4CBD-8CF9-4B7F9DDE73E1}"/>
-          </ac:spMkLst>
-        </pc:spChg>
-        <pc:spChg chg="add mod">
-          <ac:chgData name="G 2" userId="8d203687cf76d0fd" providerId="LiveId" clId="{76E2985F-61D3-4F0E-8587-FEEB01D31A41}" dt="2019-03-18T23:28:58.961" v="12612" actId="20578"/>
-          <ac:spMkLst>
-            <pc:docMk/>
-            <pc:sldMk cId="1808640732" sldId="704"/>
-            <ac:spMk id="10" creationId="{99470E70-05E0-4BF2-B99B-2C8815CA49B9}"/>
-          </ac:spMkLst>
-        </pc:spChg>
-        <pc:picChg chg="del">
-          <ac:chgData name="G 2" userId="8d203687cf76d0fd" providerId="LiveId" clId="{76E2985F-61D3-4F0E-8587-FEEB01D31A41}" dt="2019-03-18T22:17:48.964" v="10270" actId="478"/>
-          <ac:picMkLst>
-            <pc:docMk/>
-            <pc:sldMk cId="1808640732" sldId="704"/>
-            <ac:picMk id="3" creationId="{DF849321-1062-4D3F-904F-1B5921BF3164}"/>
-          </ac:picMkLst>
-        </pc:picChg>
-        <pc:picChg chg="del">
-          <ac:chgData name="G 2" userId="8d203687cf76d0fd" providerId="LiveId" clId="{76E2985F-61D3-4F0E-8587-FEEB01D31A41}" dt="2019-03-18T22:17:45.543" v="10269"/>
-          <ac:picMkLst>
-            <pc:docMk/>
-            <pc:sldMk cId="1808640732" sldId="704"/>
-            <ac:picMk id="6" creationId="{26E8DD30-B588-4963-9F8D-D7D8331DBDC4}"/>
-          </ac:picMkLst>
-        </pc:picChg>
-        <pc:picChg chg="add mod">
-          <ac:chgData name="G 2" userId="8d203687cf76d0fd" providerId="LiveId" clId="{76E2985F-61D3-4F0E-8587-FEEB01D31A41}" dt="2019-03-18T22:17:52.528" v="10273" actId="1076"/>
-          <ac:picMkLst>
-            <pc:docMk/>
-            <pc:sldMk cId="1808640732" sldId="704"/>
-            <ac:picMk id="9" creationId="{D44A60AC-77AD-42B9-8B05-6F2276719006}"/>
-          </ac:picMkLst>
-        </pc:picChg>
-      </pc:sldChg>
-      <pc:sldChg chg="modSp add">
-        <pc:chgData name="G 2" userId="8d203687cf76d0fd" providerId="LiveId" clId="{76E2985F-61D3-4F0E-8587-FEEB01D31A41}" dt="2019-03-18T22:21:07.935" v="10279" actId="20577"/>
-        <pc:sldMkLst>
-          <pc:docMk/>
-          <pc:sldMk cId="3900562519" sldId="705"/>
-        </pc:sldMkLst>
-        <pc:spChg chg="mod">
-          <ac:chgData name="G 2" userId="8d203687cf76d0fd" providerId="LiveId" clId="{76E2985F-61D3-4F0E-8587-FEEB01D31A41}" dt="2019-03-18T22:21:07.935" v="10279" actId="20577"/>
-          <ac:spMkLst>
-            <pc:docMk/>
-            <pc:sldMk cId="3900562519" sldId="705"/>
-            <ac:spMk id="4" creationId="{FD08CAA5-5B67-45E3-99AB-556A364EA09F}"/>
-          </ac:spMkLst>
-        </pc:spChg>
-      </pc:sldChg>
-      <pc:sldChg chg="modSp add">
-        <pc:chgData name="G 2" userId="8d203687cf76d0fd" providerId="LiveId" clId="{76E2985F-61D3-4F0E-8587-FEEB01D31A41}" dt="2019-03-18T23:19:15.306" v="12426" actId="20577"/>
-        <pc:sldMkLst>
-          <pc:docMk/>
-          <pc:sldMk cId="782743420" sldId="706"/>
-        </pc:sldMkLst>
-        <pc:spChg chg="mod">
-          <ac:chgData name="G 2" userId="8d203687cf76d0fd" providerId="LiveId" clId="{76E2985F-61D3-4F0E-8587-FEEB01D31A41}" dt="2019-03-18T22:54:04.352" v="11607"/>
-          <ac:spMkLst>
-            <pc:docMk/>
-            <pc:sldMk cId="782743420" sldId="706"/>
-            <ac:spMk id="4" creationId="{00000000-0000-0000-0000-000000000000}"/>
-          </ac:spMkLst>
-        </pc:spChg>
-        <pc:spChg chg="mod">
-          <ac:chgData name="G 2" userId="8d203687cf76d0fd" providerId="LiveId" clId="{76E2985F-61D3-4F0E-8587-FEEB01D31A41}" dt="2019-03-18T23:19:15.306" v="12426" actId="20577"/>
-          <ac:spMkLst>
-            <pc:docMk/>
-            <pc:sldMk cId="782743420" sldId="706"/>
-            <ac:spMk id="7" creationId="{E9FA7309-F1C6-4CBD-8CF9-4B7F9DDE73E1}"/>
-          </ac:spMkLst>
-        </pc:spChg>
-        <pc:spChg chg="mod">
-          <ac:chgData name="G 2" userId="8d203687cf76d0fd" providerId="LiveId" clId="{76E2985F-61D3-4F0E-8587-FEEB01D31A41}" dt="2019-03-18T23:17:11.448" v="12272" actId="20577"/>
-          <ac:spMkLst>
-            <pc:docMk/>
-            <pc:sldMk cId="782743420" sldId="706"/>
-            <ac:spMk id="8" creationId="{56A4447F-7D87-4D48-A0BB-0F0A59C6D550}"/>
-          </ac:spMkLst>
-        </pc:spChg>
-      </pc:sldChg>
-      <pc:sldChg chg="addSp delSp modSp add">
-        <pc:chgData name="G 2" userId="8d203687cf76d0fd" providerId="LiveId" clId="{76E2985F-61D3-4F0E-8587-FEEB01D31A41}" dt="2019-03-18T23:05:31.481" v="11731"/>
-        <pc:sldMkLst>
-          <pc:docMk/>
-          <pc:sldMk cId="3424585302" sldId="707"/>
-        </pc:sldMkLst>
-        <pc:spChg chg="mod">
-          <ac:chgData name="G 2" userId="8d203687cf76d0fd" providerId="LiveId" clId="{76E2985F-61D3-4F0E-8587-FEEB01D31A41}" dt="2019-03-18T22:54:25.188" v="11612"/>
-          <ac:spMkLst>
-            <pc:docMk/>
-            <pc:sldMk cId="3424585302" sldId="707"/>
-            <ac:spMk id="4" creationId="{00000000-0000-0000-0000-000000000000}"/>
-          </ac:spMkLst>
-        </pc:spChg>
-        <pc:spChg chg="add del">
-          <ac:chgData name="G 2" userId="8d203687cf76d0fd" providerId="LiveId" clId="{76E2985F-61D3-4F0E-8587-FEEB01D31A41}" dt="2019-03-18T23:05:31.481" v="11731"/>
-          <ac:spMkLst>
-            <pc:docMk/>
-            <pc:sldMk cId="3424585302" sldId="707"/>
-            <ac:spMk id="7" creationId="{6D86E6FA-8EFF-4E43-A1BD-4B47DB63D7D1}"/>
-          </ac:spMkLst>
-        </pc:spChg>
-        <pc:picChg chg="add mod ord">
-          <ac:chgData name="G 2" userId="8d203687cf76d0fd" providerId="LiveId" clId="{76E2985F-61D3-4F0E-8587-FEEB01D31A41}" dt="2019-03-18T22:59:20.290" v="11624" actId="167"/>
-          <ac:picMkLst>
-            <pc:docMk/>
-            <pc:sldMk cId="3424585302" sldId="707"/>
-            <ac:picMk id="3" creationId="{B55184DE-9612-4B90-9CF1-88F386C6B66A}"/>
-          </ac:picMkLst>
-        </pc:picChg>
-        <pc:picChg chg="add mod">
-          <ac:chgData name="G 2" userId="8d203687cf76d0fd" providerId="LiveId" clId="{76E2985F-61D3-4F0E-8587-FEEB01D31A41}" dt="2019-03-18T22:59:05.051" v="11619" actId="1076"/>
-          <ac:picMkLst>
-            <pc:docMk/>
-            <pc:sldMk cId="3424585302" sldId="707"/>
-            <ac:picMk id="5" creationId="{6CD21AC7-DCB2-4D85-8626-15F99AD552EE}"/>
-          </ac:picMkLst>
-        </pc:picChg>
-        <pc:picChg chg="add mod">
-          <ac:chgData name="G 2" userId="8d203687cf76d0fd" providerId="LiveId" clId="{76E2985F-61D3-4F0E-8587-FEEB01D31A41}" dt="2019-03-18T22:59:12.205" v="11621" actId="1076"/>
-          <ac:picMkLst>
-            <pc:docMk/>
-            <pc:sldMk cId="3424585302" sldId="707"/>
-            <ac:picMk id="6" creationId="{12EA4115-994A-4C37-8034-4DC99B904B64}"/>
-          </ac:picMkLst>
-        </pc:picChg>
-        <pc:picChg chg="del">
-          <ac:chgData name="G 2" userId="8d203687cf76d0fd" providerId="LiveId" clId="{76E2985F-61D3-4F0E-8587-FEEB01D31A41}" dt="2019-03-18T22:54:16.913" v="11608" actId="478"/>
-          <ac:picMkLst>
-            <pc:docMk/>
-            <pc:sldMk cId="3424585302" sldId="707"/>
-            <ac:picMk id="9" creationId="{D44A60AC-77AD-42B9-8B05-6F2276719006}"/>
-          </ac:picMkLst>
-        </pc:picChg>
-      </pc:sldChg>
-      <pc:sldChg chg="addSp delSp modSp add">
-        <pc:chgData name="G 2" userId="8d203687cf76d0fd" providerId="LiveId" clId="{76E2985F-61D3-4F0E-8587-FEEB01D31A41}" dt="2019-03-18T23:08:49.974" v="11861" actId="478"/>
-        <pc:sldMkLst>
-          <pc:docMk/>
-          <pc:sldMk cId="22601379" sldId="708"/>
-        </pc:sldMkLst>
-        <pc:spChg chg="add mod">
-          <ac:chgData name="G 2" userId="8d203687cf76d0fd" providerId="LiveId" clId="{76E2985F-61D3-4F0E-8587-FEEB01D31A41}" dt="2019-03-18T23:06:23.459" v="11828" actId="113"/>
-          <ac:spMkLst>
-            <pc:docMk/>
-            <pc:sldMk cId="22601379" sldId="708"/>
-            <ac:spMk id="8" creationId="{595FE82B-1E0D-4766-AA29-29CB2CC9C5DB}"/>
-          </ac:spMkLst>
-        </pc:spChg>
-        <pc:spChg chg="add del mod">
-          <ac:chgData name="G 2" userId="8d203687cf76d0fd" providerId="LiveId" clId="{76E2985F-61D3-4F0E-8587-FEEB01D31A41}" dt="2019-03-18T23:07:24.558" v="11835"/>
-          <ac:spMkLst>
-            <pc:docMk/>
-            <pc:sldMk cId="22601379" sldId="708"/>
-            <ac:spMk id="9" creationId="{2F304C54-A4E9-40F5-B768-D3E4FEF0C805}"/>
-          </ac:spMkLst>
-        </pc:spChg>
-        <pc:spChg chg="add mod">
-          <ac:chgData name="G 2" userId="8d203687cf76d0fd" providerId="LiveId" clId="{76E2985F-61D3-4F0E-8587-FEEB01D31A41}" dt="2019-03-18T23:08:21.556" v="11840" actId="1076"/>
-          <ac:spMkLst>
-            <pc:docMk/>
-            <pc:sldMk cId="22601379" sldId="708"/>
-            <ac:spMk id="11" creationId="{1E6BC7D5-C053-40D6-8787-0008704177E8}"/>
-          </ac:spMkLst>
-        </pc:spChg>
-        <pc:spChg chg="add mod">
-          <ac:chgData name="G 2" userId="8d203687cf76d0fd" providerId="LiveId" clId="{76E2985F-61D3-4F0E-8587-FEEB01D31A41}" dt="2019-03-18T23:08:37.006" v="11858" actId="1076"/>
-          <ac:spMkLst>
-            <pc:docMk/>
-            <pc:sldMk cId="22601379" sldId="708"/>
-            <ac:spMk id="13" creationId="{AF13F692-7766-4EE0-BE8B-63C7AC7E6183}"/>
-          </ac:spMkLst>
-        </pc:spChg>
-        <pc:spChg chg="add del mod">
-          <ac:chgData name="G 2" userId="8d203687cf76d0fd" providerId="LiveId" clId="{76E2985F-61D3-4F0E-8587-FEEB01D31A41}" dt="2019-03-18T23:08:49.974" v="11861" actId="478"/>
-          <ac:spMkLst>
-            <pc:docMk/>
-            <pc:sldMk cId="22601379" sldId="708"/>
-            <ac:spMk id="14" creationId="{39E17F94-4D3C-40B0-861C-D94CAA5D5782}"/>
-          </ac:spMkLst>
-        </pc:spChg>
-        <pc:picChg chg="del">
-          <ac:chgData name="G 2" userId="8d203687cf76d0fd" providerId="LiveId" clId="{76E2985F-61D3-4F0E-8587-FEEB01D31A41}" dt="2019-03-18T23:05:18.249" v="11720" actId="478"/>
-          <ac:picMkLst>
-            <pc:docMk/>
-            <pc:sldMk cId="22601379" sldId="708"/>
-            <ac:picMk id="3" creationId="{B55184DE-9612-4B90-9CF1-88F386C6B66A}"/>
-          </ac:picMkLst>
-        </pc:picChg>
-        <pc:picChg chg="del">
-          <ac:chgData name="G 2" userId="8d203687cf76d0fd" providerId="LiveId" clId="{76E2985F-61D3-4F0E-8587-FEEB01D31A41}" dt="2019-03-18T23:05:24.177" v="11727" actId="478"/>
-          <ac:picMkLst>
-            <pc:docMk/>
-            <pc:sldMk cId="22601379" sldId="708"/>
-            <ac:picMk id="5" creationId="{6CD21AC7-DCB2-4D85-8626-15F99AD552EE}"/>
-          </ac:picMkLst>
-        </pc:picChg>
-        <pc:picChg chg="del mod">
-          <ac:chgData name="G 2" userId="8d203687cf76d0fd" providerId="LiveId" clId="{76E2985F-61D3-4F0E-8587-FEEB01D31A41}" dt="2019-03-18T23:05:24.177" v="11727" actId="478"/>
-          <ac:picMkLst>
-            <pc:docMk/>
-            <pc:sldMk cId="22601379" sldId="708"/>
-            <ac:picMk id="6" creationId="{12EA4115-994A-4C37-8034-4DC99B904B64}"/>
-          </ac:picMkLst>
-        </pc:picChg>
-        <pc:picChg chg="add mod">
-          <ac:chgData name="G 2" userId="8d203687cf76d0fd" providerId="LiveId" clId="{76E2985F-61D3-4F0E-8587-FEEB01D31A41}" dt="2019-03-18T23:06:27.523" v="11829" actId="1076"/>
-          <ac:picMkLst>
-            <pc:docMk/>
-            <pc:sldMk cId="22601379" sldId="708"/>
-            <ac:picMk id="7" creationId="{E3177486-530D-47EB-A859-DB1AC971E427}"/>
-          </ac:picMkLst>
-        </pc:picChg>
-        <pc:picChg chg="add mod">
-          <ac:chgData name="G 2" userId="8d203687cf76d0fd" providerId="LiveId" clId="{76E2985F-61D3-4F0E-8587-FEEB01D31A41}" dt="2019-03-18T23:05:34.354" v="11734" actId="571"/>
-          <ac:picMkLst>
-            <pc:docMk/>
-            <pc:sldMk cId="22601379" sldId="708"/>
-            <ac:picMk id="10" creationId="{E9F0AC32-4679-45C5-914C-0746DB2DFB7E}"/>
-          </ac:picMkLst>
-        </pc:picChg>
-      </pc:sldChg>
-      <pc:sldChg chg="addSp delSp modSp add">
-        <pc:chgData name="G 2" userId="8d203687cf76d0fd" providerId="LiveId" clId="{76E2985F-61D3-4F0E-8587-FEEB01D31A41}" dt="2019-03-19T00:21:56.435" v="15005" actId="1076"/>
-        <pc:sldMkLst>
-          <pc:docMk/>
-          <pc:sldMk cId="3953533632" sldId="709"/>
-        </pc:sldMkLst>
-        <pc:spChg chg="add mod">
-          <ac:chgData name="G 2" userId="8d203687cf76d0fd" providerId="LiveId" clId="{76E2985F-61D3-4F0E-8587-FEEB01D31A41}" dt="2019-03-19T00:21:56.435" v="15005" actId="1076"/>
-          <ac:spMkLst>
-            <pc:docMk/>
-            <pc:sldMk cId="3953533632" sldId="709"/>
-            <ac:spMk id="6" creationId="{69138EBB-1FB5-4BE0-B946-BBB42BCCD037}"/>
-          </ac:spMkLst>
-        </pc:spChg>
-        <pc:spChg chg="del mod">
-          <ac:chgData name="G 2" userId="8d203687cf76d0fd" providerId="LiveId" clId="{76E2985F-61D3-4F0E-8587-FEEB01D31A41}" dt="2019-03-18T23:39:58.896" v="12823" actId="478"/>
-          <ac:spMkLst>
-            <pc:docMk/>
-            <pc:sldMk cId="3953533632" sldId="709"/>
-            <ac:spMk id="8" creationId="{56A4447F-7D87-4D48-A0BB-0F0A59C6D550}"/>
-          </ac:spMkLst>
-        </pc:spChg>
-        <pc:picChg chg="mod">
-          <ac:chgData name="G 2" userId="8d203687cf76d0fd" providerId="LiveId" clId="{76E2985F-61D3-4F0E-8587-FEEB01D31A41}" dt="2019-03-18T23:40:04.106" v="12824" actId="14100"/>
-          <ac:picMkLst>
-            <pc:docMk/>
-            <pc:sldMk cId="3953533632" sldId="709"/>
-            <ac:picMk id="3" creationId="{F10F68C0-12DC-4520-8909-D22631B41893}"/>
-          </ac:picMkLst>
-        </pc:picChg>
-        <pc:picChg chg="add mod">
-          <ac:chgData name="G 2" userId="8d203687cf76d0fd" providerId="LiveId" clId="{76E2985F-61D3-4F0E-8587-FEEB01D31A41}" dt="2019-03-19T00:21:56.435" v="15005" actId="1076"/>
-          <ac:picMkLst>
-            <pc:docMk/>
-            <pc:sldMk cId="3953533632" sldId="709"/>
-            <ac:picMk id="5" creationId="{22B2E892-C9C9-4846-B012-5DD1A6525322}"/>
-          </ac:picMkLst>
-        </pc:picChg>
-      </pc:sldChg>
-      <pc:sldChg chg="addSp delSp modSp add ord modTransition">
-        <pc:chgData name="G 2" userId="8d203687cf76d0fd" providerId="LiveId" clId="{76E2985F-61D3-4F0E-8587-FEEB01D31A41}" dt="2019-03-18T23:38:51.986" v="12815" actId="113"/>
-        <pc:sldMkLst>
-          <pc:docMk/>
-          <pc:sldMk cId="2255977217" sldId="710"/>
-        </pc:sldMkLst>
-        <pc:spChg chg="add mod">
-          <ac:chgData name="G 2" userId="8d203687cf76d0fd" providerId="LiveId" clId="{76E2985F-61D3-4F0E-8587-FEEB01D31A41}" dt="2019-03-18T23:38:51.986" v="12815" actId="113"/>
-          <ac:spMkLst>
-            <pc:docMk/>
-            <pc:sldMk cId="2255977217" sldId="710"/>
-            <ac:spMk id="6" creationId="{D8B70B4F-3036-4DF5-9F00-A5B341A72FF7}"/>
-          </ac:spMkLst>
-        </pc:spChg>
-        <pc:spChg chg="mod">
-          <ac:chgData name="G 2" userId="8d203687cf76d0fd" providerId="LiveId" clId="{76E2985F-61D3-4F0E-8587-FEEB01D31A41}" dt="2019-03-18T23:38:05.538" v="12789"/>
-          <ac:spMkLst>
-            <pc:docMk/>
-            <pc:sldMk cId="2255977217" sldId="710"/>
-            <ac:spMk id="8" creationId="{56A4447F-7D87-4D48-A0BB-0F0A59C6D550}"/>
-          </ac:spMkLst>
-        </pc:spChg>
-        <pc:picChg chg="del">
-          <ac:chgData name="G 2" userId="8d203687cf76d0fd" providerId="LiveId" clId="{76E2985F-61D3-4F0E-8587-FEEB01D31A41}" dt="2019-03-18T23:37:01.351" v="12776" actId="478"/>
-          <ac:picMkLst>
-            <pc:docMk/>
-            <pc:sldMk cId="2255977217" sldId="710"/>
-            <ac:picMk id="3" creationId="{F10F68C0-12DC-4520-8909-D22631B41893}"/>
-          </ac:picMkLst>
-        </pc:picChg>
-        <pc:picChg chg="mod">
-          <ac:chgData name="G 2" userId="8d203687cf76d0fd" providerId="LiveId" clId="{76E2985F-61D3-4F0E-8587-FEEB01D31A41}" dt="2019-03-18T23:38:40.079" v="12812" actId="1076"/>
-          <ac:picMkLst>
-            <pc:docMk/>
-            <pc:sldMk cId="2255977217" sldId="710"/>
-            <ac:picMk id="5" creationId="{DC5031CB-95A5-44FC-A7A4-EC902CC67961}"/>
-          </ac:picMkLst>
-        </pc:picChg>
-        <pc:picChg chg="mod modCrop">
-          <ac:chgData name="G 2" userId="8d203687cf76d0fd" providerId="LiveId" clId="{76E2985F-61D3-4F0E-8587-FEEB01D31A41}" dt="2019-03-18T23:38:36.510" v="12809" actId="14100"/>
-          <ac:picMkLst>
-            <pc:docMk/>
-            <pc:sldMk cId="2255977217" sldId="710"/>
-            <ac:picMk id="9" creationId="{D4DBBD75-4680-44FD-9337-47A5409AC3A1}"/>
-          </ac:picMkLst>
-        </pc:picChg>
-        <pc:picChg chg="add mod ord modCrop">
-          <ac:chgData name="G 2" userId="8d203687cf76d0fd" providerId="LiveId" clId="{76E2985F-61D3-4F0E-8587-FEEB01D31A41}" dt="2019-03-18T23:38:37.420" v="12810" actId="1076"/>
-          <ac:picMkLst>
-            <pc:docMk/>
-            <pc:sldMk cId="2255977217" sldId="710"/>
-            <ac:picMk id="10" creationId="{CEE23E31-A252-468B-88C3-E8B503B4326A}"/>
-          </ac:picMkLst>
-        </pc:picChg>
-      </pc:sldChg>
-      <pc:sldChg chg="modSp add">
-        <pc:chgData name="G 2" userId="8d203687cf76d0fd" providerId="LiveId" clId="{76E2985F-61D3-4F0E-8587-FEEB01D31A41}" dt="2019-03-19T00:09:14.635" v="14996"/>
-        <pc:sldMkLst>
-          <pc:docMk/>
-          <pc:sldMk cId="875145578" sldId="711"/>
-        </pc:sldMkLst>
-        <pc:spChg chg="mod">
-          <ac:chgData name="G 2" userId="8d203687cf76d0fd" providerId="LiveId" clId="{76E2985F-61D3-4F0E-8587-FEEB01D31A41}" dt="2019-03-18T23:52:44.107" v="13333"/>
-          <ac:spMkLst>
-            <pc:docMk/>
-            <pc:sldMk cId="875145578" sldId="711"/>
-            <ac:spMk id="4" creationId="{00000000-0000-0000-0000-000000000000}"/>
-          </ac:spMkLst>
-        </pc:spChg>
-        <pc:spChg chg="mod">
-          <ac:chgData name="G 2" userId="8d203687cf76d0fd" providerId="LiveId" clId="{76E2985F-61D3-4F0E-8587-FEEB01D31A41}" dt="2019-03-19T00:01:56.691" v="14044"/>
-          <ac:spMkLst>
-            <pc:docMk/>
-            <pc:sldMk cId="875145578" sldId="711"/>
-            <ac:spMk id="7" creationId="{E9FA7309-F1C6-4CBD-8CF9-4B7F9DDE73E1}"/>
-          </ac:spMkLst>
-        </pc:spChg>
-        <pc:spChg chg="mod">
-          <ac:chgData name="G 2" userId="8d203687cf76d0fd" providerId="LiveId" clId="{76E2985F-61D3-4F0E-8587-FEEB01D31A41}" dt="2019-03-19T00:09:14.635" v="14996"/>
-          <ac:spMkLst>
-            <pc:docMk/>
-            <pc:sldMk cId="875145578" sldId="711"/>
-            <ac:spMk id="8" creationId="{56A4447F-7D87-4D48-A0BB-0F0A59C6D550}"/>
-          </ac:spMkLst>
-        </pc:spChg>
-      </pc:sldChg>
-      <pc:sldChg chg="modSp add">
-        <pc:chgData name="G 2" userId="8d203687cf76d0fd" providerId="LiveId" clId="{76E2985F-61D3-4F0E-8587-FEEB01D31A41}" dt="2019-03-19T00:09:47.838" v="14998"/>
-        <pc:sldMkLst>
-          <pc:docMk/>
-          <pc:sldMk cId="553268900" sldId="712"/>
-        </pc:sldMkLst>
-        <pc:spChg chg="mod">
-          <ac:chgData name="G 2" userId="8d203687cf76d0fd" providerId="LiveId" clId="{76E2985F-61D3-4F0E-8587-FEEB01D31A41}" dt="2019-03-19T00:09:47.838" v="14998"/>
-          <ac:spMkLst>
-            <pc:docMk/>
-            <pc:sldMk cId="553268900" sldId="712"/>
-            <ac:spMk id="4" creationId="{FD08CAA5-5B67-45E3-99AB-556A364EA09F}"/>
-          </ac:spMkLst>
-        </pc:spChg>
-      </pc:sldChg>
-      <pc:sldChg chg="addSp delSp modSp add">
-        <pc:chgData name="G 2" userId="8d203687cf76d0fd" providerId="LiveId" clId="{76E2985F-61D3-4F0E-8587-FEEB01D31A41}" dt="2019-03-19T01:13:46.087" v="16243"/>
-        <pc:sldMkLst>
-          <pc:docMk/>
-          <pc:sldMk cId="1816244664" sldId="713"/>
-        </pc:sldMkLst>
-        <pc:spChg chg="add del">
-          <ac:chgData name="G 2" userId="8d203687cf76d0fd" providerId="LiveId" clId="{76E2985F-61D3-4F0E-8587-FEEB01D31A41}" dt="2019-03-19T00:53:05.385" v="15248"/>
-          <ac:spMkLst>
-            <pc:docMk/>
-            <pc:sldMk cId="1816244664" sldId="713"/>
-            <ac:spMk id="3" creationId="{89306292-5979-4B25-B9CE-93C06C2B705A}"/>
-          </ac:spMkLst>
-        </pc:spChg>
-        <pc:spChg chg="mod">
-          <ac:chgData name="G 2" userId="8d203687cf76d0fd" providerId="LiveId" clId="{76E2985F-61D3-4F0E-8587-FEEB01D31A41}" dt="2019-03-19T00:10:40.922" v="15000"/>
-          <ac:spMkLst>
-            <pc:docMk/>
-            <pc:sldMk cId="1816244664" sldId="713"/>
-            <ac:spMk id="4" creationId="{00000000-0000-0000-0000-000000000000}"/>
-          </ac:spMkLst>
-        </pc:spChg>
-        <pc:spChg chg="mod">
-          <ac:chgData name="G 2" userId="8d203687cf76d0fd" providerId="LiveId" clId="{76E2985F-61D3-4F0E-8587-FEEB01D31A41}" dt="2019-03-19T01:13:46.087" v="16243"/>
-          <ac:spMkLst>
-            <pc:docMk/>
-            <pc:sldMk cId="1816244664" sldId="713"/>
-            <ac:spMk id="7" creationId="{E9FA7309-F1C6-4CBD-8CF9-4B7F9DDE73E1}"/>
-          </ac:spMkLst>
-        </pc:spChg>
-        <pc:spChg chg="mod">
-          <ac:chgData name="G 2" userId="8d203687cf76d0fd" providerId="LiveId" clId="{76E2985F-61D3-4F0E-8587-FEEB01D31A41}" dt="2019-03-19T01:13:30.121" v="16161"/>
-          <ac:spMkLst>
-            <pc:docMk/>
-            <pc:sldMk cId="1816244664" sldId="713"/>
-            <ac:spMk id="8" creationId="{56A4447F-7D87-4D48-A0BB-0F0A59C6D550}"/>
-          </ac:spMkLst>
-        </pc:spChg>
-        <pc:picChg chg="add del">
-          <ac:chgData name="G 2" userId="8d203687cf76d0fd" providerId="LiveId" clId="{76E2985F-61D3-4F0E-8587-FEEB01D31A41}" dt="2019-03-19T00:57:34.274" v="15339" actId="478"/>
-          <ac:picMkLst>
-            <pc:docMk/>
-            <pc:sldMk cId="1816244664" sldId="713"/>
-            <ac:picMk id="5" creationId="{B28518B1-C47A-4B6C-AE52-442A455EE5B8}"/>
-          </ac:picMkLst>
-        </pc:picChg>
-      </pc:sldChg>
-      <pc:sldChg chg="addSp delSp modSp add">
-        <pc:chgData name="G 2" userId="8d203687cf76d0fd" providerId="LiveId" clId="{76E2985F-61D3-4F0E-8587-FEEB01D31A41}" dt="2019-03-19T00:57:56.404" v="15354" actId="1076"/>
-        <pc:sldMkLst>
-          <pc:docMk/>
-          <pc:sldMk cId="719560211" sldId="714"/>
-        </pc:sldMkLst>
-        <pc:spChg chg="add mod">
-          <ac:chgData name="G 2" userId="8d203687cf76d0fd" providerId="LiveId" clId="{76E2985F-61D3-4F0E-8587-FEEB01D31A41}" dt="2019-03-19T00:57:56.404" v="15354" actId="1076"/>
-          <ac:spMkLst>
-            <pc:docMk/>
-            <pc:sldMk cId="719560211" sldId="714"/>
-            <ac:spMk id="3" creationId="{8260B0C5-7C3A-48EB-85D7-9C0301ACC81D}"/>
-          </ac:spMkLst>
-        </pc:spChg>
-        <pc:spChg chg="del">
-          <ac:chgData name="G 2" userId="8d203687cf76d0fd" providerId="LiveId" clId="{76E2985F-61D3-4F0E-8587-FEEB01D31A41}" dt="2019-03-19T00:57:37.643" v="15341" actId="478"/>
-          <ac:spMkLst>
-            <pc:docMk/>
-            <pc:sldMk cId="719560211" sldId="714"/>
-            <ac:spMk id="7" creationId="{E9FA7309-F1C6-4CBD-8CF9-4B7F9DDE73E1}"/>
-          </ac:spMkLst>
-        </pc:spChg>
-        <pc:spChg chg="del">
-          <ac:chgData name="G 2" userId="8d203687cf76d0fd" providerId="LiveId" clId="{76E2985F-61D3-4F0E-8587-FEEB01D31A41}" dt="2019-03-19T00:57:37.643" v="15341" actId="478"/>
-          <ac:spMkLst>
-            <pc:docMk/>
-            <pc:sldMk cId="719560211" sldId="714"/>
-            <ac:spMk id="8" creationId="{56A4447F-7D87-4D48-A0BB-0F0A59C6D550}"/>
-          </ac:spMkLst>
-        </pc:spChg>
-        <pc:picChg chg="mod">
-          <ac:chgData name="G 2" userId="8d203687cf76d0fd" providerId="LiveId" clId="{76E2985F-61D3-4F0E-8587-FEEB01D31A41}" dt="2019-03-19T00:57:50.105" v="15346" actId="1076"/>
-          <ac:picMkLst>
-            <pc:docMk/>
-            <pc:sldMk cId="719560211" sldId="714"/>
-            <ac:picMk id="5" creationId="{B28518B1-C47A-4B6C-AE52-442A455EE5B8}"/>
-          </ac:picMkLst>
-        </pc:picChg>
-      </pc:sldChg>
-    </pc:docChg>
-  </pc:docChgLst>
-  <pc:docChgLst>
     <pc:chgData name="2 G" userId="8d203687cf76d0fd" providerId="LiveId" clId="{100E32FE-8177-45EE-85F8-2758506E75C0}"/>
     <pc:docChg chg="undo custSel addSld delSld modSld modMainMaster">
       <pc:chgData name="2 G" userId="8d203687cf76d0fd" providerId="LiveId" clId="{100E32FE-8177-45EE-85F8-2758506E75C0}" dt="2019-03-19T04:25:46.042" v="62" actId="207"/>
@@ -2766,6 +642,2130 @@
           </pc:spChg>
         </pc:sldLayoutChg>
       </pc:sldMasterChg>
+    </pc:docChg>
+  </pc:docChgLst>
+  <pc:docChgLst>
+    <pc:chgData name="G 2" userId="8d203687cf76d0fd" providerId="LiveId" clId="{76E2985F-61D3-4F0E-8587-FEEB01D31A41}"/>
+    <pc:docChg chg="undo redo custSel addSld delSld modSld sldOrd">
+      <pc:chgData name="G 2" userId="8d203687cf76d0fd" providerId="LiveId" clId="{76E2985F-61D3-4F0E-8587-FEEB01D31A41}" dt="2019-03-19T01:13:46.087" v="16243"/>
+      <pc:docMkLst>
+        <pc:docMk/>
+      </pc:docMkLst>
+      <pc:sldChg chg="addSp delSp modSp modTransition">
+        <pc:chgData name="G 2" userId="8d203687cf76d0fd" providerId="LiveId" clId="{76E2985F-61D3-4F0E-8587-FEEB01D31A41}" dt="2019-03-18T23:52:31.643" v="13331"/>
+        <pc:sldMkLst>
+          <pc:docMk/>
+          <pc:sldMk cId="2149104172" sldId="669"/>
+        </pc:sldMkLst>
+        <pc:spChg chg="mod">
+          <ac:chgData name="G 2" userId="8d203687cf76d0fd" providerId="LiveId" clId="{76E2985F-61D3-4F0E-8587-FEEB01D31A41}" dt="2019-03-18T23:52:21.701" v="13329" actId="6549"/>
+          <ac:spMkLst>
+            <pc:docMk/>
+            <pc:sldMk cId="2149104172" sldId="669"/>
+            <ac:spMk id="7" creationId="{E9FA7309-F1C6-4CBD-8CF9-4B7F9DDE73E1}"/>
+          </ac:spMkLst>
+        </pc:spChg>
+        <pc:spChg chg="mod">
+          <ac:chgData name="G 2" userId="8d203687cf76d0fd" providerId="LiveId" clId="{76E2985F-61D3-4F0E-8587-FEEB01D31A41}" dt="2019-03-12T11:33:34.986" v="275" actId="113"/>
+          <ac:spMkLst>
+            <pc:docMk/>
+            <pc:sldMk cId="2149104172" sldId="669"/>
+            <ac:spMk id="8" creationId="{56A4447F-7D87-4D48-A0BB-0F0A59C6D550}"/>
+          </ac:spMkLst>
+        </pc:spChg>
+        <pc:picChg chg="add del mod">
+          <ac:chgData name="G 2" userId="8d203687cf76d0fd" providerId="LiveId" clId="{76E2985F-61D3-4F0E-8587-FEEB01D31A41}" dt="2019-03-12T11:26:18.091" v="2"/>
+          <ac:picMkLst>
+            <pc:docMk/>
+            <pc:sldMk cId="2149104172" sldId="669"/>
+            <ac:picMk id="3" creationId="{D670081C-43DA-4464-8CC8-3650F2E6CC50}"/>
+          </ac:picMkLst>
+        </pc:picChg>
+      </pc:sldChg>
+      <pc:sldChg chg="addSp delSp modSp">
+        <pc:chgData name="G 2" userId="8d203687cf76d0fd" providerId="LiveId" clId="{76E2985F-61D3-4F0E-8587-FEEB01D31A41}" dt="2019-03-18T23:51:25.135" v="13327" actId="1076"/>
+        <pc:sldMkLst>
+          <pc:docMk/>
+          <pc:sldMk cId="229129333" sldId="670"/>
+        </pc:sldMkLst>
+        <pc:spChg chg="add del mod">
+          <ac:chgData name="G 2" userId="8d203687cf76d0fd" providerId="LiveId" clId="{76E2985F-61D3-4F0E-8587-FEEB01D31A41}" dt="2019-03-12T11:30:00.486" v="65"/>
+          <ac:spMkLst>
+            <pc:docMk/>
+            <pc:sldMk cId="229129333" sldId="670"/>
+            <ac:spMk id="6" creationId="{EF88130E-0EA7-4E52-A6AA-CF9433954C8B}"/>
+          </ac:spMkLst>
+        </pc:spChg>
+        <pc:spChg chg="del mod">
+          <ac:chgData name="G 2" userId="8d203687cf76d0fd" providerId="LiveId" clId="{76E2985F-61D3-4F0E-8587-FEEB01D31A41}" dt="2019-03-12T11:26:52.763" v="13" actId="478"/>
+          <ac:spMkLst>
+            <pc:docMk/>
+            <pc:sldMk cId="229129333" sldId="670"/>
+            <ac:spMk id="7" creationId="{E9FA7309-F1C6-4CBD-8CF9-4B7F9DDE73E1}"/>
+          </ac:spMkLst>
+        </pc:spChg>
+        <pc:spChg chg="del mod">
+          <ac:chgData name="G 2" userId="8d203687cf76d0fd" providerId="LiveId" clId="{76E2985F-61D3-4F0E-8587-FEEB01D31A41}" dt="2019-03-12T11:26:52.763" v="13" actId="478"/>
+          <ac:spMkLst>
+            <pc:docMk/>
+            <pc:sldMk cId="229129333" sldId="670"/>
+            <ac:spMk id="8" creationId="{56A4447F-7D87-4D48-A0BB-0F0A59C6D550}"/>
+          </ac:spMkLst>
+        </pc:spChg>
+        <pc:spChg chg="add del">
+          <ac:chgData name="G 2" userId="8d203687cf76d0fd" providerId="LiveId" clId="{76E2985F-61D3-4F0E-8587-FEEB01D31A41}" dt="2019-03-12T11:30:15.748" v="67"/>
+          <ac:spMkLst>
+            <pc:docMk/>
+            <pc:sldMk cId="229129333" sldId="670"/>
+            <ac:spMk id="10" creationId="{B0331875-846A-47E0-A155-C5726F5EE59C}"/>
+          </ac:spMkLst>
+        </pc:spChg>
+        <pc:picChg chg="add del mod">
+          <ac:chgData name="G 2" userId="8d203687cf76d0fd" providerId="LiveId" clId="{76E2985F-61D3-4F0E-8587-FEEB01D31A41}" dt="2019-03-12T11:26:55.951" v="17" actId="478"/>
+          <ac:picMkLst>
+            <pc:docMk/>
+            <pc:sldMk cId="229129333" sldId="670"/>
+            <ac:picMk id="3" creationId="{E04139B6-CCFD-4172-AEC5-529A53A42ED2}"/>
+          </ac:picMkLst>
+        </pc:picChg>
+        <pc:picChg chg="add mod">
+          <ac:chgData name="G 2" userId="8d203687cf76d0fd" providerId="LiveId" clId="{76E2985F-61D3-4F0E-8587-FEEB01D31A41}" dt="2019-03-18T23:51:25.135" v="13327" actId="1076"/>
+          <ac:picMkLst>
+            <pc:docMk/>
+            <pc:sldMk cId="229129333" sldId="670"/>
+            <ac:picMk id="3" creationId="{FFBDD2C8-6B0C-4513-B452-238301CF9009}"/>
+          </ac:picMkLst>
+        </pc:picChg>
+        <pc:picChg chg="add mod">
+          <ac:chgData name="G 2" userId="8d203687cf76d0fd" providerId="LiveId" clId="{76E2985F-61D3-4F0E-8587-FEEB01D31A41}" dt="2019-03-18T14:30:31.517" v="2608" actId="1076"/>
+          <ac:picMkLst>
+            <pc:docMk/>
+            <pc:sldMk cId="229129333" sldId="670"/>
+            <ac:picMk id="5" creationId="{9EE6F063-AF0E-424B-A6EE-3B4DD3E1EC55}"/>
+          </ac:picMkLst>
+        </pc:picChg>
+        <pc:picChg chg="add mod">
+          <ac:chgData name="G 2" userId="8d203687cf76d0fd" providerId="LiveId" clId="{76E2985F-61D3-4F0E-8587-FEEB01D31A41}" dt="2019-03-18T14:30:30.931" v="2607" actId="1076"/>
+          <ac:picMkLst>
+            <pc:docMk/>
+            <pc:sldMk cId="229129333" sldId="670"/>
+            <ac:picMk id="9" creationId="{28F3A0F2-AD31-4B18-9BA0-1AC0F67F8CF6}"/>
+          </ac:picMkLst>
+        </pc:picChg>
+      </pc:sldChg>
+      <pc:sldChg chg="addSp delSp modSp add">
+        <pc:chgData name="G 2" userId="8d203687cf76d0fd" providerId="LiveId" clId="{76E2985F-61D3-4F0E-8587-FEEB01D31A41}" dt="2019-03-18T14:40:40.642" v="3038" actId="1076"/>
+        <pc:sldMkLst>
+          <pc:docMk/>
+          <pc:sldMk cId="2298693606" sldId="671"/>
+        </pc:sldMkLst>
+        <pc:picChg chg="add mod">
+          <ac:chgData name="G 2" userId="8d203687cf76d0fd" providerId="LiveId" clId="{76E2985F-61D3-4F0E-8587-FEEB01D31A41}" dt="2019-03-18T14:40:40.642" v="3038" actId="1076"/>
+          <ac:picMkLst>
+            <pc:docMk/>
+            <pc:sldMk cId="2298693606" sldId="671"/>
+            <ac:picMk id="3" creationId="{202DEFAF-76B1-43E8-88B9-D0DFE60E54BA}"/>
+          </ac:picMkLst>
+        </pc:picChg>
+        <pc:picChg chg="del">
+          <ac:chgData name="G 2" userId="8d203687cf76d0fd" providerId="LiveId" clId="{76E2985F-61D3-4F0E-8587-FEEB01D31A41}" dt="2019-03-12T11:27:53.691" v="22" actId="478"/>
+          <ac:picMkLst>
+            <pc:docMk/>
+            <pc:sldMk cId="2298693606" sldId="671"/>
+            <ac:picMk id="5" creationId="{9EE6F063-AF0E-424B-A6EE-3B4DD3E1EC55}"/>
+          </ac:picMkLst>
+        </pc:picChg>
+        <pc:picChg chg="add mod">
+          <ac:chgData name="G 2" userId="8d203687cf76d0fd" providerId="LiveId" clId="{76E2985F-61D3-4F0E-8587-FEEB01D31A41}" dt="2019-03-18T14:36:49.806" v="3036" actId="1076"/>
+          <ac:picMkLst>
+            <pc:docMk/>
+            <pc:sldMk cId="2298693606" sldId="671"/>
+            <ac:picMk id="6" creationId="{65480B90-7CDD-49A5-A6B7-C99967F69D85}"/>
+          </ac:picMkLst>
+        </pc:picChg>
+        <pc:picChg chg="add mod">
+          <ac:chgData name="G 2" userId="8d203687cf76d0fd" providerId="LiveId" clId="{76E2985F-61D3-4F0E-8587-FEEB01D31A41}" dt="2019-03-12T11:28:54.174" v="47" actId="1076"/>
+          <ac:picMkLst>
+            <pc:docMk/>
+            <pc:sldMk cId="2298693606" sldId="671"/>
+            <ac:picMk id="7" creationId="{C4271D63-9418-4C5E-995C-B43C60B12CA5}"/>
+          </ac:picMkLst>
+        </pc:picChg>
+        <pc:picChg chg="add mod">
+          <ac:chgData name="G 2" userId="8d203687cf76d0fd" providerId="LiveId" clId="{76E2985F-61D3-4F0E-8587-FEEB01D31A41}" dt="2019-03-12T11:29:11.889" v="54" actId="1076"/>
+          <ac:picMkLst>
+            <pc:docMk/>
+            <pc:sldMk cId="2298693606" sldId="671"/>
+            <ac:picMk id="8" creationId="{67397486-E3A3-45B5-B25E-7C7EDDF85659}"/>
+          </ac:picMkLst>
+        </pc:picChg>
+        <pc:picChg chg="del">
+          <ac:chgData name="G 2" userId="8d203687cf76d0fd" providerId="LiveId" clId="{76E2985F-61D3-4F0E-8587-FEEB01D31A41}" dt="2019-03-12T11:27:53.691" v="22" actId="478"/>
+          <ac:picMkLst>
+            <pc:docMk/>
+            <pc:sldMk cId="2298693606" sldId="671"/>
+            <ac:picMk id="9" creationId="{28F3A0F2-AD31-4B18-9BA0-1AC0F67F8CF6}"/>
+          </ac:picMkLst>
+        </pc:picChg>
+        <pc:picChg chg="add mod">
+          <ac:chgData name="G 2" userId="8d203687cf76d0fd" providerId="LiveId" clId="{76E2985F-61D3-4F0E-8587-FEEB01D31A41}" dt="2019-03-12T11:29:08.066" v="53" actId="1076"/>
+          <ac:picMkLst>
+            <pc:docMk/>
+            <pc:sldMk cId="2298693606" sldId="671"/>
+            <ac:picMk id="10" creationId="{7098AB16-E01D-47BB-9987-7BDEC6C07081}"/>
+          </ac:picMkLst>
+        </pc:picChg>
+      </pc:sldChg>
+      <pc:sldChg chg="modSp add del ord">
+        <pc:chgData name="G 2" userId="8d203687cf76d0fd" providerId="LiveId" clId="{76E2985F-61D3-4F0E-8587-FEEB01D31A41}" dt="2019-03-18T14:34:05.260" v="2806" actId="2696"/>
+        <pc:sldMkLst>
+          <pc:docMk/>
+          <pc:sldMk cId="2555377988" sldId="674"/>
+        </pc:sldMkLst>
+        <pc:spChg chg="mod">
+          <ac:chgData name="G 2" userId="8d203687cf76d0fd" providerId="LiveId" clId="{76E2985F-61D3-4F0E-8587-FEEB01D31A41}" dt="2019-03-15T16:20:28.806" v="1730"/>
+          <ac:spMkLst>
+            <pc:docMk/>
+            <pc:sldMk cId="2555377988" sldId="674"/>
+            <ac:spMk id="7" creationId="{E9FA7309-F1C6-4CBD-8CF9-4B7F9DDE73E1}"/>
+          </ac:spMkLst>
+        </pc:spChg>
+      </pc:sldChg>
+      <pc:sldChg chg="modSp add">
+        <pc:chgData name="G 2" userId="8d203687cf76d0fd" providerId="LiveId" clId="{76E2985F-61D3-4F0E-8587-FEEB01D31A41}" dt="2019-03-18T23:49:25.650" v="13326"/>
+        <pc:sldMkLst>
+          <pc:docMk/>
+          <pc:sldMk cId="1966728104" sldId="675"/>
+        </pc:sldMkLst>
+        <pc:spChg chg="mod">
+          <ac:chgData name="G 2" userId="8d203687cf76d0fd" providerId="LiveId" clId="{76E2985F-61D3-4F0E-8587-FEEB01D31A41}" dt="2019-03-18T14:27:59.214" v="2225"/>
+          <ac:spMkLst>
+            <pc:docMk/>
+            <pc:sldMk cId="1966728104" sldId="675"/>
+            <ac:spMk id="7" creationId="{E9FA7309-F1C6-4CBD-8CF9-4B7F9DDE73E1}"/>
+          </ac:spMkLst>
+        </pc:spChg>
+        <pc:spChg chg="mod">
+          <ac:chgData name="G 2" userId="8d203687cf76d0fd" providerId="LiveId" clId="{76E2985F-61D3-4F0E-8587-FEEB01D31A41}" dt="2019-03-18T23:49:25.650" v="13326"/>
+          <ac:spMkLst>
+            <pc:docMk/>
+            <pc:sldMk cId="1966728104" sldId="675"/>
+            <ac:spMk id="8" creationId="{56A4447F-7D87-4D48-A0BB-0F0A59C6D550}"/>
+          </ac:spMkLst>
+        </pc:spChg>
+      </pc:sldChg>
+      <pc:sldChg chg="modSp add del ord">
+        <pc:chgData name="G 2" userId="8d203687cf76d0fd" providerId="LiveId" clId="{76E2985F-61D3-4F0E-8587-FEEB01D31A41}" dt="2019-03-18T23:52:27.542" v="13330" actId="2696"/>
+        <pc:sldMkLst>
+          <pc:docMk/>
+          <pc:sldMk cId="2693556601" sldId="676"/>
+        </pc:sldMkLst>
+        <pc:spChg chg="mod">
+          <ac:chgData name="G 2" userId="8d203687cf76d0fd" providerId="LiveId" clId="{76E2985F-61D3-4F0E-8587-FEEB01D31A41}" dt="2019-03-12T11:38:45.271" v="902" actId="20577"/>
+          <ac:spMkLst>
+            <pc:docMk/>
+            <pc:sldMk cId="2693556601" sldId="676"/>
+            <ac:spMk id="4" creationId="{00000000-0000-0000-0000-000000000000}"/>
+          </ac:spMkLst>
+        </pc:spChg>
+        <pc:spChg chg="mod">
+          <ac:chgData name="G 2" userId="8d203687cf76d0fd" providerId="LiveId" clId="{76E2985F-61D3-4F0E-8587-FEEB01D31A41}" dt="2019-03-12T11:40:15.064" v="1015" actId="20577"/>
+          <ac:spMkLst>
+            <pc:docMk/>
+            <pc:sldMk cId="2693556601" sldId="676"/>
+            <ac:spMk id="7" creationId="{E9FA7309-F1C6-4CBD-8CF9-4B7F9DDE73E1}"/>
+          </ac:spMkLst>
+        </pc:spChg>
+      </pc:sldChg>
+      <pc:sldChg chg="add modTransition">
+        <pc:chgData name="G 2" userId="8d203687cf76d0fd" providerId="LiveId" clId="{76E2985F-61D3-4F0E-8587-FEEB01D31A41}" dt="2019-03-18T23:52:31.643" v="13331"/>
+        <pc:sldMkLst>
+          <pc:docMk/>
+          <pc:sldMk cId="1471482274" sldId="677"/>
+        </pc:sldMkLst>
+      </pc:sldChg>
+      <pc:sldChg chg="addSp delSp modSp add">
+        <pc:chgData name="G 2" userId="8d203687cf76d0fd" providerId="LiveId" clId="{76E2985F-61D3-4F0E-8587-FEEB01D31A41}" dt="2019-03-18T18:10:24.922" v="6836" actId="1076"/>
+        <pc:sldMkLst>
+          <pc:docMk/>
+          <pc:sldMk cId="597615141" sldId="678"/>
+        </pc:sldMkLst>
+        <pc:spChg chg="add del">
+          <ac:chgData name="G 2" userId="8d203687cf76d0fd" providerId="LiveId" clId="{76E2985F-61D3-4F0E-8587-FEEB01D31A41}" dt="2019-03-18T15:34:51.161" v="3377"/>
+          <ac:spMkLst>
+            <pc:docMk/>
+            <pc:sldMk cId="597615141" sldId="678"/>
+            <ac:spMk id="3" creationId="{37B9796C-6E82-4DCA-AAAF-2B2C4FB3ABA7}"/>
+          </ac:spMkLst>
+        </pc:spChg>
+        <pc:spChg chg="mod">
+          <ac:chgData name="G 2" userId="8d203687cf76d0fd" providerId="LiveId" clId="{76E2985F-61D3-4F0E-8587-FEEB01D31A41}" dt="2019-03-18T13:51:27.457" v="2057"/>
+          <ac:spMkLst>
+            <pc:docMk/>
+            <pc:sldMk cId="597615141" sldId="678"/>
+            <ac:spMk id="4" creationId="{00000000-0000-0000-0000-000000000000}"/>
+          </ac:spMkLst>
+        </pc:spChg>
+        <pc:spChg chg="mod">
+          <ac:chgData name="G 2" userId="8d203687cf76d0fd" providerId="LiveId" clId="{76E2985F-61D3-4F0E-8587-FEEB01D31A41}" dt="2019-03-18T17:32:43.822" v="5477"/>
+          <ac:spMkLst>
+            <pc:docMk/>
+            <pc:sldMk cId="597615141" sldId="678"/>
+            <ac:spMk id="7" creationId="{E9FA7309-F1C6-4CBD-8CF9-4B7F9DDE73E1}"/>
+          </ac:spMkLst>
+        </pc:spChg>
+        <pc:spChg chg="mod">
+          <ac:chgData name="G 2" userId="8d203687cf76d0fd" providerId="LiveId" clId="{76E2985F-61D3-4F0E-8587-FEEB01D31A41}" dt="2019-03-18T17:33:32.466" v="5572" actId="20577"/>
+          <ac:spMkLst>
+            <pc:docMk/>
+            <pc:sldMk cId="597615141" sldId="678"/>
+            <ac:spMk id="8" creationId="{56A4447F-7D87-4D48-A0BB-0F0A59C6D550}"/>
+          </ac:spMkLst>
+        </pc:spChg>
+        <pc:picChg chg="add mod">
+          <ac:chgData name="G 2" userId="8d203687cf76d0fd" providerId="LiveId" clId="{76E2985F-61D3-4F0E-8587-FEEB01D31A41}" dt="2019-03-18T18:10:24.922" v="6836" actId="1076"/>
+          <ac:picMkLst>
+            <pc:docMk/>
+            <pc:sldMk cId="597615141" sldId="678"/>
+            <ac:picMk id="5" creationId="{3A6E7129-EABE-45B6-B6BB-404F6F919C17}"/>
+          </ac:picMkLst>
+        </pc:picChg>
+      </pc:sldChg>
+      <pc:sldChg chg="delSp modSp add del ord">
+        <pc:chgData name="G 2" userId="8d203687cf76d0fd" providerId="LiveId" clId="{76E2985F-61D3-4F0E-8587-FEEB01D31A41}" dt="2019-03-18T23:20:27.636" v="12434" actId="2696"/>
+        <pc:sldMkLst>
+          <pc:docMk/>
+          <pc:sldMk cId="2027332306" sldId="679"/>
+        </pc:sldMkLst>
+        <pc:spChg chg="mod">
+          <ac:chgData name="G 2" userId="8d203687cf76d0fd" providerId="LiveId" clId="{76E2985F-61D3-4F0E-8587-FEEB01D31A41}" dt="2019-03-18T14:41:57.388" v="3049"/>
+          <ac:spMkLst>
+            <pc:docMk/>
+            <pc:sldMk cId="2027332306" sldId="679"/>
+            <ac:spMk id="4" creationId="{00000000-0000-0000-0000-000000000000}"/>
+          </ac:spMkLst>
+        </pc:spChg>
+        <pc:spChg chg="del mod">
+          <ac:chgData name="G 2" userId="8d203687cf76d0fd" providerId="LiveId" clId="{76E2985F-61D3-4F0E-8587-FEEB01D31A41}" dt="2019-03-18T22:05:43.071" v="9938" actId="478"/>
+          <ac:spMkLst>
+            <pc:docMk/>
+            <pc:sldMk cId="2027332306" sldId="679"/>
+            <ac:spMk id="7" creationId="{E9FA7309-F1C6-4CBD-8CF9-4B7F9DDE73E1}"/>
+          </ac:spMkLst>
+        </pc:spChg>
+        <pc:spChg chg="mod">
+          <ac:chgData name="G 2" userId="8d203687cf76d0fd" providerId="LiveId" clId="{76E2985F-61D3-4F0E-8587-FEEB01D31A41}" dt="2019-03-18T22:10:13.748" v="10264" actId="14100"/>
+          <ac:spMkLst>
+            <pc:docMk/>
+            <pc:sldMk cId="2027332306" sldId="679"/>
+            <ac:spMk id="8" creationId="{56A4447F-7D87-4D48-A0BB-0F0A59C6D550}"/>
+          </ac:spMkLst>
+        </pc:spChg>
+      </pc:sldChg>
+      <pc:sldChg chg="addSp delSp modSp add ord">
+        <pc:chgData name="G 2" userId="8d203687cf76d0fd" providerId="LiveId" clId="{76E2985F-61D3-4F0E-8587-FEEB01D31A41}" dt="2019-03-18T17:09:03.615" v="4807" actId="478"/>
+        <pc:sldMkLst>
+          <pc:docMk/>
+          <pc:sldMk cId="3243273481" sldId="680"/>
+        </pc:sldMkLst>
+        <pc:spChg chg="mod">
+          <ac:chgData name="G 2" userId="8d203687cf76d0fd" providerId="LiveId" clId="{76E2985F-61D3-4F0E-8587-FEEB01D31A41}" dt="2019-03-18T15:24:06.504" v="3054"/>
+          <ac:spMkLst>
+            <pc:docMk/>
+            <pc:sldMk cId="3243273481" sldId="680"/>
+            <ac:spMk id="4" creationId="{00000000-0000-0000-0000-000000000000}"/>
+          </ac:spMkLst>
+        </pc:spChg>
+        <pc:spChg chg="add mod">
+          <ac:chgData name="G 2" userId="8d203687cf76d0fd" providerId="LiveId" clId="{76E2985F-61D3-4F0E-8587-FEEB01D31A41}" dt="2019-03-18T15:27:25.882" v="3240" actId="20577"/>
+          <ac:spMkLst>
+            <pc:docMk/>
+            <pc:sldMk cId="3243273481" sldId="680"/>
+            <ac:spMk id="11" creationId="{00DD3F7B-F2AF-4B52-B26F-8EA1FDBC4AEB}"/>
+          </ac:spMkLst>
+        </pc:spChg>
+        <pc:spChg chg="add mod">
+          <ac:chgData name="G 2" userId="8d203687cf76d0fd" providerId="LiveId" clId="{76E2985F-61D3-4F0E-8587-FEEB01D31A41}" dt="2019-03-18T15:28:02" v="3346" actId="14100"/>
+          <ac:spMkLst>
+            <pc:docMk/>
+            <pc:sldMk cId="3243273481" sldId="680"/>
+            <ac:spMk id="12" creationId="{EACC9957-6FC9-4D41-95B3-F1BB881A5153}"/>
+          </ac:spMkLst>
+        </pc:spChg>
+        <pc:spChg chg="add mod">
+          <ac:chgData name="G 2" userId="8d203687cf76d0fd" providerId="LiveId" clId="{76E2985F-61D3-4F0E-8587-FEEB01D31A41}" dt="2019-03-18T15:26:11.226" v="3236" actId="14100"/>
+          <ac:spMkLst>
+            <pc:docMk/>
+            <pc:sldMk cId="3243273481" sldId="680"/>
+            <ac:spMk id="13" creationId="{9640351B-50F9-4376-A810-2FD4B10C45DA}"/>
+          </ac:spMkLst>
+        </pc:spChg>
+        <pc:picChg chg="del">
+          <ac:chgData name="G 2" userId="8d203687cf76d0fd" providerId="LiveId" clId="{76E2985F-61D3-4F0E-8587-FEEB01D31A41}" dt="2019-03-18T15:24:00.184" v="3051" actId="478"/>
+          <ac:picMkLst>
+            <pc:docMk/>
+            <pc:sldMk cId="3243273481" sldId="680"/>
+            <ac:picMk id="3" creationId="{202DEFAF-76B1-43E8-88B9-D0DFE60E54BA}"/>
+          </ac:picMkLst>
+        </pc:picChg>
+        <pc:picChg chg="add mod modCrop">
+          <ac:chgData name="G 2" userId="8d203687cf76d0fd" providerId="LiveId" clId="{76E2985F-61D3-4F0E-8587-FEEB01D31A41}" dt="2019-03-18T16:49:46.818" v="4783" actId="1076"/>
+          <ac:picMkLst>
+            <pc:docMk/>
+            <pc:sldMk cId="3243273481" sldId="680"/>
+            <ac:picMk id="5" creationId="{0E0CA78F-2056-4648-99A8-EA33AFF6FA84}"/>
+          </ac:picMkLst>
+        </pc:picChg>
+        <pc:picChg chg="del">
+          <ac:chgData name="G 2" userId="8d203687cf76d0fd" providerId="LiveId" clId="{76E2985F-61D3-4F0E-8587-FEEB01D31A41}" dt="2019-03-18T15:24:00.184" v="3051" actId="478"/>
+          <ac:picMkLst>
+            <pc:docMk/>
+            <pc:sldMk cId="3243273481" sldId="680"/>
+            <ac:picMk id="6" creationId="{65480B90-7CDD-49A5-A6B7-C99967F69D85}"/>
+          </ac:picMkLst>
+        </pc:picChg>
+        <pc:picChg chg="del">
+          <ac:chgData name="G 2" userId="8d203687cf76d0fd" providerId="LiveId" clId="{76E2985F-61D3-4F0E-8587-FEEB01D31A41}" dt="2019-03-18T15:24:00.184" v="3051" actId="478"/>
+          <ac:picMkLst>
+            <pc:docMk/>
+            <pc:sldMk cId="3243273481" sldId="680"/>
+            <ac:picMk id="7" creationId="{C4271D63-9418-4C5E-995C-B43C60B12CA5}"/>
+          </ac:picMkLst>
+        </pc:picChg>
+        <pc:picChg chg="del">
+          <ac:chgData name="G 2" userId="8d203687cf76d0fd" providerId="LiveId" clId="{76E2985F-61D3-4F0E-8587-FEEB01D31A41}" dt="2019-03-18T15:24:00.184" v="3051" actId="478"/>
+          <ac:picMkLst>
+            <pc:docMk/>
+            <pc:sldMk cId="3243273481" sldId="680"/>
+            <ac:picMk id="8" creationId="{67397486-E3A3-45B5-B25E-7C7EDDF85659}"/>
+          </ac:picMkLst>
+        </pc:picChg>
+        <pc:picChg chg="add mod modCrop">
+          <ac:chgData name="G 2" userId="8d203687cf76d0fd" providerId="LiveId" clId="{76E2985F-61D3-4F0E-8587-FEEB01D31A41}" dt="2019-03-18T16:48:32.398" v="4782" actId="1076"/>
+          <ac:picMkLst>
+            <pc:docMk/>
+            <pc:sldMk cId="3243273481" sldId="680"/>
+            <ac:picMk id="9" creationId="{E7A40E84-80A5-4FCA-8D37-61742CD84F60}"/>
+          </ac:picMkLst>
+        </pc:picChg>
+        <pc:picChg chg="del">
+          <ac:chgData name="G 2" userId="8d203687cf76d0fd" providerId="LiveId" clId="{76E2985F-61D3-4F0E-8587-FEEB01D31A41}" dt="2019-03-18T15:24:02.014" v="3052" actId="478"/>
+          <ac:picMkLst>
+            <pc:docMk/>
+            <pc:sldMk cId="3243273481" sldId="680"/>
+            <ac:picMk id="10" creationId="{7098AB16-E01D-47BB-9987-7BDEC6C07081}"/>
+          </ac:picMkLst>
+        </pc:picChg>
+        <pc:picChg chg="add del">
+          <ac:chgData name="G 2" userId="8d203687cf76d0fd" providerId="LiveId" clId="{76E2985F-61D3-4F0E-8587-FEEB01D31A41}" dt="2019-03-18T17:08:58.091" v="4804"/>
+          <ac:picMkLst>
+            <pc:docMk/>
+            <pc:sldMk cId="3243273481" sldId="680"/>
+            <ac:picMk id="14" creationId="{1B4B2912-0AF4-4229-A838-2E9CFD07D536}"/>
+          </ac:picMkLst>
+        </pc:picChg>
+        <pc:picChg chg="add del">
+          <ac:chgData name="G 2" userId="8d203687cf76d0fd" providerId="LiveId" clId="{76E2985F-61D3-4F0E-8587-FEEB01D31A41}" dt="2019-03-18T17:09:03.615" v="4807" actId="478"/>
+          <ac:picMkLst>
+            <pc:docMk/>
+            <pc:sldMk cId="3243273481" sldId="680"/>
+            <ac:picMk id="16" creationId="{EAF4CF5E-919B-47BC-8C47-57B6A733094F}"/>
+          </ac:picMkLst>
+        </pc:picChg>
+      </pc:sldChg>
+      <pc:sldChg chg="addSp delSp modSp add ord">
+        <pc:chgData name="G 2" userId="8d203687cf76d0fd" providerId="LiveId" clId="{76E2985F-61D3-4F0E-8587-FEEB01D31A41}" dt="2019-03-18T18:22:51.833" v="7052" actId="478"/>
+        <pc:sldMkLst>
+          <pc:docMk/>
+          <pc:sldMk cId="26782565" sldId="681"/>
+        </pc:sldMkLst>
+        <pc:spChg chg="add del mod">
+          <ac:chgData name="G 2" userId="8d203687cf76d0fd" providerId="LiveId" clId="{76E2985F-61D3-4F0E-8587-FEEB01D31A41}" dt="2019-03-18T15:34:22.270" v="3374"/>
+          <ac:spMkLst>
+            <pc:docMk/>
+            <pc:sldMk cId="26782565" sldId="681"/>
+            <ac:spMk id="6" creationId="{A0CEB459-B032-4E67-8FE9-26E98F3F26C6}"/>
+          </ac:spMkLst>
+        </pc:spChg>
+        <pc:spChg chg="mod">
+          <ac:chgData name="G 2" userId="8d203687cf76d0fd" providerId="LiveId" clId="{76E2985F-61D3-4F0E-8587-FEEB01D31A41}" dt="2019-03-18T15:34:03.895" v="3359"/>
+          <ac:spMkLst>
+            <pc:docMk/>
+            <pc:sldMk cId="26782565" sldId="681"/>
+            <ac:spMk id="11" creationId="{00DD3F7B-F2AF-4B52-B26F-8EA1FDBC4AEB}"/>
+          </ac:spMkLst>
+        </pc:spChg>
+        <pc:spChg chg="del">
+          <ac:chgData name="G 2" userId="8d203687cf76d0fd" providerId="LiveId" clId="{76E2985F-61D3-4F0E-8587-FEEB01D31A41}" dt="2019-03-18T15:34:05.912" v="3360" actId="478"/>
+          <ac:spMkLst>
+            <pc:docMk/>
+            <pc:sldMk cId="26782565" sldId="681"/>
+            <ac:spMk id="12" creationId="{EACC9957-6FC9-4D41-95B3-F1BB881A5153}"/>
+          </ac:spMkLst>
+        </pc:spChg>
+        <pc:spChg chg="mod">
+          <ac:chgData name="G 2" userId="8d203687cf76d0fd" providerId="LiveId" clId="{76E2985F-61D3-4F0E-8587-FEEB01D31A41}" dt="2019-03-18T15:34:22.068" v="3372" actId="14100"/>
+          <ac:spMkLst>
+            <pc:docMk/>
+            <pc:sldMk cId="26782565" sldId="681"/>
+            <ac:spMk id="13" creationId="{9640351B-50F9-4376-A810-2FD4B10C45DA}"/>
+          </ac:spMkLst>
+        </pc:spChg>
+        <pc:picChg chg="add mod">
+          <ac:chgData name="G 2" userId="8d203687cf76d0fd" providerId="LiveId" clId="{76E2985F-61D3-4F0E-8587-FEEB01D31A41}" dt="2019-03-18T15:34:23.308" v="3375" actId="1076"/>
+          <ac:picMkLst>
+            <pc:docMk/>
+            <pc:sldMk cId="26782565" sldId="681"/>
+            <ac:picMk id="3" creationId="{FF6CF874-A5B2-4755-88C2-2D0D95A08C7F}"/>
+          </ac:picMkLst>
+        </pc:picChg>
+        <pc:picChg chg="del">
+          <ac:chgData name="G 2" userId="8d203687cf76d0fd" providerId="LiveId" clId="{76E2985F-61D3-4F0E-8587-FEEB01D31A41}" dt="2019-03-18T15:33:56.487" v="3353" actId="478"/>
+          <ac:picMkLst>
+            <pc:docMk/>
+            <pc:sldMk cId="26782565" sldId="681"/>
+            <ac:picMk id="5" creationId="{0E0CA78F-2056-4648-99A8-EA33AFF6FA84}"/>
+          </ac:picMkLst>
+        </pc:picChg>
+        <pc:picChg chg="add del mod">
+          <ac:chgData name="G 2" userId="8d203687cf76d0fd" providerId="LiveId" clId="{76E2985F-61D3-4F0E-8587-FEEB01D31A41}" dt="2019-03-18T18:22:51.833" v="7052" actId="478"/>
+          <ac:picMkLst>
+            <pc:docMk/>
+            <pc:sldMk cId="26782565" sldId="681"/>
+            <ac:picMk id="5" creationId="{738B21FC-3245-47E0-9BA5-D3AACB2AE012}"/>
+          </ac:picMkLst>
+        </pc:picChg>
+        <pc:picChg chg="add del mod">
+          <ac:chgData name="G 2" userId="8d203687cf76d0fd" providerId="LiveId" clId="{76E2985F-61D3-4F0E-8587-FEEB01D31A41}" dt="2019-03-18T18:22:50.783" v="7051" actId="478"/>
+          <ac:picMkLst>
+            <pc:docMk/>
+            <pc:sldMk cId="26782565" sldId="681"/>
+            <ac:picMk id="6" creationId="{CDF1E6DA-13B0-4292-ACD5-C711B96C87B0}"/>
+          </ac:picMkLst>
+        </pc:picChg>
+        <pc:picChg chg="add del mod">
+          <ac:chgData name="G 2" userId="8d203687cf76d0fd" providerId="LiveId" clId="{76E2985F-61D3-4F0E-8587-FEEB01D31A41}" dt="2019-03-18T16:21:13.384" v="4065" actId="478"/>
+          <ac:picMkLst>
+            <pc:docMk/>
+            <pc:sldMk cId="26782565" sldId="681"/>
+            <ac:picMk id="7" creationId="{B88FD8DF-C9B8-45CC-8E94-F620B25A17D4}"/>
+          </ac:picMkLst>
+        </pc:picChg>
+        <pc:picChg chg="del mod">
+          <ac:chgData name="G 2" userId="8d203687cf76d0fd" providerId="LiveId" clId="{76E2985F-61D3-4F0E-8587-FEEB01D31A41}" dt="2019-03-18T15:33:54.653" v="3350" actId="478"/>
+          <ac:picMkLst>
+            <pc:docMk/>
+            <pc:sldMk cId="26782565" sldId="681"/>
+            <ac:picMk id="9" creationId="{E7A40E84-80A5-4FCA-8D37-61742CD84F60}"/>
+          </ac:picMkLst>
+        </pc:picChg>
+      </pc:sldChg>
+      <pc:sldChg chg="addSp delSp modSp add ord">
+        <pc:chgData name="G 2" userId="8d203687cf76d0fd" providerId="LiveId" clId="{76E2985F-61D3-4F0E-8587-FEEB01D31A41}" dt="2019-03-18T18:14:09.400" v="6972"/>
+        <pc:sldMkLst>
+          <pc:docMk/>
+          <pc:sldMk cId="224664726" sldId="682"/>
+        </pc:sldMkLst>
+        <pc:spChg chg="add mod">
+          <ac:chgData name="G 2" userId="8d203687cf76d0fd" providerId="LiveId" clId="{76E2985F-61D3-4F0E-8587-FEEB01D31A41}" dt="2019-03-18T15:49:35.148" v="3771" actId="1076"/>
+          <ac:spMkLst>
+            <pc:docMk/>
+            <pc:sldMk cId="224664726" sldId="682"/>
+            <ac:spMk id="5" creationId="{818B95C9-4BE7-4384-9B16-F8E42471DF40}"/>
+          </ac:spMkLst>
+        </pc:spChg>
+        <pc:spChg chg="del mod">
+          <ac:chgData name="G 2" userId="8d203687cf76d0fd" providerId="LiveId" clId="{76E2985F-61D3-4F0E-8587-FEEB01D31A41}" dt="2019-03-18T15:49:13.460" v="3757" actId="478"/>
+          <ac:spMkLst>
+            <pc:docMk/>
+            <pc:sldMk cId="224664726" sldId="682"/>
+            <ac:spMk id="7" creationId="{E9FA7309-F1C6-4CBD-8CF9-4B7F9DDE73E1}"/>
+          </ac:spMkLst>
+        </pc:spChg>
+        <pc:spChg chg="del">
+          <ac:chgData name="G 2" userId="8d203687cf76d0fd" providerId="LiveId" clId="{76E2985F-61D3-4F0E-8587-FEEB01D31A41}" dt="2019-03-18T15:35:45.446" v="3499" actId="478"/>
+          <ac:spMkLst>
+            <pc:docMk/>
+            <pc:sldMk cId="224664726" sldId="682"/>
+            <ac:spMk id="8" creationId="{56A4447F-7D87-4D48-A0BB-0F0A59C6D550}"/>
+          </ac:spMkLst>
+        </pc:spChg>
+        <pc:picChg chg="add mod">
+          <ac:chgData name="G 2" userId="8d203687cf76d0fd" providerId="LiveId" clId="{76E2985F-61D3-4F0E-8587-FEEB01D31A41}" dt="2019-03-18T17:05:46.038" v="4802" actId="1076"/>
+          <ac:picMkLst>
+            <pc:docMk/>
+            <pc:sldMk cId="224664726" sldId="682"/>
+            <ac:picMk id="3" creationId="{4B7602F3-27C4-494E-B7CE-658D72A701EC}"/>
+          </ac:picMkLst>
+        </pc:picChg>
+        <pc:picChg chg="add del mod">
+          <ac:chgData name="G 2" userId="8d203687cf76d0fd" providerId="LiveId" clId="{76E2985F-61D3-4F0E-8587-FEEB01D31A41}" dt="2019-03-18T15:49:11.357" v="3755" actId="478"/>
+          <ac:picMkLst>
+            <pc:docMk/>
+            <pc:sldMk cId="224664726" sldId="682"/>
+            <ac:picMk id="9" creationId="{08F8203E-226E-4206-9554-26B3895A14DD}"/>
+          </ac:picMkLst>
+        </pc:picChg>
+      </pc:sldChg>
+      <pc:sldChg chg="addSp delSp modSp add ord modTransition">
+        <pc:chgData name="G 2" userId="8d203687cf76d0fd" providerId="LiveId" clId="{76E2985F-61D3-4F0E-8587-FEEB01D31A41}" dt="2019-03-18T20:20:02.152" v="8263"/>
+        <pc:sldMkLst>
+          <pc:docMk/>
+          <pc:sldMk cId="3571356580" sldId="683"/>
+        </pc:sldMkLst>
+        <pc:spChg chg="add del mod">
+          <ac:chgData name="G 2" userId="8d203687cf76d0fd" providerId="LiveId" clId="{76E2985F-61D3-4F0E-8587-FEEB01D31A41}" dt="2019-03-18T20:19:54.006" v="8261" actId="1076"/>
+          <ac:spMkLst>
+            <pc:docMk/>
+            <pc:sldMk cId="3571356580" sldId="683"/>
+            <ac:spMk id="5" creationId="{379A6240-8DB5-4E3B-A1FF-C2B5F7C8F2F4}"/>
+          </ac:spMkLst>
+        </pc:spChg>
+        <pc:spChg chg="mod">
+          <ac:chgData name="G 2" userId="8d203687cf76d0fd" providerId="LiveId" clId="{76E2985F-61D3-4F0E-8587-FEEB01D31A41}" dt="2019-03-18T19:56:37.658" v="7846" actId="20577"/>
+          <ac:spMkLst>
+            <pc:docMk/>
+            <pc:sldMk cId="3571356580" sldId="683"/>
+            <ac:spMk id="7" creationId="{E9FA7309-F1C6-4CBD-8CF9-4B7F9DDE73E1}"/>
+          </ac:spMkLst>
+        </pc:spChg>
+        <pc:picChg chg="del">
+          <ac:chgData name="G 2" userId="8d203687cf76d0fd" providerId="LiveId" clId="{76E2985F-61D3-4F0E-8587-FEEB01D31A41}" dt="2019-03-18T15:49:07.865" v="3753" actId="478"/>
+          <ac:picMkLst>
+            <pc:docMk/>
+            <pc:sldMk cId="3571356580" sldId="683"/>
+            <ac:picMk id="3" creationId="{4B7602F3-27C4-494E-B7CE-658D72A701EC}"/>
+          </ac:picMkLst>
+        </pc:picChg>
+        <pc:picChg chg="add mod">
+          <ac:chgData name="G 2" userId="8d203687cf76d0fd" providerId="LiveId" clId="{76E2985F-61D3-4F0E-8587-FEEB01D31A41}" dt="2019-03-18T18:13:48.374" v="6970" actId="1076"/>
+          <ac:picMkLst>
+            <pc:docMk/>
+            <pc:sldMk cId="3571356580" sldId="683"/>
+            <ac:picMk id="8" creationId="{0D091775-4376-4C4D-96C7-2F956AA7D5DF}"/>
+          </ac:picMkLst>
+        </pc:picChg>
+        <pc:picChg chg="del">
+          <ac:chgData name="G 2" userId="8d203687cf76d0fd" providerId="LiveId" clId="{76E2985F-61D3-4F0E-8587-FEEB01D31A41}" dt="2019-03-18T15:49:06.261" v="3752" actId="478"/>
+          <ac:picMkLst>
+            <pc:docMk/>
+            <pc:sldMk cId="3571356580" sldId="683"/>
+            <ac:picMk id="9" creationId="{08F8203E-226E-4206-9554-26B3895A14DD}"/>
+          </ac:picMkLst>
+        </pc:picChg>
+      </pc:sldChg>
+      <pc:sldChg chg="addSp delSp modSp add del ord">
+        <pc:chgData name="G 2" userId="8d203687cf76d0fd" providerId="LiveId" clId="{76E2985F-61D3-4F0E-8587-FEEB01D31A41}" dt="2019-03-18T19:57:01.496" v="7849" actId="2696"/>
+        <pc:sldMkLst>
+          <pc:docMk/>
+          <pc:sldMk cId="105115762" sldId="684"/>
+        </pc:sldMkLst>
+        <pc:spChg chg="mod">
+          <ac:chgData name="G 2" userId="8d203687cf76d0fd" providerId="LiveId" clId="{76E2985F-61D3-4F0E-8587-FEEB01D31A41}" dt="2019-03-18T16:21:04.813" v="4064" actId="1076"/>
+          <ac:spMkLst>
+            <pc:docMk/>
+            <pc:sldMk cId="105115762" sldId="684"/>
+            <ac:spMk id="11" creationId="{00DD3F7B-F2AF-4B52-B26F-8EA1FDBC4AEB}"/>
+          </ac:spMkLst>
+        </pc:spChg>
+        <pc:spChg chg="mod">
+          <ac:chgData name="G 2" userId="8d203687cf76d0fd" providerId="LiveId" clId="{76E2985F-61D3-4F0E-8587-FEEB01D31A41}" dt="2019-03-18T16:20:11.348" v="4055" actId="20577"/>
+          <ac:spMkLst>
+            <pc:docMk/>
+            <pc:sldMk cId="105115762" sldId="684"/>
+            <ac:spMk id="13" creationId="{9640351B-50F9-4376-A810-2FD4B10C45DA}"/>
+          </ac:spMkLst>
+        </pc:spChg>
+        <pc:picChg chg="add mod ord modCrop">
+          <ac:chgData name="G 2" userId="8d203687cf76d0fd" providerId="LiveId" clId="{76E2985F-61D3-4F0E-8587-FEEB01D31A41}" dt="2019-03-18T19:55:26.974" v="7743" actId="14100"/>
+          <ac:picMkLst>
+            <pc:docMk/>
+            <pc:sldMk cId="105115762" sldId="684"/>
+            <ac:picMk id="3" creationId="{5869101D-D093-46E1-8871-7D30DA8B7748}"/>
+          </ac:picMkLst>
+        </pc:picChg>
+        <pc:picChg chg="del mod">
+          <ac:chgData name="G 2" userId="8d203687cf76d0fd" providerId="LiveId" clId="{76E2985F-61D3-4F0E-8587-FEEB01D31A41}" dt="2019-03-18T16:19:27.557" v="4010" actId="478"/>
+          <ac:picMkLst>
+            <pc:docMk/>
+            <pc:sldMk cId="105115762" sldId="684"/>
+            <ac:picMk id="3" creationId="{FF6CF874-A5B2-4755-88C2-2D0D95A08C7F}"/>
+          </ac:picMkLst>
+        </pc:picChg>
+        <pc:picChg chg="mod ord">
+          <ac:chgData name="G 2" userId="8d203687cf76d0fd" providerId="LiveId" clId="{76E2985F-61D3-4F0E-8587-FEEB01D31A41}" dt="2019-03-18T19:55:28.634" v="7744" actId="1076"/>
+          <ac:picMkLst>
+            <pc:docMk/>
+            <pc:sldMk cId="105115762" sldId="684"/>
+            <ac:picMk id="7" creationId="{B88FD8DF-C9B8-45CC-8E94-F620B25A17D4}"/>
+          </ac:picMkLst>
+        </pc:picChg>
+      </pc:sldChg>
+      <pc:sldChg chg="addSp delSp modSp add ord">
+        <pc:chgData name="G 2" userId="8d203687cf76d0fd" providerId="LiveId" clId="{76E2985F-61D3-4F0E-8587-FEEB01D31A41}" dt="2019-03-18T18:11:55.411" v="6912"/>
+        <pc:sldMkLst>
+          <pc:docMk/>
+          <pc:sldMk cId="3878708904" sldId="685"/>
+        </pc:sldMkLst>
+        <pc:spChg chg="mod">
+          <ac:chgData name="G 2" userId="8d203687cf76d0fd" providerId="LiveId" clId="{76E2985F-61D3-4F0E-8587-FEEB01D31A41}" dt="2019-03-18T17:09:28.943" v="4853"/>
+          <ac:spMkLst>
+            <pc:docMk/>
+            <pc:sldMk cId="3878708904" sldId="685"/>
+            <ac:spMk id="11" creationId="{00DD3F7B-F2AF-4B52-B26F-8EA1FDBC4AEB}"/>
+          </ac:spMkLst>
+        </pc:spChg>
+        <pc:spChg chg="del mod">
+          <ac:chgData name="G 2" userId="8d203687cf76d0fd" providerId="LiveId" clId="{76E2985F-61D3-4F0E-8587-FEEB01D31A41}" dt="2019-03-18T17:09:52.659" v="4870"/>
+          <ac:spMkLst>
+            <pc:docMk/>
+            <pc:sldMk cId="3878708904" sldId="685"/>
+            <ac:spMk id="12" creationId="{EACC9957-6FC9-4D41-95B3-F1BB881A5153}"/>
+          </ac:spMkLst>
+        </pc:spChg>
+        <pc:spChg chg="add mod">
+          <ac:chgData name="G 2" userId="8d203687cf76d0fd" providerId="LiveId" clId="{76E2985F-61D3-4F0E-8587-FEEB01D31A41}" dt="2019-03-18T17:11:03.202" v="4965" actId="20577"/>
+          <ac:spMkLst>
+            <pc:docMk/>
+            <pc:sldMk cId="3878708904" sldId="685"/>
+            <ac:spMk id="14" creationId="{53C76C3E-66BC-466E-91C6-40E893E9056A}"/>
+          </ac:spMkLst>
+        </pc:spChg>
+        <pc:picChg chg="add mod">
+          <ac:chgData name="G 2" userId="8d203687cf76d0fd" providerId="LiveId" clId="{76E2985F-61D3-4F0E-8587-FEEB01D31A41}" dt="2019-03-18T17:09:48.893" v="4866" actId="14100"/>
+          <ac:picMkLst>
+            <pc:docMk/>
+            <pc:sldMk cId="3878708904" sldId="685"/>
+            <ac:picMk id="3" creationId="{287788D4-A59B-4163-9F33-6F8BDEAB8C03}"/>
+          </ac:picMkLst>
+        </pc:picChg>
+        <pc:picChg chg="del">
+          <ac:chgData name="G 2" userId="8d203687cf76d0fd" providerId="LiveId" clId="{76E2985F-61D3-4F0E-8587-FEEB01D31A41}" dt="2019-03-18T17:09:09.408" v="4811" actId="478"/>
+          <ac:picMkLst>
+            <pc:docMk/>
+            <pc:sldMk cId="3878708904" sldId="685"/>
+            <ac:picMk id="5" creationId="{0E0CA78F-2056-4648-99A8-EA33AFF6FA84}"/>
+          </ac:picMkLst>
+        </pc:picChg>
+        <pc:picChg chg="del">
+          <ac:chgData name="G 2" userId="8d203687cf76d0fd" providerId="LiveId" clId="{76E2985F-61D3-4F0E-8587-FEEB01D31A41}" dt="2019-03-18T17:09:06.123" v="4808" actId="478"/>
+          <ac:picMkLst>
+            <pc:docMk/>
+            <pc:sldMk cId="3878708904" sldId="685"/>
+            <ac:picMk id="9" creationId="{E7A40E84-80A5-4FCA-8D37-61742CD84F60}"/>
+          </ac:picMkLst>
+        </pc:picChg>
+        <pc:picChg chg="mod">
+          <ac:chgData name="G 2" userId="8d203687cf76d0fd" providerId="LiveId" clId="{76E2985F-61D3-4F0E-8587-FEEB01D31A41}" dt="2019-03-18T17:09:52.379" v="4868" actId="1076"/>
+          <ac:picMkLst>
+            <pc:docMk/>
+            <pc:sldMk cId="3878708904" sldId="685"/>
+            <ac:picMk id="16" creationId="{EAF4CF5E-919B-47BC-8C47-57B6A733094F}"/>
+          </ac:picMkLst>
+        </pc:picChg>
+      </pc:sldChg>
+      <pc:sldChg chg="addSp delSp modSp add ord">
+        <pc:chgData name="G 2" userId="8d203687cf76d0fd" providerId="LiveId" clId="{76E2985F-61D3-4F0E-8587-FEEB01D31A41}" dt="2019-03-18T18:14:10.491" v="6973"/>
+        <pc:sldMkLst>
+          <pc:docMk/>
+          <pc:sldMk cId="259087055" sldId="686"/>
+        </pc:sldMkLst>
+        <pc:spChg chg="mod">
+          <ac:chgData name="G 2" userId="8d203687cf76d0fd" providerId="LiveId" clId="{76E2985F-61D3-4F0E-8587-FEEB01D31A41}" dt="2019-03-18T17:11:14.638" v="4977" actId="5793"/>
+          <ac:spMkLst>
+            <pc:docMk/>
+            <pc:sldMk cId="259087055" sldId="686"/>
+            <ac:spMk id="11" creationId="{00DD3F7B-F2AF-4B52-B26F-8EA1FDBC4AEB}"/>
+          </ac:spMkLst>
+        </pc:spChg>
+        <pc:spChg chg="del">
+          <ac:chgData name="G 2" userId="8d203687cf76d0fd" providerId="LiveId" clId="{76E2985F-61D3-4F0E-8587-FEEB01D31A41}" dt="2019-03-18T17:16:17.893" v="5024" actId="478"/>
+          <ac:spMkLst>
+            <pc:docMk/>
+            <pc:sldMk cId="259087055" sldId="686"/>
+            <ac:spMk id="13" creationId="{9640351B-50F9-4376-A810-2FD4B10C45DA}"/>
+          </ac:spMkLst>
+        </pc:spChg>
+        <pc:spChg chg="mod">
+          <ac:chgData name="G 2" userId="8d203687cf76d0fd" providerId="LiveId" clId="{76E2985F-61D3-4F0E-8587-FEEB01D31A41}" dt="2019-03-18T17:11:48.580" v="5019" actId="1076"/>
+          <ac:spMkLst>
+            <pc:docMk/>
+            <pc:sldMk cId="259087055" sldId="686"/>
+            <ac:spMk id="14" creationId="{53C76C3E-66BC-466E-91C6-40E893E9056A}"/>
+          </ac:spMkLst>
+        </pc:spChg>
+        <pc:picChg chg="del">
+          <ac:chgData name="G 2" userId="8d203687cf76d0fd" providerId="LiveId" clId="{76E2985F-61D3-4F0E-8587-FEEB01D31A41}" dt="2019-03-18T17:16:05.851" v="5021" actId="478"/>
+          <ac:picMkLst>
+            <pc:docMk/>
+            <pc:sldMk cId="259087055" sldId="686"/>
+            <ac:picMk id="3" creationId="{287788D4-A59B-4163-9F33-6F8BDEAB8C03}"/>
+          </ac:picMkLst>
+        </pc:picChg>
+        <pc:picChg chg="add mod">
+          <ac:chgData name="G 2" userId="8d203687cf76d0fd" providerId="LiveId" clId="{76E2985F-61D3-4F0E-8587-FEEB01D31A41}" dt="2019-03-18T17:16:07.101" v="5023" actId="1076"/>
+          <ac:picMkLst>
+            <pc:docMk/>
+            <pc:sldMk cId="259087055" sldId="686"/>
+            <ac:picMk id="5" creationId="{537D7992-7BF8-46D8-B240-0D67C08816B6}"/>
+          </ac:picMkLst>
+        </pc:picChg>
+        <pc:picChg chg="del mod">
+          <ac:chgData name="G 2" userId="8d203687cf76d0fd" providerId="LiveId" clId="{76E2985F-61D3-4F0E-8587-FEEB01D31A41}" dt="2019-03-18T17:16:05.851" v="5021" actId="478"/>
+          <ac:picMkLst>
+            <pc:docMk/>
+            <pc:sldMk cId="259087055" sldId="686"/>
+            <ac:picMk id="16" creationId="{EAF4CF5E-919B-47BC-8C47-57B6A733094F}"/>
+          </ac:picMkLst>
+        </pc:picChg>
+      </pc:sldChg>
+      <pc:sldChg chg="addSp delSp modSp add ord">
+        <pc:chgData name="G 2" userId="8d203687cf76d0fd" providerId="LiveId" clId="{76E2985F-61D3-4F0E-8587-FEEB01D31A41}" dt="2019-03-18T20:19:46.271" v="8257"/>
+        <pc:sldMkLst>
+          <pc:docMk/>
+          <pc:sldMk cId="464840888" sldId="687"/>
+        </pc:sldMkLst>
+        <pc:spChg chg="del">
+          <ac:chgData name="G 2" userId="8d203687cf76d0fd" providerId="LiveId" clId="{76E2985F-61D3-4F0E-8587-FEEB01D31A41}" dt="2019-03-18T17:52:56.749" v="5837" actId="478"/>
+          <ac:spMkLst>
+            <pc:docMk/>
+            <pc:sldMk cId="464840888" sldId="687"/>
+            <ac:spMk id="5" creationId="{379A6240-8DB5-4E3B-A1FF-C2B5F7C8F2F4}"/>
+          </ac:spMkLst>
+        </pc:spChg>
+        <pc:spChg chg="add mod">
+          <ac:chgData name="G 2" userId="8d203687cf76d0fd" providerId="LiveId" clId="{76E2985F-61D3-4F0E-8587-FEEB01D31A41}" dt="2019-03-18T18:07:17.811" v="6774"/>
+          <ac:spMkLst>
+            <pc:docMk/>
+            <pc:sldMk cId="464840888" sldId="687"/>
+            <ac:spMk id="5" creationId="{4547AA16-6AE6-4DC4-A3FA-6BA7B4AEE629}"/>
+          </ac:spMkLst>
+        </pc:spChg>
+        <pc:spChg chg="add del">
+          <ac:chgData name="G 2" userId="8d203687cf76d0fd" providerId="LiveId" clId="{76E2985F-61D3-4F0E-8587-FEEB01D31A41}" dt="2019-03-18T17:53:24.689" v="5841"/>
+          <ac:spMkLst>
+            <pc:docMk/>
+            <pc:sldMk cId="464840888" sldId="687"/>
+            <ac:spMk id="6" creationId="{6BFFC819-5468-4DA1-8FAC-1E612BC744E5}"/>
+          </ac:spMkLst>
+        </pc:spChg>
+        <pc:spChg chg="add mod">
+          <ac:chgData name="G 2" userId="8d203687cf76d0fd" providerId="LiveId" clId="{76E2985F-61D3-4F0E-8587-FEEB01D31A41}" dt="2019-03-18T19:09:42.202" v="7589" actId="114"/>
+          <ac:spMkLst>
+            <pc:docMk/>
+            <pc:sldMk cId="464840888" sldId="687"/>
+            <ac:spMk id="6" creationId="{C1B47136-CAA1-46AE-91CD-FA56DBD148E5}"/>
+          </ac:spMkLst>
+        </pc:spChg>
+        <pc:spChg chg="mod">
+          <ac:chgData name="G 2" userId="8d203687cf76d0fd" providerId="LiveId" clId="{76E2985F-61D3-4F0E-8587-FEEB01D31A41}" dt="2019-03-18T17:57:44.150" v="6117" actId="27636"/>
+          <ac:spMkLst>
+            <pc:docMk/>
+            <pc:sldMk cId="464840888" sldId="687"/>
+            <ac:spMk id="7" creationId="{E9FA7309-F1C6-4CBD-8CF9-4B7F9DDE73E1}"/>
+          </ac:spMkLst>
+        </pc:spChg>
+        <pc:spChg chg="add mod">
+          <ac:chgData name="G 2" userId="8d203687cf76d0fd" providerId="LiveId" clId="{76E2985F-61D3-4F0E-8587-FEEB01D31A41}" dt="2019-03-18T19:09:54.506" v="7594" actId="20577"/>
+          <ac:spMkLst>
+            <pc:docMk/>
+            <pc:sldMk cId="464840888" sldId="687"/>
+            <ac:spMk id="8" creationId="{AFF60BFC-C680-470D-BC9E-A905FBDD3649}"/>
+          </ac:spMkLst>
+        </pc:spChg>
+        <pc:spChg chg="add del mod">
+          <ac:chgData name="G 2" userId="8d203687cf76d0fd" providerId="LiveId" clId="{76E2985F-61D3-4F0E-8587-FEEB01D31A41}" dt="2019-03-18T17:57:37.823" v="6103"/>
+          <ac:spMkLst>
+            <pc:docMk/>
+            <pc:sldMk cId="464840888" sldId="687"/>
+            <ac:spMk id="9" creationId="{73D3876F-E7CB-4824-AD2A-64230E098F60}"/>
+          </ac:spMkLst>
+        </pc:spChg>
+        <pc:spChg chg="add mod">
+          <ac:chgData name="G 2" userId="8d203687cf76d0fd" providerId="LiveId" clId="{76E2985F-61D3-4F0E-8587-FEEB01D31A41}" dt="2019-03-18T18:10:01.434" v="6834"/>
+          <ac:spMkLst>
+            <pc:docMk/>
+            <pc:sldMk cId="464840888" sldId="687"/>
+            <ac:spMk id="12" creationId="{99A66485-6211-4BCC-BD43-CC765377936D}"/>
+          </ac:spMkLst>
+        </pc:spChg>
+        <pc:spChg chg="add mod">
+          <ac:chgData name="G 2" userId="8d203687cf76d0fd" providerId="LiveId" clId="{76E2985F-61D3-4F0E-8587-FEEB01D31A41}" dt="2019-03-18T18:06:28.055" v="6677" actId="20577"/>
+          <ac:spMkLst>
+            <pc:docMk/>
+            <pc:sldMk cId="464840888" sldId="687"/>
+            <ac:spMk id="13" creationId="{C9FD66CB-F6D2-49DF-8102-F8A7ED3DE05F}"/>
+          </ac:spMkLst>
+        </pc:spChg>
+        <pc:spChg chg="add del mod">
+          <ac:chgData name="G 2" userId="8d203687cf76d0fd" providerId="LiveId" clId="{76E2985F-61D3-4F0E-8587-FEEB01D31A41}" dt="2019-03-18T20:19:46.271" v="8257"/>
+          <ac:spMkLst>
+            <pc:docMk/>
+            <pc:sldMk cId="464840888" sldId="687"/>
+            <ac:spMk id="14" creationId="{F0BC710E-8D5A-471C-B7AB-B8B1002CA1F0}"/>
+          </ac:spMkLst>
+        </pc:spChg>
+        <pc:picChg chg="add mod">
+          <ac:chgData name="G 2" userId="8d203687cf76d0fd" providerId="LiveId" clId="{76E2985F-61D3-4F0E-8587-FEEB01D31A41}" dt="2019-03-18T17:57:50.557" v="6121" actId="14100"/>
+          <ac:picMkLst>
+            <pc:docMk/>
+            <pc:sldMk cId="464840888" sldId="687"/>
+            <ac:picMk id="3" creationId="{25815D3E-0176-47B6-8279-E3672EE6E154}"/>
+          </ac:picMkLst>
+        </pc:picChg>
+        <pc:picChg chg="del">
+          <ac:chgData name="G 2" userId="8d203687cf76d0fd" providerId="LiveId" clId="{76E2985F-61D3-4F0E-8587-FEEB01D31A41}" dt="2019-03-18T17:52:55.345" v="5836" actId="478"/>
+          <ac:picMkLst>
+            <pc:docMk/>
+            <pc:sldMk cId="464840888" sldId="687"/>
+            <ac:picMk id="8" creationId="{0D091775-4376-4C4D-96C7-2F956AA7D5DF}"/>
+          </ac:picMkLst>
+        </pc:picChg>
+        <pc:picChg chg="add mod">
+          <ac:chgData name="G 2" userId="8d203687cf76d0fd" providerId="LiveId" clId="{76E2985F-61D3-4F0E-8587-FEEB01D31A41}" dt="2019-03-18T17:58:00.450" v="6128" actId="1076"/>
+          <ac:picMkLst>
+            <pc:docMk/>
+            <pc:sldMk cId="464840888" sldId="687"/>
+            <ac:picMk id="10" creationId="{AE2D1C78-F1CD-40C7-AD5C-A7F373C9F057}"/>
+          </ac:picMkLst>
+        </pc:picChg>
+        <pc:picChg chg="add mod">
+          <ac:chgData name="G 2" userId="8d203687cf76d0fd" providerId="LiveId" clId="{76E2985F-61D3-4F0E-8587-FEEB01D31A41}" dt="2019-03-18T18:08:20.525" v="6783" actId="1076"/>
+          <ac:picMkLst>
+            <pc:docMk/>
+            <pc:sldMk cId="464840888" sldId="687"/>
+            <ac:picMk id="11" creationId="{69E70975-4778-493D-8244-4339B92A2D4C}"/>
+          </ac:picMkLst>
+        </pc:picChg>
+      </pc:sldChg>
+      <pc:sldChg chg="addSp delSp modSp add">
+        <pc:chgData name="G 2" userId="8d203687cf76d0fd" providerId="LiveId" clId="{76E2985F-61D3-4F0E-8587-FEEB01D31A41}" dt="2019-03-18T18:47:42.966" v="7498" actId="1076"/>
+        <pc:sldMkLst>
+          <pc:docMk/>
+          <pc:sldMk cId="3812753546" sldId="688"/>
+        </pc:sldMkLst>
+        <pc:spChg chg="add mod">
+          <ac:chgData name="G 2" userId="8d203687cf76d0fd" providerId="LiveId" clId="{76E2985F-61D3-4F0E-8587-FEEB01D31A41}" dt="2019-03-18T18:37:07.547" v="7383" actId="1076"/>
+          <ac:spMkLst>
+            <pc:docMk/>
+            <pc:sldMk cId="3812753546" sldId="688"/>
+            <ac:spMk id="8" creationId="{36935E5C-8D60-4DF3-B039-C37D567FE840}"/>
+          </ac:spMkLst>
+        </pc:spChg>
+        <pc:spChg chg="mod">
+          <ac:chgData name="G 2" userId="8d203687cf76d0fd" providerId="LiveId" clId="{76E2985F-61D3-4F0E-8587-FEEB01D31A41}" dt="2019-03-18T18:47:42.966" v="7498" actId="1076"/>
+          <ac:spMkLst>
+            <pc:docMk/>
+            <pc:sldMk cId="3812753546" sldId="688"/>
+            <ac:spMk id="11" creationId="{00DD3F7B-F2AF-4B52-B26F-8EA1FDBC4AEB}"/>
+          </ac:spMkLst>
+        </pc:spChg>
+        <pc:spChg chg="del">
+          <ac:chgData name="G 2" userId="8d203687cf76d0fd" providerId="LiveId" clId="{76E2985F-61D3-4F0E-8587-FEEB01D31A41}" dt="2019-03-18T18:24:03.057" v="7069" actId="478"/>
+          <ac:spMkLst>
+            <pc:docMk/>
+            <pc:sldMk cId="3812753546" sldId="688"/>
+            <ac:spMk id="13" creationId="{9640351B-50F9-4376-A810-2FD4B10C45DA}"/>
+          </ac:spMkLst>
+        </pc:spChg>
+        <pc:spChg chg="add mod">
+          <ac:chgData name="G 2" userId="8d203687cf76d0fd" providerId="LiveId" clId="{76E2985F-61D3-4F0E-8587-FEEB01D31A41}" dt="2019-03-18T18:47:40.812" v="7497" actId="1076"/>
+          <ac:spMkLst>
+            <pc:docMk/>
+            <pc:sldMk cId="3812753546" sldId="688"/>
+            <ac:spMk id="14" creationId="{46262A25-75B8-4637-B198-F896B270D25A}"/>
+          </ac:spMkLst>
+        </pc:spChg>
+        <pc:spChg chg="add mod">
+          <ac:chgData name="G 2" userId="8d203687cf76d0fd" providerId="LiveId" clId="{76E2985F-61D3-4F0E-8587-FEEB01D31A41}" dt="2019-03-18T18:39:06.099" v="7419" actId="1076"/>
+          <ac:spMkLst>
+            <pc:docMk/>
+            <pc:sldMk cId="3812753546" sldId="688"/>
+            <ac:spMk id="17" creationId="{65043FE1-CC8C-494A-931D-09E842876ACA}"/>
+          </ac:spMkLst>
+        </pc:spChg>
+        <pc:picChg chg="del">
+          <ac:chgData name="G 2" userId="8d203687cf76d0fd" providerId="LiveId" clId="{76E2985F-61D3-4F0E-8587-FEEB01D31A41}" dt="2019-03-18T18:22:43.073" v="7043" actId="478"/>
+          <ac:picMkLst>
+            <pc:docMk/>
+            <pc:sldMk cId="3812753546" sldId="688"/>
+            <ac:picMk id="3" creationId="{FF6CF874-A5B2-4755-88C2-2D0D95A08C7F}"/>
+          </ac:picMkLst>
+        </pc:picChg>
+        <pc:picChg chg="add del">
+          <ac:chgData name="G 2" userId="8d203687cf76d0fd" providerId="LiveId" clId="{76E2985F-61D3-4F0E-8587-FEEB01D31A41}" dt="2019-03-18T18:23:34.778" v="7053" actId="478"/>
+          <ac:picMkLst>
+            <pc:docMk/>
+            <pc:sldMk cId="3812753546" sldId="688"/>
+            <ac:picMk id="5" creationId="{738B21FC-3245-47E0-9BA5-D3AACB2AE012}"/>
+          </ac:picMkLst>
+        </pc:picChg>
+        <pc:picChg chg="del">
+          <ac:chgData name="G 2" userId="8d203687cf76d0fd" providerId="LiveId" clId="{76E2985F-61D3-4F0E-8587-FEEB01D31A41}" dt="2019-03-18T18:22:26.750" v="6987"/>
+          <ac:picMkLst>
+            <pc:docMk/>
+            <pc:sldMk cId="3812753546" sldId="688"/>
+            <ac:picMk id="6" creationId="{CDF1E6DA-13B0-4292-ACD5-C711B96C87B0}"/>
+          </ac:picMkLst>
+        </pc:picChg>
+        <pc:picChg chg="add mod">
+          <ac:chgData name="G 2" userId="8d203687cf76d0fd" providerId="LiveId" clId="{76E2985F-61D3-4F0E-8587-FEEB01D31A41}" dt="2019-03-18T18:37:13.628" v="7386" actId="1076"/>
+          <ac:picMkLst>
+            <pc:docMk/>
+            <pc:sldMk cId="3812753546" sldId="688"/>
+            <ac:picMk id="7" creationId="{301423CB-CDC6-4F58-B191-B63A36C1F9CA}"/>
+          </ac:picMkLst>
+        </pc:picChg>
+        <pc:picChg chg="add mod">
+          <ac:chgData name="G 2" userId="8d203687cf76d0fd" providerId="LiveId" clId="{76E2985F-61D3-4F0E-8587-FEEB01D31A41}" dt="2019-03-18T18:37:10.196" v="7385" actId="1076"/>
+          <ac:picMkLst>
+            <pc:docMk/>
+            <pc:sldMk cId="3812753546" sldId="688"/>
+            <ac:picMk id="9" creationId="{12509685-46E0-4CFE-B430-908686D28456}"/>
+          </ac:picMkLst>
+        </pc:picChg>
+        <pc:picChg chg="add del mod">
+          <ac:chgData name="G 2" userId="8d203687cf76d0fd" providerId="LiveId" clId="{76E2985F-61D3-4F0E-8587-FEEB01D31A41}" dt="2019-03-18T18:22:25.465" v="6986"/>
+          <ac:picMkLst>
+            <pc:docMk/>
+            <pc:sldMk cId="3812753546" sldId="688"/>
+            <ac:picMk id="10" creationId="{7D6E13B5-60DF-44FD-8561-342229ED5AF0}"/>
+          </ac:picMkLst>
+        </pc:picChg>
+        <pc:picChg chg="add mod">
+          <ac:chgData name="G 2" userId="8d203687cf76d0fd" providerId="LiveId" clId="{76E2985F-61D3-4F0E-8587-FEEB01D31A41}" dt="2019-03-18T18:37:14.725" v="7387" actId="1076"/>
+          <ac:picMkLst>
+            <pc:docMk/>
+            <pc:sldMk cId="3812753546" sldId="688"/>
+            <ac:picMk id="12" creationId="{04552AC5-C5FF-411A-A468-03ADAB0A47FC}"/>
+          </ac:picMkLst>
+        </pc:picChg>
+        <pc:picChg chg="add mod">
+          <ac:chgData name="G 2" userId="8d203687cf76d0fd" providerId="LiveId" clId="{76E2985F-61D3-4F0E-8587-FEEB01D31A41}" dt="2019-03-18T18:37:05.877" v="7382" actId="1076"/>
+          <ac:picMkLst>
+            <pc:docMk/>
+            <pc:sldMk cId="3812753546" sldId="688"/>
+            <ac:picMk id="16" creationId="{B0537519-E307-4E43-AD5B-343DFB77ACBA}"/>
+          </ac:picMkLst>
+        </pc:picChg>
+      </pc:sldChg>
+      <pc:sldChg chg="addSp delSp modSp add">
+        <pc:chgData name="G 2" userId="8d203687cf76d0fd" providerId="LiveId" clId="{76E2985F-61D3-4F0E-8587-FEEB01D31A41}" dt="2019-03-18T18:46:06.999" v="7446" actId="478"/>
+        <pc:sldMkLst>
+          <pc:docMk/>
+          <pc:sldMk cId="1353214361" sldId="689"/>
+        </pc:sldMkLst>
+        <pc:spChg chg="del">
+          <ac:chgData name="G 2" userId="8d203687cf76d0fd" providerId="LiveId" clId="{76E2985F-61D3-4F0E-8587-FEEB01D31A41}" dt="2019-03-18T18:44:59.647" v="7421" actId="478"/>
+          <ac:spMkLst>
+            <pc:docMk/>
+            <pc:sldMk cId="1353214361" sldId="689"/>
+            <ac:spMk id="11" creationId="{00DD3F7B-F2AF-4B52-B26F-8EA1FDBC4AEB}"/>
+          </ac:spMkLst>
+        </pc:spChg>
+        <pc:spChg chg="del">
+          <ac:chgData name="G 2" userId="8d203687cf76d0fd" providerId="LiveId" clId="{76E2985F-61D3-4F0E-8587-FEEB01D31A41}" dt="2019-03-18T18:45:03.539" v="7422" actId="478"/>
+          <ac:spMkLst>
+            <pc:docMk/>
+            <pc:sldMk cId="1353214361" sldId="689"/>
+            <ac:spMk id="13" creationId="{9640351B-50F9-4376-A810-2FD4B10C45DA}"/>
+          </ac:spMkLst>
+        </pc:spChg>
+        <pc:picChg chg="del">
+          <ac:chgData name="G 2" userId="8d203687cf76d0fd" providerId="LiveId" clId="{76E2985F-61D3-4F0E-8587-FEEB01D31A41}" dt="2019-03-18T18:44:59.647" v="7421" actId="478"/>
+          <ac:picMkLst>
+            <pc:docMk/>
+            <pc:sldMk cId="1353214361" sldId="689"/>
+            <ac:picMk id="3" creationId="{FF6CF874-A5B2-4755-88C2-2D0D95A08C7F}"/>
+          </ac:picMkLst>
+        </pc:picChg>
+        <pc:picChg chg="add mod">
+          <ac:chgData name="G 2" userId="8d203687cf76d0fd" providerId="LiveId" clId="{76E2985F-61D3-4F0E-8587-FEEB01D31A41}" dt="2019-03-18T18:45:25.121" v="7429" actId="1076"/>
+          <ac:picMkLst>
+            <pc:docMk/>
+            <pc:sldMk cId="1353214361" sldId="689"/>
+            <ac:picMk id="5" creationId="{3DBA6064-9324-480A-87B7-7644ABF85A0A}"/>
+          </ac:picMkLst>
+        </pc:picChg>
+        <pc:picChg chg="add mod">
+          <ac:chgData name="G 2" userId="8d203687cf76d0fd" providerId="LiveId" clId="{76E2985F-61D3-4F0E-8587-FEEB01D31A41}" dt="2019-03-18T18:45:34.521" v="7431" actId="1076"/>
+          <ac:picMkLst>
+            <pc:docMk/>
+            <pc:sldMk cId="1353214361" sldId="689"/>
+            <ac:picMk id="6" creationId="{5E4E1EE4-CB72-4470-9E06-B7AF5FC51BF9}"/>
+          </ac:picMkLst>
+        </pc:picChg>
+        <pc:picChg chg="add del mod">
+          <ac:chgData name="G 2" userId="8d203687cf76d0fd" providerId="LiveId" clId="{76E2985F-61D3-4F0E-8587-FEEB01D31A41}" dt="2019-03-18T18:45:49.917" v="7438" actId="478"/>
+          <ac:picMkLst>
+            <pc:docMk/>
+            <pc:sldMk cId="1353214361" sldId="689"/>
+            <ac:picMk id="7" creationId="{21651E43-C422-48F8-9F46-D0B526DDFDA8}"/>
+          </ac:picMkLst>
+        </pc:picChg>
+        <pc:picChg chg="add del mod">
+          <ac:chgData name="G 2" userId="8d203687cf76d0fd" providerId="LiveId" clId="{76E2985F-61D3-4F0E-8587-FEEB01D31A41}" dt="2019-03-18T18:46:06.999" v="7446" actId="478"/>
+          <ac:picMkLst>
+            <pc:docMk/>
+            <pc:sldMk cId="1353214361" sldId="689"/>
+            <ac:picMk id="8" creationId="{5D7CE396-7541-4954-934C-110BCE65DA48}"/>
+          </ac:picMkLst>
+        </pc:picChg>
+      </pc:sldChg>
+      <pc:sldChg chg="addSp delSp modSp add">
+        <pc:chgData name="G 2" userId="8d203687cf76d0fd" providerId="LiveId" clId="{76E2985F-61D3-4F0E-8587-FEEB01D31A41}" dt="2019-03-18T18:46:43.228" v="7462" actId="1076"/>
+        <pc:sldMkLst>
+          <pc:docMk/>
+          <pc:sldMk cId="1545439474" sldId="690"/>
+        </pc:sldMkLst>
+        <pc:picChg chg="add mod">
+          <ac:chgData name="G 2" userId="8d203687cf76d0fd" providerId="LiveId" clId="{76E2985F-61D3-4F0E-8587-FEEB01D31A41}" dt="2019-03-18T18:46:40.150" v="7459" actId="1076"/>
+          <ac:picMkLst>
+            <pc:docMk/>
+            <pc:sldMk cId="1545439474" sldId="690"/>
+            <ac:picMk id="3" creationId="{B20E78EF-C58A-4AB4-965A-DD770E570155}"/>
+          </ac:picMkLst>
+        </pc:picChg>
+        <pc:picChg chg="del">
+          <ac:chgData name="G 2" userId="8d203687cf76d0fd" providerId="LiveId" clId="{76E2985F-61D3-4F0E-8587-FEEB01D31A41}" dt="2019-03-18T18:46:04.601" v="7444" actId="478"/>
+          <ac:picMkLst>
+            <pc:docMk/>
+            <pc:sldMk cId="1545439474" sldId="690"/>
+            <ac:picMk id="5" creationId="{3DBA6064-9324-480A-87B7-7644ABF85A0A}"/>
+          </ac:picMkLst>
+        </pc:picChg>
+        <pc:picChg chg="del">
+          <ac:chgData name="G 2" userId="8d203687cf76d0fd" providerId="LiveId" clId="{76E2985F-61D3-4F0E-8587-FEEB01D31A41}" dt="2019-03-18T18:46:04.601" v="7444" actId="478"/>
+          <ac:picMkLst>
+            <pc:docMk/>
+            <pc:sldMk cId="1545439474" sldId="690"/>
+            <ac:picMk id="6" creationId="{5E4E1EE4-CB72-4470-9E06-B7AF5FC51BF9}"/>
+          </ac:picMkLst>
+        </pc:picChg>
+        <pc:picChg chg="add mod">
+          <ac:chgData name="G 2" userId="8d203687cf76d0fd" providerId="LiveId" clId="{76E2985F-61D3-4F0E-8587-FEEB01D31A41}" dt="2019-03-18T18:46:27.901" v="7454" actId="1076"/>
+          <ac:picMkLst>
+            <pc:docMk/>
+            <pc:sldMk cId="1545439474" sldId="690"/>
+            <ac:picMk id="7" creationId="{79DF4804-6328-4C9A-97BC-DF50AB5A99A5}"/>
+          </ac:picMkLst>
+        </pc:picChg>
+        <pc:picChg chg="del mod">
+          <ac:chgData name="G 2" userId="8d203687cf76d0fd" providerId="LiveId" clId="{76E2985F-61D3-4F0E-8587-FEEB01D31A41}" dt="2019-03-18T18:46:26.255" v="7452" actId="478"/>
+          <ac:picMkLst>
+            <pc:docMk/>
+            <pc:sldMk cId="1545439474" sldId="690"/>
+            <ac:picMk id="8" creationId="{5D7CE396-7541-4954-934C-110BCE65DA48}"/>
+          </ac:picMkLst>
+        </pc:picChg>
+        <pc:picChg chg="add mod">
+          <ac:chgData name="G 2" userId="8d203687cf76d0fd" providerId="LiveId" clId="{76E2985F-61D3-4F0E-8587-FEEB01D31A41}" dt="2019-03-18T18:46:43.228" v="7462" actId="1076"/>
+          <ac:picMkLst>
+            <pc:docMk/>
+            <pc:sldMk cId="1545439474" sldId="690"/>
+            <ac:picMk id="9" creationId="{C505437D-9086-4D66-9BF0-326A6216AEBA}"/>
+          </ac:picMkLst>
+        </pc:picChg>
+      </pc:sldChg>
+      <pc:sldChg chg="addSp delSp modSp add del">
+        <pc:chgData name="G 2" userId="8d203687cf76d0fd" providerId="LiveId" clId="{76E2985F-61D3-4F0E-8587-FEEB01D31A41}" dt="2019-03-18T20:19:48.090" v="8260" actId="1076"/>
+        <pc:sldMkLst>
+          <pc:docMk/>
+          <pc:sldMk cId="200427402" sldId="691"/>
+        </pc:sldMkLst>
+        <pc:spChg chg="mod">
+          <ac:chgData name="G 2" userId="8d203687cf76d0fd" providerId="LiveId" clId="{76E2985F-61D3-4F0E-8587-FEEB01D31A41}" dt="2019-03-18T19:41:45.725" v="7691"/>
+          <ac:spMkLst>
+            <pc:docMk/>
+            <pc:sldMk cId="200427402" sldId="691"/>
+            <ac:spMk id="4" creationId="{00000000-0000-0000-0000-000000000000}"/>
+          </ac:spMkLst>
+        </pc:spChg>
+        <pc:spChg chg="add mod">
+          <ac:chgData name="G 2" userId="8d203687cf76d0fd" providerId="LiveId" clId="{76E2985F-61D3-4F0E-8587-FEEB01D31A41}" dt="2019-03-18T20:17:19.687" v="8229" actId="1076"/>
+          <ac:spMkLst>
+            <pc:docMk/>
+            <pc:sldMk cId="200427402" sldId="691"/>
+            <ac:spMk id="6" creationId="{1CC9EED9-97EC-41BE-860D-AB736F39B80B}"/>
+          </ac:spMkLst>
+        </pc:spChg>
+        <pc:spChg chg="add mod">
+          <ac:chgData name="G 2" userId="8d203687cf76d0fd" providerId="LiveId" clId="{76E2985F-61D3-4F0E-8587-FEEB01D31A41}" dt="2019-03-18T20:15:57.201" v="8091" actId="1076"/>
+          <ac:spMkLst>
+            <pc:docMk/>
+            <pc:sldMk cId="200427402" sldId="691"/>
+            <ac:spMk id="8" creationId="{EC066E52-CFBA-451C-884B-5AD50B6622C5}"/>
+          </ac:spMkLst>
+        </pc:spChg>
+        <pc:spChg chg="add mod">
+          <ac:chgData name="G 2" userId="8d203687cf76d0fd" providerId="LiveId" clId="{76E2985F-61D3-4F0E-8587-FEEB01D31A41}" dt="2019-03-18T20:17:17.982" v="8228" actId="1076"/>
+          <ac:spMkLst>
+            <pc:docMk/>
+            <pc:sldMk cId="200427402" sldId="691"/>
+            <ac:spMk id="10" creationId="{7B8AEE2A-3515-4FA0-BCD8-3F16D3847509}"/>
+          </ac:spMkLst>
+        </pc:spChg>
+        <pc:spChg chg="add mod">
+          <ac:chgData name="G 2" userId="8d203687cf76d0fd" providerId="LiveId" clId="{76E2985F-61D3-4F0E-8587-FEEB01D31A41}" dt="2019-03-18T20:19:48.090" v="8260" actId="1076"/>
+          <ac:spMkLst>
+            <pc:docMk/>
+            <pc:sldMk cId="200427402" sldId="691"/>
+            <ac:spMk id="11" creationId="{3DDC0DB8-4D92-411C-A106-226CC7E62BC9}"/>
+          </ac:spMkLst>
+        </pc:spChg>
+        <pc:picChg chg="del">
+          <ac:chgData name="G 2" userId="8d203687cf76d0fd" providerId="LiveId" clId="{76E2985F-61D3-4F0E-8587-FEEB01D31A41}" dt="2019-03-18T19:41:49.047" v="7692" actId="478"/>
+          <ac:picMkLst>
+            <pc:docMk/>
+            <pc:sldMk cId="200427402" sldId="691"/>
+            <ac:picMk id="3" creationId="{B20E78EF-C58A-4AB4-965A-DD770E570155}"/>
+          </ac:picMkLst>
+        </pc:picChg>
+        <pc:picChg chg="add mod">
+          <ac:chgData name="G 2" userId="8d203687cf76d0fd" providerId="LiveId" clId="{76E2985F-61D3-4F0E-8587-FEEB01D31A41}" dt="2019-03-18T20:17:20.403" v="8230" actId="1076"/>
+          <ac:picMkLst>
+            <pc:docMk/>
+            <pc:sldMk cId="200427402" sldId="691"/>
+            <ac:picMk id="5" creationId="{6C22A456-25B9-4B7C-8E0F-42482802AE72}"/>
+          </ac:picMkLst>
+        </pc:picChg>
+        <pc:picChg chg="del">
+          <ac:chgData name="G 2" userId="8d203687cf76d0fd" providerId="LiveId" clId="{76E2985F-61D3-4F0E-8587-FEEB01D31A41}" dt="2019-03-18T19:41:49.047" v="7692" actId="478"/>
+          <ac:picMkLst>
+            <pc:docMk/>
+            <pc:sldMk cId="200427402" sldId="691"/>
+            <ac:picMk id="7" creationId="{79DF4804-6328-4C9A-97BC-DF50AB5A99A5}"/>
+          </ac:picMkLst>
+        </pc:picChg>
+        <pc:picChg chg="del">
+          <ac:chgData name="G 2" userId="8d203687cf76d0fd" providerId="LiveId" clId="{76E2985F-61D3-4F0E-8587-FEEB01D31A41}" dt="2019-03-18T19:41:49.047" v="7692" actId="478"/>
+          <ac:picMkLst>
+            <pc:docMk/>
+            <pc:sldMk cId="200427402" sldId="691"/>
+            <ac:picMk id="9" creationId="{C505437D-9086-4D66-9BF0-326A6216AEBA}"/>
+          </ac:picMkLst>
+        </pc:picChg>
+      </pc:sldChg>
+      <pc:sldChg chg="addSp delSp modSp add">
+        <pc:chgData name="G 2" userId="8d203687cf76d0fd" providerId="LiveId" clId="{76E2985F-61D3-4F0E-8587-FEEB01D31A41}" dt="2019-03-18T19:42:13.533" v="7696" actId="404"/>
+        <pc:sldMkLst>
+          <pc:docMk/>
+          <pc:sldMk cId="3140058013" sldId="692"/>
+        </pc:sldMkLst>
+        <pc:spChg chg="del">
+          <ac:chgData name="G 2" userId="8d203687cf76d0fd" providerId="LiveId" clId="{76E2985F-61D3-4F0E-8587-FEEB01D31A41}" dt="2019-03-18T19:42:03.194" v="7694"/>
+          <ac:spMkLst>
+            <pc:docMk/>
+            <pc:sldMk cId="3140058013" sldId="692"/>
+            <ac:spMk id="2" creationId="{4AB947ED-6EC5-4914-93B5-6DAA3F5C11EB}"/>
+          </ac:spMkLst>
+        </pc:spChg>
+        <pc:spChg chg="add mod">
+          <ac:chgData name="G 2" userId="8d203687cf76d0fd" providerId="LiveId" clId="{76E2985F-61D3-4F0E-8587-FEEB01D31A41}" dt="2019-03-18T19:42:13.533" v="7696" actId="404"/>
+          <ac:spMkLst>
+            <pc:docMk/>
+            <pc:sldMk cId="3140058013" sldId="692"/>
+            <ac:spMk id="4" creationId="{FD08CAA5-5B67-45E3-99AB-556A364EA09F}"/>
+          </ac:spMkLst>
+        </pc:spChg>
+      </pc:sldChg>
+      <pc:sldChg chg="modSp add">
+        <pc:chgData name="G 2" userId="8d203687cf76d0fd" providerId="LiveId" clId="{76E2985F-61D3-4F0E-8587-FEEB01D31A41}" dt="2019-03-18T19:42:25.989" v="7698"/>
+        <pc:sldMkLst>
+          <pc:docMk/>
+          <pc:sldMk cId="1717511062" sldId="693"/>
+        </pc:sldMkLst>
+        <pc:spChg chg="mod">
+          <ac:chgData name="G 2" userId="8d203687cf76d0fd" providerId="LiveId" clId="{76E2985F-61D3-4F0E-8587-FEEB01D31A41}" dt="2019-03-18T19:42:25.989" v="7698"/>
+          <ac:spMkLst>
+            <pc:docMk/>
+            <pc:sldMk cId="1717511062" sldId="693"/>
+            <ac:spMk id="4" creationId="{FD08CAA5-5B67-45E3-99AB-556A364EA09F}"/>
+          </ac:spMkLst>
+        </pc:spChg>
+      </pc:sldChg>
+      <pc:sldChg chg="modSp add">
+        <pc:chgData name="G 2" userId="8d203687cf76d0fd" providerId="LiveId" clId="{76E2985F-61D3-4F0E-8587-FEEB01D31A41}" dt="2019-03-18T19:42:34.427" v="7700"/>
+        <pc:sldMkLst>
+          <pc:docMk/>
+          <pc:sldMk cId="694382884" sldId="694"/>
+        </pc:sldMkLst>
+        <pc:spChg chg="mod">
+          <ac:chgData name="G 2" userId="8d203687cf76d0fd" providerId="LiveId" clId="{76E2985F-61D3-4F0E-8587-FEEB01D31A41}" dt="2019-03-18T19:42:34.427" v="7700"/>
+          <ac:spMkLst>
+            <pc:docMk/>
+            <pc:sldMk cId="694382884" sldId="694"/>
+            <ac:spMk id="4" creationId="{FD08CAA5-5B67-45E3-99AB-556A364EA09F}"/>
+          </ac:spMkLst>
+        </pc:spChg>
+      </pc:sldChg>
+      <pc:sldChg chg="modSp add">
+        <pc:chgData name="G 2" userId="8d203687cf76d0fd" providerId="LiveId" clId="{76E2985F-61D3-4F0E-8587-FEEB01D31A41}" dt="2019-03-18T19:56:50.209" v="7848"/>
+        <pc:sldMkLst>
+          <pc:docMk/>
+          <pc:sldMk cId="3773327093" sldId="695"/>
+        </pc:sldMkLst>
+        <pc:spChg chg="mod">
+          <ac:chgData name="G 2" userId="8d203687cf76d0fd" providerId="LiveId" clId="{76E2985F-61D3-4F0E-8587-FEEB01D31A41}" dt="2019-03-18T19:56:50.209" v="7848"/>
+          <ac:spMkLst>
+            <pc:docMk/>
+            <pc:sldMk cId="3773327093" sldId="695"/>
+            <ac:spMk id="4" creationId="{00000000-0000-0000-0000-000000000000}"/>
+          </ac:spMkLst>
+        </pc:spChg>
+      </pc:sldChg>
+      <pc:sldChg chg="modSp add">
+        <pc:chgData name="G 2" userId="8d203687cf76d0fd" providerId="LiveId" clId="{76E2985F-61D3-4F0E-8587-FEEB01D31A41}" dt="2019-03-18T19:57:18.030" v="7853"/>
+        <pc:sldMkLst>
+          <pc:docMk/>
+          <pc:sldMk cId="4094841143" sldId="696"/>
+        </pc:sldMkLst>
+        <pc:spChg chg="mod">
+          <ac:chgData name="G 2" userId="8d203687cf76d0fd" providerId="LiveId" clId="{76E2985F-61D3-4F0E-8587-FEEB01D31A41}" dt="2019-03-18T19:57:18.030" v="7853"/>
+          <ac:spMkLst>
+            <pc:docMk/>
+            <pc:sldMk cId="4094841143" sldId="696"/>
+            <ac:spMk id="4" creationId="{FD08CAA5-5B67-45E3-99AB-556A364EA09F}"/>
+          </ac:spMkLst>
+        </pc:spChg>
+      </pc:sldChg>
+      <pc:sldChg chg="addSp delSp modSp add del ord">
+        <pc:chgData name="G 2" userId="8d203687cf76d0fd" providerId="LiveId" clId="{76E2985F-61D3-4F0E-8587-FEEB01D31A41}" dt="2019-03-18T22:04:30.262" v="9936" actId="2696"/>
+        <pc:sldMkLst>
+          <pc:docMk/>
+          <pc:sldMk cId="2132508291" sldId="697"/>
+        </pc:sldMkLst>
+        <pc:spChg chg="add mod">
+          <ac:chgData name="G 2" userId="8d203687cf76d0fd" providerId="LiveId" clId="{76E2985F-61D3-4F0E-8587-FEEB01D31A41}" dt="2019-03-18T21:18:18.830" v="9095" actId="1076"/>
+          <ac:spMkLst>
+            <pc:docMk/>
+            <pc:sldMk cId="2132508291" sldId="697"/>
+            <ac:spMk id="3" creationId="{B7692912-7854-4339-88E4-84D66FF91699}"/>
+          </ac:spMkLst>
+        </pc:spChg>
+        <pc:spChg chg="mod">
+          <ac:chgData name="G 2" userId="8d203687cf76d0fd" providerId="LiveId" clId="{76E2985F-61D3-4F0E-8587-FEEB01D31A41}" dt="2019-03-18T21:15:10.787" v="8857" actId="14100"/>
+          <ac:spMkLst>
+            <pc:docMk/>
+            <pc:sldMk cId="2132508291" sldId="697"/>
+            <ac:spMk id="7" creationId="{E9FA7309-F1C6-4CBD-8CF9-4B7F9DDE73E1}"/>
+          </ac:spMkLst>
+        </pc:spChg>
+        <pc:spChg chg="del">
+          <ac:chgData name="G 2" userId="8d203687cf76d0fd" providerId="LiveId" clId="{76E2985F-61D3-4F0E-8587-FEEB01D31A41}" dt="2019-03-18T21:12:28.506" v="8638" actId="478"/>
+          <ac:spMkLst>
+            <pc:docMk/>
+            <pc:sldMk cId="2132508291" sldId="697"/>
+            <ac:spMk id="8" creationId="{56A4447F-7D87-4D48-A0BB-0F0A59C6D550}"/>
+          </ac:spMkLst>
+        </pc:spChg>
+        <pc:spChg chg="add del mod">
+          <ac:chgData name="G 2" userId="8d203687cf76d0fd" providerId="LiveId" clId="{76E2985F-61D3-4F0E-8587-FEEB01D31A41}" dt="2019-03-18T21:14:47.472" v="8815" actId="478"/>
+          <ac:spMkLst>
+            <pc:docMk/>
+            <pc:sldMk cId="2132508291" sldId="697"/>
+            <ac:spMk id="9" creationId="{F24765F1-E3DC-4EFF-B6BD-376D31114004}"/>
+          </ac:spMkLst>
+        </pc:spChg>
+        <pc:spChg chg="add mod">
+          <ac:chgData name="G 2" userId="8d203687cf76d0fd" providerId="LiveId" clId="{76E2985F-61D3-4F0E-8587-FEEB01D31A41}" dt="2019-03-18T22:03:01.261" v="9904" actId="1076"/>
+          <ac:spMkLst>
+            <pc:docMk/>
+            <pc:sldMk cId="2132508291" sldId="697"/>
+            <ac:spMk id="10" creationId="{69C08D8B-B7A0-4A24-B75E-1ABD1BC3668D}"/>
+          </ac:spMkLst>
+        </pc:spChg>
+        <pc:spChg chg="add del">
+          <ac:chgData name="G 2" userId="8d203687cf76d0fd" providerId="LiveId" clId="{76E2985F-61D3-4F0E-8587-FEEB01D31A41}" dt="2019-03-18T21:15:29.795" v="8872"/>
+          <ac:spMkLst>
+            <pc:docMk/>
+            <pc:sldMk cId="2132508291" sldId="697"/>
+            <ac:spMk id="11" creationId="{11F85646-B015-45D6-9A79-06A6CBFF5976}"/>
+          </ac:spMkLst>
+        </pc:spChg>
+        <pc:spChg chg="add del">
+          <ac:chgData name="G 2" userId="8d203687cf76d0fd" providerId="LiveId" clId="{76E2985F-61D3-4F0E-8587-FEEB01D31A41}" dt="2019-03-18T21:15:29.615" v="8871"/>
+          <ac:spMkLst>
+            <pc:docMk/>
+            <pc:sldMk cId="2132508291" sldId="697"/>
+            <ac:spMk id="12" creationId="{A62B3E8B-1967-4E9B-8A3B-9DDDE09807C8}"/>
+          </ac:spMkLst>
+        </pc:spChg>
+        <pc:spChg chg="add mod">
+          <ac:chgData name="G 2" userId="8d203687cf76d0fd" providerId="LiveId" clId="{76E2985F-61D3-4F0E-8587-FEEB01D31A41}" dt="2019-03-18T22:03:19.359" v="9908" actId="1076"/>
+          <ac:spMkLst>
+            <pc:docMk/>
+            <pc:sldMk cId="2132508291" sldId="697"/>
+            <ac:spMk id="16" creationId="{78FF9628-8A5F-4A0D-8B9A-FBEB3155F849}"/>
+          </ac:spMkLst>
+        </pc:spChg>
+        <pc:spChg chg="add del">
+          <ac:chgData name="G 2" userId="8d203687cf76d0fd" providerId="LiveId" clId="{76E2985F-61D3-4F0E-8587-FEEB01D31A41}" dt="2019-03-18T21:19:47.328" v="9126"/>
+          <ac:spMkLst>
+            <pc:docMk/>
+            <pc:sldMk cId="2132508291" sldId="697"/>
+            <ac:spMk id="17" creationId="{1595F4D8-F976-458B-B292-BB7242FA454D}"/>
+          </ac:spMkLst>
+        </pc:spChg>
+        <pc:spChg chg="add del mod ord">
+          <ac:chgData name="G 2" userId="8d203687cf76d0fd" providerId="LiveId" clId="{76E2985F-61D3-4F0E-8587-FEEB01D31A41}" dt="2019-03-18T22:03:48.103" v="9915" actId="478"/>
+          <ac:spMkLst>
+            <pc:docMk/>
+            <pc:sldMk cId="2132508291" sldId="697"/>
+            <ac:spMk id="19" creationId="{CDCA597B-CE76-48A4-B422-89EB7DD7315B}"/>
+          </ac:spMkLst>
+        </pc:spChg>
+        <pc:picChg chg="add del mod">
+          <ac:chgData name="G 2" userId="8d203687cf76d0fd" providerId="LiveId" clId="{76E2985F-61D3-4F0E-8587-FEEB01D31A41}" dt="2019-03-18T21:14:31.100" v="8808" actId="478"/>
+          <ac:picMkLst>
+            <pc:docMk/>
+            <pc:sldMk cId="2132508291" sldId="697"/>
+            <ac:picMk id="5" creationId="{99EF643E-C8AA-465B-B62F-FADB79FE7FBF}"/>
+          </ac:picMkLst>
+        </pc:picChg>
+        <pc:picChg chg="add mod">
+          <ac:chgData name="G 2" userId="8d203687cf76d0fd" providerId="LiveId" clId="{76E2985F-61D3-4F0E-8587-FEEB01D31A41}" dt="2019-03-18T22:03:00.090" v="9902" actId="1076"/>
+          <ac:picMkLst>
+            <pc:docMk/>
+            <pc:sldMk cId="2132508291" sldId="697"/>
+            <ac:picMk id="6" creationId="{7F223BD7-580B-4A2B-83F6-CFD9AF657445}"/>
+          </ac:picMkLst>
+        </pc:picChg>
+        <pc:picChg chg="add del mod">
+          <ac:chgData name="G 2" userId="8d203687cf76d0fd" providerId="LiveId" clId="{76E2985F-61D3-4F0E-8587-FEEB01D31A41}" dt="2019-03-18T22:02:33.044" v="9886" actId="478"/>
+          <ac:picMkLst>
+            <pc:docMk/>
+            <pc:sldMk cId="2132508291" sldId="697"/>
+            <ac:picMk id="13" creationId="{B2D1D02A-63A3-4909-B0FF-6D45FAEE2DDC}"/>
+          </ac:picMkLst>
+        </pc:picChg>
+        <pc:picChg chg="add mod">
+          <ac:chgData name="G 2" userId="8d203687cf76d0fd" providerId="LiveId" clId="{76E2985F-61D3-4F0E-8587-FEEB01D31A41}" dt="2019-03-18T22:03:19.359" v="9908" actId="1076"/>
+          <ac:picMkLst>
+            <pc:docMk/>
+            <pc:sldMk cId="2132508291" sldId="697"/>
+            <ac:picMk id="14" creationId="{FEDC0046-DE00-4E33-9D0A-DC1ED385231D}"/>
+          </ac:picMkLst>
+        </pc:picChg>
+        <pc:picChg chg="add mod">
+          <ac:chgData name="G 2" userId="8d203687cf76d0fd" providerId="LiveId" clId="{76E2985F-61D3-4F0E-8587-FEEB01D31A41}" dt="2019-03-18T22:04:00.829" v="9917" actId="1076"/>
+          <ac:picMkLst>
+            <pc:docMk/>
+            <pc:sldMk cId="2132508291" sldId="697"/>
+            <ac:picMk id="18" creationId="{0617BA53-A042-4295-AF02-CBEFC7A64C7F}"/>
+          </ac:picMkLst>
+        </pc:picChg>
+      </pc:sldChg>
+      <pc:sldChg chg="delSp add">
+        <pc:chgData name="G 2" userId="8d203687cf76d0fd" providerId="LiveId" clId="{76E2985F-61D3-4F0E-8587-FEEB01D31A41}" dt="2019-03-18T20:20:04.812" v="8264" actId="478"/>
+        <pc:sldMkLst>
+          <pc:docMk/>
+          <pc:sldMk cId="753023440" sldId="698"/>
+        </pc:sldMkLst>
+        <pc:spChg chg="del">
+          <ac:chgData name="G 2" userId="8d203687cf76d0fd" providerId="LiveId" clId="{76E2985F-61D3-4F0E-8587-FEEB01D31A41}" dt="2019-03-18T20:20:04.812" v="8264" actId="478"/>
+          <ac:spMkLst>
+            <pc:docMk/>
+            <pc:sldMk cId="753023440" sldId="698"/>
+            <ac:spMk id="5" creationId="{379A6240-8DB5-4E3B-A1FF-C2B5F7C8F2F4}"/>
+          </ac:spMkLst>
+        </pc:spChg>
+      </pc:sldChg>
+      <pc:sldChg chg="addSp delSp modSp add ord modAnim">
+        <pc:chgData name="G 2" userId="8d203687cf76d0fd" providerId="LiveId" clId="{76E2985F-61D3-4F0E-8587-FEEB01D31A41}" dt="2019-03-18T20:24:53.356" v="8586" actId="207"/>
+        <pc:sldMkLst>
+          <pc:docMk/>
+          <pc:sldMk cId="3751995553" sldId="699"/>
+        </pc:sldMkLst>
+        <pc:spChg chg="add mod">
+          <ac:chgData name="G 2" userId="8d203687cf76d0fd" providerId="LiveId" clId="{76E2985F-61D3-4F0E-8587-FEEB01D31A41}" dt="2019-03-18T20:24:53.356" v="8586" actId="207"/>
+          <ac:spMkLst>
+            <pc:docMk/>
+            <pc:sldMk cId="3751995553" sldId="699"/>
+            <ac:spMk id="6" creationId="{A2B1FBF4-752F-40E3-A5C3-C0490B50AAD6}"/>
+          </ac:spMkLst>
+        </pc:spChg>
+        <pc:picChg chg="del">
+          <ac:chgData name="G 2" userId="8d203687cf76d0fd" providerId="LiveId" clId="{76E2985F-61D3-4F0E-8587-FEEB01D31A41}" dt="2019-03-18T20:22:18.851" v="8267" actId="478"/>
+          <ac:picMkLst>
+            <pc:docMk/>
+            <pc:sldMk cId="3751995553" sldId="699"/>
+            <ac:picMk id="3" creationId="{FFBDD2C8-6B0C-4513-B452-238301CF9009}"/>
+          </ac:picMkLst>
+        </pc:picChg>
+        <pc:picChg chg="del">
+          <ac:chgData name="G 2" userId="8d203687cf76d0fd" providerId="LiveId" clId="{76E2985F-61D3-4F0E-8587-FEEB01D31A41}" dt="2019-03-18T20:22:18.851" v="8267" actId="478"/>
+          <ac:picMkLst>
+            <pc:docMk/>
+            <pc:sldMk cId="3751995553" sldId="699"/>
+            <ac:picMk id="5" creationId="{9EE6F063-AF0E-424B-A6EE-3B4DD3E1EC55}"/>
+          </ac:picMkLst>
+        </pc:picChg>
+        <pc:picChg chg="del mod">
+          <ac:chgData name="G 2" userId="8d203687cf76d0fd" providerId="LiveId" clId="{76E2985F-61D3-4F0E-8587-FEEB01D31A41}" dt="2019-03-18T20:22:18.851" v="8267" actId="478"/>
+          <ac:picMkLst>
+            <pc:docMk/>
+            <pc:sldMk cId="3751995553" sldId="699"/>
+            <ac:picMk id="9" creationId="{28F3A0F2-AD31-4B18-9BA0-1AC0F67F8CF6}"/>
+          </ac:picMkLst>
+        </pc:picChg>
+      </pc:sldChg>
+      <pc:sldChg chg="addSp delSp modSp add ord">
+        <pc:chgData name="G 2" userId="8d203687cf76d0fd" providerId="LiveId" clId="{76E2985F-61D3-4F0E-8587-FEEB01D31A41}" dt="2019-03-18T23:32:55.114" v="12691"/>
+        <pc:sldMkLst>
+          <pc:docMk/>
+          <pc:sldMk cId="1807499228" sldId="700"/>
+        </pc:sldMkLst>
+        <pc:spChg chg="add mod">
+          <ac:chgData name="G 2" userId="8d203687cf76d0fd" providerId="LiveId" clId="{76E2985F-61D3-4F0E-8587-FEEB01D31A41}" dt="2019-03-18T22:00:32.995" v="9860" actId="1076"/>
+          <ac:spMkLst>
+            <pc:docMk/>
+            <pc:sldMk cId="1807499228" sldId="700"/>
+            <ac:spMk id="5" creationId="{BEB2C078-A61D-457D-9B09-C06440DA3F1B}"/>
+          </ac:spMkLst>
+        </pc:spChg>
+        <pc:spChg chg="mod">
+          <ac:chgData name="G 2" userId="8d203687cf76d0fd" providerId="LiveId" clId="{76E2985F-61D3-4F0E-8587-FEEB01D31A41}" dt="2019-03-18T23:32:55.114" v="12691"/>
+          <ac:spMkLst>
+            <pc:docMk/>
+            <pc:sldMk cId="1807499228" sldId="700"/>
+            <ac:spMk id="7" creationId="{E9FA7309-F1C6-4CBD-8CF9-4B7F9DDE73E1}"/>
+          </ac:spMkLst>
+        </pc:spChg>
+        <pc:spChg chg="del">
+          <ac:chgData name="G 2" userId="8d203687cf76d0fd" providerId="LiveId" clId="{76E2985F-61D3-4F0E-8587-FEEB01D31A41}" dt="2019-03-18T21:59:09.971" v="9843" actId="478"/>
+          <ac:spMkLst>
+            <pc:docMk/>
+            <pc:sldMk cId="1807499228" sldId="700"/>
+            <ac:spMk id="8" creationId="{56A4447F-7D87-4D48-A0BB-0F0A59C6D550}"/>
+          </ac:spMkLst>
+        </pc:spChg>
+        <pc:spChg chg="mod">
+          <ac:chgData name="G 2" userId="8d203687cf76d0fd" providerId="LiveId" clId="{76E2985F-61D3-4F0E-8587-FEEB01D31A41}" dt="2019-03-18T21:59:20.199" v="9850" actId="1076"/>
+          <ac:spMkLst>
+            <pc:docMk/>
+            <pc:sldMk cId="1807499228" sldId="700"/>
+            <ac:spMk id="15" creationId="{00000000-0000-0000-0000-000000000000}"/>
+          </ac:spMkLst>
+        </pc:spChg>
+        <pc:picChg chg="add mod">
+          <ac:chgData name="G 2" userId="8d203687cf76d0fd" providerId="LiveId" clId="{76E2985F-61D3-4F0E-8587-FEEB01D31A41}" dt="2019-03-18T22:00:30.645" v="9859" actId="14100"/>
+          <ac:picMkLst>
+            <pc:docMk/>
+            <pc:sldMk cId="1807499228" sldId="700"/>
+            <ac:picMk id="3" creationId="{DF849321-1062-4D3F-904F-1B5921BF3164}"/>
+          </ac:picMkLst>
+        </pc:picChg>
+        <pc:picChg chg="add del mod">
+          <ac:chgData name="G 2" userId="8d203687cf76d0fd" providerId="LiveId" clId="{76E2985F-61D3-4F0E-8587-FEEB01D31A41}" dt="2019-03-18T22:18:34.209" v="10275" actId="478"/>
+          <ac:picMkLst>
+            <pc:docMk/>
+            <pc:sldMk cId="1807499228" sldId="700"/>
+            <ac:picMk id="6" creationId="{26E8DD30-B588-4963-9F8D-D7D8331DBDC4}"/>
+          </ac:picMkLst>
+        </pc:picChg>
+      </pc:sldChg>
+      <pc:sldChg chg="addSp delSp modSp add ord modTransition">
+        <pc:chgData name="G 2" userId="8d203687cf76d0fd" providerId="LiveId" clId="{76E2985F-61D3-4F0E-8587-FEEB01D31A41}" dt="2019-03-18T22:04:29.411" v="9935"/>
+        <pc:sldMkLst>
+          <pc:docMk/>
+          <pc:sldMk cId="1767211852" sldId="701"/>
+        </pc:sldMkLst>
+        <pc:spChg chg="del">
+          <ac:chgData name="G 2" userId="8d203687cf76d0fd" providerId="LiveId" clId="{76E2985F-61D3-4F0E-8587-FEEB01D31A41}" dt="2019-03-18T22:02:26.787" v="9884" actId="478"/>
+          <ac:spMkLst>
+            <pc:docMk/>
+            <pc:sldMk cId="1767211852" sldId="701"/>
+            <ac:spMk id="10" creationId="{69C08D8B-B7A0-4A24-B75E-1ABD1BC3668D}"/>
+          </ac:spMkLst>
+        </pc:spChg>
+        <pc:spChg chg="add mod">
+          <ac:chgData name="G 2" userId="8d203687cf76d0fd" providerId="LiveId" clId="{76E2985F-61D3-4F0E-8587-FEEB01D31A41}" dt="2019-03-18T22:04:26.838" v="9933" actId="1076"/>
+          <ac:spMkLst>
+            <pc:docMk/>
+            <pc:sldMk cId="1767211852" sldId="701"/>
+            <ac:spMk id="17" creationId="{7F9A328C-1594-42FC-AC01-532015309FA9}"/>
+          </ac:spMkLst>
+        </pc:spChg>
+        <pc:picChg chg="mod">
+          <ac:chgData name="G 2" userId="8d203687cf76d0fd" providerId="LiveId" clId="{76E2985F-61D3-4F0E-8587-FEEB01D31A41}" dt="2019-03-18T22:02:25.329" v="9883" actId="1076"/>
+          <ac:picMkLst>
+            <pc:docMk/>
+            <pc:sldMk cId="1767211852" sldId="701"/>
+            <ac:picMk id="13" creationId="{B2D1D02A-63A3-4909-B0FF-6D45FAEE2DDC}"/>
+          </ac:picMkLst>
+        </pc:picChg>
+        <pc:picChg chg="add del">
+          <ac:chgData name="G 2" userId="8d203687cf76d0fd" providerId="LiveId" clId="{76E2985F-61D3-4F0E-8587-FEEB01D31A41}" dt="2019-03-18T22:04:21.189" v="9931" actId="478"/>
+          <ac:picMkLst>
+            <pc:docMk/>
+            <pc:sldMk cId="1767211852" sldId="701"/>
+            <ac:picMk id="18" creationId="{0617BA53-A042-4295-AF02-CBEFC7A64C7F}"/>
+          </ac:picMkLst>
+        </pc:picChg>
+      </pc:sldChg>
+      <pc:sldChg chg="delSp modSp add ord">
+        <pc:chgData name="G 2" userId="8d203687cf76d0fd" providerId="LiveId" clId="{76E2985F-61D3-4F0E-8587-FEEB01D31A41}" dt="2019-03-18T23:28:05.793" v="12607"/>
+        <pc:sldMkLst>
+          <pc:docMk/>
+          <pc:sldMk cId="1779771687" sldId="702"/>
+        </pc:sldMkLst>
+        <pc:spChg chg="del mod">
+          <ac:chgData name="G 2" userId="8d203687cf76d0fd" providerId="LiveId" clId="{76E2985F-61D3-4F0E-8587-FEEB01D31A41}" dt="2019-03-18T22:04:06.020" v="9920" actId="478"/>
+          <ac:spMkLst>
+            <pc:docMk/>
+            <pc:sldMk cId="1779771687" sldId="702"/>
+            <ac:spMk id="10" creationId="{69C08D8B-B7A0-4A24-B75E-1ABD1BC3668D}"/>
+          </ac:spMkLst>
+        </pc:spChg>
+        <pc:spChg chg="del">
+          <ac:chgData name="G 2" userId="8d203687cf76d0fd" providerId="LiveId" clId="{76E2985F-61D3-4F0E-8587-FEEB01D31A41}" dt="2019-03-18T22:04:06.020" v="9920" actId="478"/>
+          <ac:spMkLst>
+            <pc:docMk/>
+            <pc:sldMk cId="1779771687" sldId="702"/>
+            <ac:spMk id="16" creationId="{78FF9628-8A5F-4A0D-8B9A-FBEB3155F849}"/>
+          </ac:spMkLst>
+        </pc:spChg>
+        <pc:picChg chg="del">
+          <ac:chgData name="G 2" userId="8d203687cf76d0fd" providerId="LiveId" clId="{76E2985F-61D3-4F0E-8587-FEEB01D31A41}" dt="2019-03-18T22:04:07.143" v="9921" actId="478"/>
+          <ac:picMkLst>
+            <pc:docMk/>
+            <pc:sldMk cId="1779771687" sldId="702"/>
+            <ac:picMk id="6" creationId="{7F223BD7-580B-4A2B-83F6-CFD9AF657445}"/>
+          </ac:picMkLst>
+        </pc:picChg>
+        <pc:picChg chg="del">
+          <ac:chgData name="G 2" userId="8d203687cf76d0fd" providerId="LiveId" clId="{76E2985F-61D3-4F0E-8587-FEEB01D31A41}" dt="2019-03-18T22:04:06.020" v="9920" actId="478"/>
+          <ac:picMkLst>
+            <pc:docMk/>
+            <pc:sldMk cId="1779771687" sldId="702"/>
+            <ac:picMk id="14" creationId="{FEDC0046-DE00-4E33-9D0A-DC1ED385231D}"/>
+          </ac:picMkLst>
+        </pc:picChg>
+        <pc:picChg chg="mod">
+          <ac:chgData name="G 2" userId="8d203687cf76d0fd" providerId="LiveId" clId="{76E2985F-61D3-4F0E-8587-FEEB01D31A41}" dt="2019-03-18T22:04:20.896" v="9929" actId="1076"/>
+          <ac:picMkLst>
+            <pc:docMk/>
+            <pc:sldMk cId="1779771687" sldId="702"/>
+            <ac:picMk id="18" creationId="{0617BA53-A042-4295-AF02-CBEFC7A64C7F}"/>
+          </ac:picMkLst>
+        </pc:picChg>
+      </pc:sldChg>
+      <pc:sldChg chg="addSp modSp add del ord modTransition">
+        <pc:chgData name="G 2" userId="8d203687cf76d0fd" providerId="LiveId" clId="{76E2985F-61D3-4F0E-8587-FEEB01D31A41}" dt="2019-03-18T23:39:51.284" v="12818" actId="2696"/>
+        <pc:sldMkLst>
+          <pc:docMk/>
+          <pc:sldMk cId="951929209" sldId="703"/>
+        </pc:sldMkLst>
+        <pc:spChg chg="mod">
+          <ac:chgData name="G 2" userId="8d203687cf76d0fd" providerId="LiveId" clId="{76E2985F-61D3-4F0E-8587-FEEB01D31A41}" dt="2019-03-18T23:34:26.704" v="12740" actId="5793"/>
+          <ac:spMkLst>
+            <pc:docMk/>
+            <pc:sldMk cId="951929209" sldId="703"/>
+            <ac:spMk id="8" creationId="{56A4447F-7D87-4D48-A0BB-0F0A59C6D550}"/>
+          </ac:spMkLst>
+        </pc:spChg>
+        <pc:picChg chg="add mod">
+          <ac:chgData name="G 2" userId="8d203687cf76d0fd" providerId="LiveId" clId="{76E2985F-61D3-4F0E-8587-FEEB01D31A41}" dt="2019-03-18T23:35:59.412" v="12747" actId="1076"/>
+          <ac:picMkLst>
+            <pc:docMk/>
+            <pc:sldMk cId="951929209" sldId="703"/>
+            <ac:picMk id="3" creationId="{F10F68C0-12DC-4520-8909-D22631B41893}"/>
+          </ac:picMkLst>
+        </pc:picChg>
+        <pc:picChg chg="add mod modCrop">
+          <ac:chgData name="G 2" userId="8d203687cf76d0fd" providerId="LiveId" clId="{76E2985F-61D3-4F0E-8587-FEEB01D31A41}" dt="2019-03-18T23:36:25.250" v="12759" actId="14100"/>
+          <ac:picMkLst>
+            <pc:docMk/>
+            <pc:sldMk cId="951929209" sldId="703"/>
+            <ac:picMk id="5" creationId="{DC5031CB-95A5-44FC-A7A4-EC902CC67961}"/>
+          </ac:picMkLst>
+        </pc:picChg>
+        <pc:picChg chg="add mod modCrop">
+          <ac:chgData name="G 2" userId="8d203687cf76d0fd" providerId="LiveId" clId="{76E2985F-61D3-4F0E-8587-FEEB01D31A41}" dt="2019-03-18T23:36:37.235" v="12763" actId="1076"/>
+          <ac:picMkLst>
+            <pc:docMk/>
+            <pc:sldMk cId="951929209" sldId="703"/>
+            <ac:picMk id="9" creationId="{D4DBBD75-4680-44FD-9337-47A5409AC3A1}"/>
+          </ac:picMkLst>
+        </pc:picChg>
+      </pc:sldChg>
+      <pc:sldChg chg="add del">
+        <pc:chgData name="G 2" userId="8d203687cf76d0fd" providerId="LiveId" clId="{76E2985F-61D3-4F0E-8587-FEEB01D31A41}" dt="2019-03-18T22:06:38.507" v="9947"/>
+        <pc:sldMkLst>
+          <pc:docMk/>
+          <pc:sldMk cId="1290981655" sldId="703"/>
+        </pc:sldMkLst>
+      </pc:sldChg>
+      <pc:sldChg chg="addSp delSp modSp add ord">
+        <pc:chgData name="G 2" userId="8d203687cf76d0fd" providerId="LiveId" clId="{76E2985F-61D3-4F0E-8587-FEEB01D31A41}" dt="2019-03-18T23:39:45.860" v="12816"/>
+        <pc:sldMkLst>
+          <pc:docMk/>
+          <pc:sldMk cId="1808640732" sldId="704"/>
+        </pc:sldMkLst>
+        <pc:spChg chg="del">
+          <ac:chgData name="G 2" userId="8d203687cf76d0fd" providerId="LiveId" clId="{76E2985F-61D3-4F0E-8587-FEEB01D31A41}" dt="2019-03-18T22:17:48.964" v="10270" actId="478"/>
+          <ac:spMkLst>
+            <pc:docMk/>
+            <pc:sldMk cId="1808640732" sldId="704"/>
+            <ac:spMk id="5" creationId="{BEB2C078-A61D-457D-9B09-C06440DA3F1B}"/>
+          </ac:spMkLst>
+        </pc:spChg>
+        <pc:spChg chg="del">
+          <ac:chgData name="G 2" userId="8d203687cf76d0fd" providerId="LiveId" clId="{76E2985F-61D3-4F0E-8587-FEEB01D31A41}" dt="2019-03-18T22:17:48.964" v="10270" actId="478"/>
+          <ac:spMkLst>
+            <pc:docMk/>
+            <pc:sldMk cId="1808640732" sldId="704"/>
+            <ac:spMk id="7" creationId="{E9FA7309-F1C6-4CBD-8CF9-4B7F9DDE73E1}"/>
+          </ac:spMkLst>
+        </pc:spChg>
+        <pc:spChg chg="add mod">
+          <ac:chgData name="G 2" userId="8d203687cf76d0fd" providerId="LiveId" clId="{76E2985F-61D3-4F0E-8587-FEEB01D31A41}" dt="2019-03-18T23:28:58.961" v="12612" actId="20578"/>
+          <ac:spMkLst>
+            <pc:docMk/>
+            <pc:sldMk cId="1808640732" sldId="704"/>
+            <ac:spMk id="10" creationId="{99470E70-05E0-4BF2-B99B-2C8815CA49B9}"/>
+          </ac:spMkLst>
+        </pc:spChg>
+        <pc:picChg chg="del">
+          <ac:chgData name="G 2" userId="8d203687cf76d0fd" providerId="LiveId" clId="{76E2985F-61D3-4F0E-8587-FEEB01D31A41}" dt="2019-03-18T22:17:48.964" v="10270" actId="478"/>
+          <ac:picMkLst>
+            <pc:docMk/>
+            <pc:sldMk cId="1808640732" sldId="704"/>
+            <ac:picMk id="3" creationId="{DF849321-1062-4D3F-904F-1B5921BF3164}"/>
+          </ac:picMkLst>
+        </pc:picChg>
+        <pc:picChg chg="del">
+          <ac:chgData name="G 2" userId="8d203687cf76d0fd" providerId="LiveId" clId="{76E2985F-61D3-4F0E-8587-FEEB01D31A41}" dt="2019-03-18T22:17:45.543" v="10269"/>
+          <ac:picMkLst>
+            <pc:docMk/>
+            <pc:sldMk cId="1808640732" sldId="704"/>
+            <ac:picMk id="6" creationId="{26E8DD30-B588-4963-9F8D-D7D8331DBDC4}"/>
+          </ac:picMkLst>
+        </pc:picChg>
+        <pc:picChg chg="add mod">
+          <ac:chgData name="G 2" userId="8d203687cf76d0fd" providerId="LiveId" clId="{76E2985F-61D3-4F0E-8587-FEEB01D31A41}" dt="2019-03-18T22:17:52.528" v="10273" actId="1076"/>
+          <ac:picMkLst>
+            <pc:docMk/>
+            <pc:sldMk cId="1808640732" sldId="704"/>
+            <ac:picMk id="9" creationId="{D44A60AC-77AD-42B9-8B05-6F2276719006}"/>
+          </ac:picMkLst>
+        </pc:picChg>
+      </pc:sldChg>
+      <pc:sldChg chg="modSp add">
+        <pc:chgData name="G 2" userId="8d203687cf76d0fd" providerId="LiveId" clId="{76E2985F-61D3-4F0E-8587-FEEB01D31A41}" dt="2019-03-18T22:21:07.935" v="10279" actId="20577"/>
+        <pc:sldMkLst>
+          <pc:docMk/>
+          <pc:sldMk cId="3900562519" sldId="705"/>
+        </pc:sldMkLst>
+        <pc:spChg chg="mod">
+          <ac:chgData name="G 2" userId="8d203687cf76d0fd" providerId="LiveId" clId="{76E2985F-61D3-4F0E-8587-FEEB01D31A41}" dt="2019-03-18T22:21:07.935" v="10279" actId="20577"/>
+          <ac:spMkLst>
+            <pc:docMk/>
+            <pc:sldMk cId="3900562519" sldId="705"/>
+            <ac:spMk id="4" creationId="{FD08CAA5-5B67-45E3-99AB-556A364EA09F}"/>
+          </ac:spMkLst>
+        </pc:spChg>
+      </pc:sldChg>
+      <pc:sldChg chg="modSp add">
+        <pc:chgData name="G 2" userId="8d203687cf76d0fd" providerId="LiveId" clId="{76E2985F-61D3-4F0E-8587-FEEB01D31A41}" dt="2019-03-18T23:19:15.306" v="12426" actId="20577"/>
+        <pc:sldMkLst>
+          <pc:docMk/>
+          <pc:sldMk cId="782743420" sldId="706"/>
+        </pc:sldMkLst>
+        <pc:spChg chg="mod">
+          <ac:chgData name="G 2" userId="8d203687cf76d0fd" providerId="LiveId" clId="{76E2985F-61D3-4F0E-8587-FEEB01D31A41}" dt="2019-03-18T22:54:04.352" v="11607"/>
+          <ac:spMkLst>
+            <pc:docMk/>
+            <pc:sldMk cId="782743420" sldId="706"/>
+            <ac:spMk id="4" creationId="{00000000-0000-0000-0000-000000000000}"/>
+          </ac:spMkLst>
+        </pc:spChg>
+        <pc:spChg chg="mod">
+          <ac:chgData name="G 2" userId="8d203687cf76d0fd" providerId="LiveId" clId="{76E2985F-61D3-4F0E-8587-FEEB01D31A41}" dt="2019-03-18T23:19:15.306" v="12426" actId="20577"/>
+          <ac:spMkLst>
+            <pc:docMk/>
+            <pc:sldMk cId="782743420" sldId="706"/>
+            <ac:spMk id="7" creationId="{E9FA7309-F1C6-4CBD-8CF9-4B7F9DDE73E1}"/>
+          </ac:spMkLst>
+        </pc:spChg>
+        <pc:spChg chg="mod">
+          <ac:chgData name="G 2" userId="8d203687cf76d0fd" providerId="LiveId" clId="{76E2985F-61D3-4F0E-8587-FEEB01D31A41}" dt="2019-03-18T23:17:11.448" v="12272" actId="20577"/>
+          <ac:spMkLst>
+            <pc:docMk/>
+            <pc:sldMk cId="782743420" sldId="706"/>
+            <ac:spMk id="8" creationId="{56A4447F-7D87-4D48-A0BB-0F0A59C6D550}"/>
+          </ac:spMkLst>
+        </pc:spChg>
+      </pc:sldChg>
+      <pc:sldChg chg="addSp delSp modSp add">
+        <pc:chgData name="G 2" userId="8d203687cf76d0fd" providerId="LiveId" clId="{76E2985F-61D3-4F0E-8587-FEEB01D31A41}" dt="2019-03-18T23:05:31.481" v="11731"/>
+        <pc:sldMkLst>
+          <pc:docMk/>
+          <pc:sldMk cId="3424585302" sldId="707"/>
+        </pc:sldMkLst>
+        <pc:spChg chg="mod">
+          <ac:chgData name="G 2" userId="8d203687cf76d0fd" providerId="LiveId" clId="{76E2985F-61D3-4F0E-8587-FEEB01D31A41}" dt="2019-03-18T22:54:25.188" v="11612"/>
+          <ac:spMkLst>
+            <pc:docMk/>
+            <pc:sldMk cId="3424585302" sldId="707"/>
+            <ac:spMk id="4" creationId="{00000000-0000-0000-0000-000000000000}"/>
+          </ac:spMkLst>
+        </pc:spChg>
+        <pc:spChg chg="add del">
+          <ac:chgData name="G 2" userId="8d203687cf76d0fd" providerId="LiveId" clId="{76E2985F-61D3-4F0E-8587-FEEB01D31A41}" dt="2019-03-18T23:05:31.481" v="11731"/>
+          <ac:spMkLst>
+            <pc:docMk/>
+            <pc:sldMk cId="3424585302" sldId="707"/>
+            <ac:spMk id="7" creationId="{6D86E6FA-8EFF-4E43-A1BD-4B47DB63D7D1}"/>
+          </ac:spMkLst>
+        </pc:spChg>
+        <pc:picChg chg="add mod ord">
+          <ac:chgData name="G 2" userId="8d203687cf76d0fd" providerId="LiveId" clId="{76E2985F-61D3-4F0E-8587-FEEB01D31A41}" dt="2019-03-18T22:59:20.290" v="11624" actId="167"/>
+          <ac:picMkLst>
+            <pc:docMk/>
+            <pc:sldMk cId="3424585302" sldId="707"/>
+            <ac:picMk id="3" creationId="{B55184DE-9612-4B90-9CF1-88F386C6B66A}"/>
+          </ac:picMkLst>
+        </pc:picChg>
+        <pc:picChg chg="add mod">
+          <ac:chgData name="G 2" userId="8d203687cf76d0fd" providerId="LiveId" clId="{76E2985F-61D3-4F0E-8587-FEEB01D31A41}" dt="2019-03-18T22:59:05.051" v="11619" actId="1076"/>
+          <ac:picMkLst>
+            <pc:docMk/>
+            <pc:sldMk cId="3424585302" sldId="707"/>
+            <ac:picMk id="5" creationId="{6CD21AC7-DCB2-4D85-8626-15F99AD552EE}"/>
+          </ac:picMkLst>
+        </pc:picChg>
+        <pc:picChg chg="add mod">
+          <ac:chgData name="G 2" userId="8d203687cf76d0fd" providerId="LiveId" clId="{76E2985F-61D3-4F0E-8587-FEEB01D31A41}" dt="2019-03-18T22:59:12.205" v="11621" actId="1076"/>
+          <ac:picMkLst>
+            <pc:docMk/>
+            <pc:sldMk cId="3424585302" sldId="707"/>
+            <ac:picMk id="6" creationId="{12EA4115-994A-4C37-8034-4DC99B904B64}"/>
+          </ac:picMkLst>
+        </pc:picChg>
+        <pc:picChg chg="del">
+          <ac:chgData name="G 2" userId="8d203687cf76d0fd" providerId="LiveId" clId="{76E2985F-61D3-4F0E-8587-FEEB01D31A41}" dt="2019-03-18T22:54:16.913" v="11608" actId="478"/>
+          <ac:picMkLst>
+            <pc:docMk/>
+            <pc:sldMk cId="3424585302" sldId="707"/>
+            <ac:picMk id="9" creationId="{D44A60AC-77AD-42B9-8B05-6F2276719006}"/>
+          </ac:picMkLst>
+        </pc:picChg>
+      </pc:sldChg>
+      <pc:sldChg chg="addSp delSp modSp add">
+        <pc:chgData name="G 2" userId="8d203687cf76d0fd" providerId="LiveId" clId="{76E2985F-61D3-4F0E-8587-FEEB01D31A41}" dt="2019-03-18T23:08:49.974" v="11861" actId="478"/>
+        <pc:sldMkLst>
+          <pc:docMk/>
+          <pc:sldMk cId="22601379" sldId="708"/>
+        </pc:sldMkLst>
+        <pc:spChg chg="add mod">
+          <ac:chgData name="G 2" userId="8d203687cf76d0fd" providerId="LiveId" clId="{76E2985F-61D3-4F0E-8587-FEEB01D31A41}" dt="2019-03-18T23:06:23.459" v="11828" actId="113"/>
+          <ac:spMkLst>
+            <pc:docMk/>
+            <pc:sldMk cId="22601379" sldId="708"/>
+            <ac:spMk id="8" creationId="{595FE82B-1E0D-4766-AA29-29CB2CC9C5DB}"/>
+          </ac:spMkLst>
+        </pc:spChg>
+        <pc:spChg chg="add del mod">
+          <ac:chgData name="G 2" userId="8d203687cf76d0fd" providerId="LiveId" clId="{76E2985F-61D3-4F0E-8587-FEEB01D31A41}" dt="2019-03-18T23:07:24.558" v="11835"/>
+          <ac:spMkLst>
+            <pc:docMk/>
+            <pc:sldMk cId="22601379" sldId="708"/>
+            <ac:spMk id="9" creationId="{2F304C54-A4E9-40F5-B768-D3E4FEF0C805}"/>
+          </ac:spMkLst>
+        </pc:spChg>
+        <pc:spChg chg="add mod">
+          <ac:chgData name="G 2" userId="8d203687cf76d0fd" providerId="LiveId" clId="{76E2985F-61D3-4F0E-8587-FEEB01D31A41}" dt="2019-03-18T23:08:21.556" v="11840" actId="1076"/>
+          <ac:spMkLst>
+            <pc:docMk/>
+            <pc:sldMk cId="22601379" sldId="708"/>
+            <ac:spMk id="11" creationId="{1E6BC7D5-C053-40D6-8787-0008704177E8}"/>
+          </ac:spMkLst>
+        </pc:spChg>
+        <pc:spChg chg="add mod">
+          <ac:chgData name="G 2" userId="8d203687cf76d0fd" providerId="LiveId" clId="{76E2985F-61D3-4F0E-8587-FEEB01D31A41}" dt="2019-03-18T23:08:37.006" v="11858" actId="1076"/>
+          <ac:spMkLst>
+            <pc:docMk/>
+            <pc:sldMk cId="22601379" sldId="708"/>
+            <ac:spMk id="13" creationId="{AF13F692-7766-4EE0-BE8B-63C7AC7E6183}"/>
+          </ac:spMkLst>
+        </pc:spChg>
+        <pc:spChg chg="add del mod">
+          <ac:chgData name="G 2" userId="8d203687cf76d0fd" providerId="LiveId" clId="{76E2985F-61D3-4F0E-8587-FEEB01D31A41}" dt="2019-03-18T23:08:49.974" v="11861" actId="478"/>
+          <ac:spMkLst>
+            <pc:docMk/>
+            <pc:sldMk cId="22601379" sldId="708"/>
+            <ac:spMk id="14" creationId="{39E17F94-4D3C-40B0-861C-D94CAA5D5782}"/>
+          </ac:spMkLst>
+        </pc:spChg>
+        <pc:picChg chg="del">
+          <ac:chgData name="G 2" userId="8d203687cf76d0fd" providerId="LiveId" clId="{76E2985F-61D3-4F0E-8587-FEEB01D31A41}" dt="2019-03-18T23:05:18.249" v="11720" actId="478"/>
+          <ac:picMkLst>
+            <pc:docMk/>
+            <pc:sldMk cId="22601379" sldId="708"/>
+            <ac:picMk id="3" creationId="{B55184DE-9612-4B90-9CF1-88F386C6B66A}"/>
+          </ac:picMkLst>
+        </pc:picChg>
+        <pc:picChg chg="del">
+          <ac:chgData name="G 2" userId="8d203687cf76d0fd" providerId="LiveId" clId="{76E2985F-61D3-4F0E-8587-FEEB01D31A41}" dt="2019-03-18T23:05:24.177" v="11727" actId="478"/>
+          <ac:picMkLst>
+            <pc:docMk/>
+            <pc:sldMk cId="22601379" sldId="708"/>
+            <ac:picMk id="5" creationId="{6CD21AC7-DCB2-4D85-8626-15F99AD552EE}"/>
+          </ac:picMkLst>
+        </pc:picChg>
+        <pc:picChg chg="del mod">
+          <ac:chgData name="G 2" userId="8d203687cf76d0fd" providerId="LiveId" clId="{76E2985F-61D3-4F0E-8587-FEEB01D31A41}" dt="2019-03-18T23:05:24.177" v="11727" actId="478"/>
+          <ac:picMkLst>
+            <pc:docMk/>
+            <pc:sldMk cId="22601379" sldId="708"/>
+            <ac:picMk id="6" creationId="{12EA4115-994A-4C37-8034-4DC99B904B64}"/>
+          </ac:picMkLst>
+        </pc:picChg>
+        <pc:picChg chg="add mod">
+          <ac:chgData name="G 2" userId="8d203687cf76d0fd" providerId="LiveId" clId="{76E2985F-61D3-4F0E-8587-FEEB01D31A41}" dt="2019-03-18T23:06:27.523" v="11829" actId="1076"/>
+          <ac:picMkLst>
+            <pc:docMk/>
+            <pc:sldMk cId="22601379" sldId="708"/>
+            <ac:picMk id="7" creationId="{E3177486-530D-47EB-A859-DB1AC971E427}"/>
+          </ac:picMkLst>
+        </pc:picChg>
+        <pc:picChg chg="add mod">
+          <ac:chgData name="G 2" userId="8d203687cf76d0fd" providerId="LiveId" clId="{76E2985F-61D3-4F0E-8587-FEEB01D31A41}" dt="2019-03-18T23:05:34.354" v="11734" actId="571"/>
+          <ac:picMkLst>
+            <pc:docMk/>
+            <pc:sldMk cId="22601379" sldId="708"/>
+            <ac:picMk id="10" creationId="{E9F0AC32-4679-45C5-914C-0746DB2DFB7E}"/>
+          </ac:picMkLst>
+        </pc:picChg>
+      </pc:sldChg>
+      <pc:sldChg chg="addSp delSp modSp add">
+        <pc:chgData name="G 2" userId="8d203687cf76d0fd" providerId="LiveId" clId="{76E2985F-61D3-4F0E-8587-FEEB01D31A41}" dt="2019-03-19T00:21:56.435" v="15005" actId="1076"/>
+        <pc:sldMkLst>
+          <pc:docMk/>
+          <pc:sldMk cId="3953533632" sldId="709"/>
+        </pc:sldMkLst>
+        <pc:spChg chg="add mod">
+          <ac:chgData name="G 2" userId="8d203687cf76d0fd" providerId="LiveId" clId="{76E2985F-61D3-4F0E-8587-FEEB01D31A41}" dt="2019-03-19T00:21:56.435" v="15005" actId="1076"/>
+          <ac:spMkLst>
+            <pc:docMk/>
+            <pc:sldMk cId="3953533632" sldId="709"/>
+            <ac:spMk id="6" creationId="{69138EBB-1FB5-4BE0-B946-BBB42BCCD037}"/>
+          </ac:spMkLst>
+        </pc:spChg>
+        <pc:spChg chg="del mod">
+          <ac:chgData name="G 2" userId="8d203687cf76d0fd" providerId="LiveId" clId="{76E2985F-61D3-4F0E-8587-FEEB01D31A41}" dt="2019-03-18T23:39:58.896" v="12823" actId="478"/>
+          <ac:spMkLst>
+            <pc:docMk/>
+            <pc:sldMk cId="3953533632" sldId="709"/>
+            <ac:spMk id="8" creationId="{56A4447F-7D87-4D48-A0BB-0F0A59C6D550}"/>
+          </ac:spMkLst>
+        </pc:spChg>
+        <pc:picChg chg="mod">
+          <ac:chgData name="G 2" userId="8d203687cf76d0fd" providerId="LiveId" clId="{76E2985F-61D3-4F0E-8587-FEEB01D31A41}" dt="2019-03-18T23:40:04.106" v="12824" actId="14100"/>
+          <ac:picMkLst>
+            <pc:docMk/>
+            <pc:sldMk cId="3953533632" sldId="709"/>
+            <ac:picMk id="3" creationId="{F10F68C0-12DC-4520-8909-D22631B41893}"/>
+          </ac:picMkLst>
+        </pc:picChg>
+        <pc:picChg chg="add mod">
+          <ac:chgData name="G 2" userId="8d203687cf76d0fd" providerId="LiveId" clId="{76E2985F-61D3-4F0E-8587-FEEB01D31A41}" dt="2019-03-19T00:21:56.435" v="15005" actId="1076"/>
+          <ac:picMkLst>
+            <pc:docMk/>
+            <pc:sldMk cId="3953533632" sldId="709"/>
+            <ac:picMk id="5" creationId="{22B2E892-C9C9-4846-B012-5DD1A6525322}"/>
+          </ac:picMkLst>
+        </pc:picChg>
+      </pc:sldChg>
+      <pc:sldChg chg="addSp delSp modSp add ord modTransition">
+        <pc:chgData name="G 2" userId="8d203687cf76d0fd" providerId="LiveId" clId="{76E2985F-61D3-4F0E-8587-FEEB01D31A41}" dt="2019-03-18T23:38:51.986" v="12815" actId="113"/>
+        <pc:sldMkLst>
+          <pc:docMk/>
+          <pc:sldMk cId="2255977217" sldId="710"/>
+        </pc:sldMkLst>
+        <pc:spChg chg="add mod">
+          <ac:chgData name="G 2" userId="8d203687cf76d0fd" providerId="LiveId" clId="{76E2985F-61D3-4F0E-8587-FEEB01D31A41}" dt="2019-03-18T23:38:51.986" v="12815" actId="113"/>
+          <ac:spMkLst>
+            <pc:docMk/>
+            <pc:sldMk cId="2255977217" sldId="710"/>
+            <ac:spMk id="6" creationId="{D8B70B4F-3036-4DF5-9F00-A5B341A72FF7}"/>
+          </ac:spMkLst>
+        </pc:spChg>
+        <pc:spChg chg="mod">
+          <ac:chgData name="G 2" userId="8d203687cf76d0fd" providerId="LiveId" clId="{76E2985F-61D3-4F0E-8587-FEEB01D31A41}" dt="2019-03-18T23:38:05.538" v="12789"/>
+          <ac:spMkLst>
+            <pc:docMk/>
+            <pc:sldMk cId="2255977217" sldId="710"/>
+            <ac:spMk id="8" creationId="{56A4447F-7D87-4D48-A0BB-0F0A59C6D550}"/>
+          </ac:spMkLst>
+        </pc:spChg>
+        <pc:picChg chg="del">
+          <ac:chgData name="G 2" userId="8d203687cf76d0fd" providerId="LiveId" clId="{76E2985F-61D3-4F0E-8587-FEEB01D31A41}" dt="2019-03-18T23:37:01.351" v="12776" actId="478"/>
+          <ac:picMkLst>
+            <pc:docMk/>
+            <pc:sldMk cId="2255977217" sldId="710"/>
+            <ac:picMk id="3" creationId="{F10F68C0-12DC-4520-8909-D22631B41893}"/>
+          </ac:picMkLst>
+        </pc:picChg>
+        <pc:picChg chg="mod">
+          <ac:chgData name="G 2" userId="8d203687cf76d0fd" providerId="LiveId" clId="{76E2985F-61D3-4F0E-8587-FEEB01D31A41}" dt="2019-03-18T23:38:40.079" v="12812" actId="1076"/>
+          <ac:picMkLst>
+            <pc:docMk/>
+            <pc:sldMk cId="2255977217" sldId="710"/>
+            <ac:picMk id="5" creationId="{DC5031CB-95A5-44FC-A7A4-EC902CC67961}"/>
+          </ac:picMkLst>
+        </pc:picChg>
+        <pc:picChg chg="mod modCrop">
+          <ac:chgData name="G 2" userId="8d203687cf76d0fd" providerId="LiveId" clId="{76E2985F-61D3-4F0E-8587-FEEB01D31A41}" dt="2019-03-18T23:38:36.510" v="12809" actId="14100"/>
+          <ac:picMkLst>
+            <pc:docMk/>
+            <pc:sldMk cId="2255977217" sldId="710"/>
+            <ac:picMk id="9" creationId="{D4DBBD75-4680-44FD-9337-47A5409AC3A1}"/>
+          </ac:picMkLst>
+        </pc:picChg>
+        <pc:picChg chg="add mod ord modCrop">
+          <ac:chgData name="G 2" userId="8d203687cf76d0fd" providerId="LiveId" clId="{76E2985F-61D3-4F0E-8587-FEEB01D31A41}" dt="2019-03-18T23:38:37.420" v="12810" actId="1076"/>
+          <ac:picMkLst>
+            <pc:docMk/>
+            <pc:sldMk cId="2255977217" sldId="710"/>
+            <ac:picMk id="10" creationId="{CEE23E31-A252-468B-88C3-E8B503B4326A}"/>
+          </ac:picMkLst>
+        </pc:picChg>
+      </pc:sldChg>
+      <pc:sldChg chg="modSp add">
+        <pc:chgData name="G 2" userId="8d203687cf76d0fd" providerId="LiveId" clId="{76E2985F-61D3-4F0E-8587-FEEB01D31A41}" dt="2019-03-19T00:09:14.635" v="14996"/>
+        <pc:sldMkLst>
+          <pc:docMk/>
+          <pc:sldMk cId="875145578" sldId="711"/>
+        </pc:sldMkLst>
+        <pc:spChg chg="mod">
+          <ac:chgData name="G 2" userId="8d203687cf76d0fd" providerId="LiveId" clId="{76E2985F-61D3-4F0E-8587-FEEB01D31A41}" dt="2019-03-18T23:52:44.107" v="13333"/>
+          <ac:spMkLst>
+            <pc:docMk/>
+            <pc:sldMk cId="875145578" sldId="711"/>
+            <ac:spMk id="4" creationId="{00000000-0000-0000-0000-000000000000}"/>
+          </ac:spMkLst>
+        </pc:spChg>
+        <pc:spChg chg="mod">
+          <ac:chgData name="G 2" userId="8d203687cf76d0fd" providerId="LiveId" clId="{76E2985F-61D3-4F0E-8587-FEEB01D31A41}" dt="2019-03-19T00:01:56.691" v="14044"/>
+          <ac:spMkLst>
+            <pc:docMk/>
+            <pc:sldMk cId="875145578" sldId="711"/>
+            <ac:spMk id="7" creationId="{E9FA7309-F1C6-4CBD-8CF9-4B7F9DDE73E1}"/>
+          </ac:spMkLst>
+        </pc:spChg>
+        <pc:spChg chg="mod">
+          <ac:chgData name="G 2" userId="8d203687cf76d0fd" providerId="LiveId" clId="{76E2985F-61D3-4F0E-8587-FEEB01D31A41}" dt="2019-03-19T00:09:14.635" v="14996"/>
+          <ac:spMkLst>
+            <pc:docMk/>
+            <pc:sldMk cId="875145578" sldId="711"/>
+            <ac:spMk id="8" creationId="{56A4447F-7D87-4D48-A0BB-0F0A59C6D550}"/>
+          </ac:spMkLst>
+        </pc:spChg>
+      </pc:sldChg>
+      <pc:sldChg chg="modSp add">
+        <pc:chgData name="G 2" userId="8d203687cf76d0fd" providerId="LiveId" clId="{76E2985F-61D3-4F0E-8587-FEEB01D31A41}" dt="2019-03-19T00:09:47.838" v="14998"/>
+        <pc:sldMkLst>
+          <pc:docMk/>
+          <pc:sldMk cId="553268900" sldId="712"/>
+        </pc:sldMkLst>
+        <pc:spChg chg="mod">
+          <ac:chgData name="G 2" userId="8d203687cf76d0fd" providerId="LiveId" clId="{76E2985F-61D3-4F0E-8587-FEEB01D31A41}" dt="2019-03-19T00:09:47.838" v="14998"/>
+          <ac:spMkLst>
+            <pc:docMk/>
+            <pc:sldMk cId="553268900" sldId="712"/>
+            <ac:spMk id="4" creationId="{FD08CAA5-5B67-45E3-99AB-556A364EA09F}"/>
+          </ac:spMkLst>
+        </pc:spChg>
+      </pc:sldChg>
+      <pc:sldChg chg="addSp delSp modSp add">
+        <pc:chgData name="G 2" userId="8d203687cf76d0fd" providerId="LiveId" clId="{76E2985F-61D3-4F0E-8587-FEEB01D31A41}" dt="2019-03-19T01:13:46.087" v="16243"/>
+        <pc:sldMkLst>
+          <pc:docMk/>
+          <pc:sldMk cId="1816244664" sldId="713"/>
+        </pc:sldMkLst>
+        <pc:spChg chg="add del">
+          <ac:chgData name="G 2" userId="8d203687cf76d0fd" providerId="LiveId" clId="{76E2985F-61D3-4F0E-8587-FEEB01D31A41}" dt="2019-03-19T00:53:05.385" v="15248"/>
+          <ac:spMkLst>
+            <pc:docMk/>
+            <pc:sldMk cId="1816244664" sldId="713"/>
+            <ac:spMk id="3" creationId="{89306292-5979-4B25-B9CE-93C06C2B705A}"/>
+          </ac:spMkLst>
+        </pc:spChg>
+        <pc:spChg chg="mod">
+          <ac:chgData name="G 2" userId="8d203687cf76d0fd" providerId="LiveId" clId="{76E2985F-61D3-4F0E-8587-FEEB01D31A41}" dt="2019-03-19T00:10:40.922" v="15000"/>
+          <ac:spMkLst>
+            <pc:docMk/>
+            <pc:sldMk cId="1816244664" sldId="713"/>
+            <ac:spMk id="4" creationId="{00000000-0000-0000-0000-000000000000}"/>
+          </ac:spMkLst>
+        </pc:spChg>
+        <pc:spChg chg="mod">
+          <ac:chgData name="G 2" userId="8d203687cf76d0fd" providerId="LiveId" clId="{76E2985F-61D3-4F0E-8587-FEEB01D31A41}" dt="2019-03-19T01:13:46.087" v="16243"/>
+          <ac:spMkLst>
+            <pc:docMk/>
+            <pc:sldMk cId="1816244664" sldId="713"/>
+            <ac:spMk id="7" creationId="{E9FA7309-F1C6-4CBD-8CF9-4B7F9DDE73E1}"/>
+          </ac:spMkLst>
+        </pc:spChg>
+        <pc:spChg chg="mod">
+          <ac:chgData name="G 2" userId="8d203687cf76d0fd" providerId="LiveId" clId="{76E2985F-61D3-4F0E-8587-FEEB01D31A41}" dt="2019-03-19T01:13:30.121" v="16161"/>
+          <ac:spMkLst>
+            <pc:docMk/>
+            <pc:sldMk cId="1816244664" sldId="713"/>
+            <ac:spMk id="8" creationId="{56A4447F-7D87-4D48-A0BB-0F0A59C6D550}"/>
+          </ac:spMkLst>
+        </pc:spChg>
+        <pc:picChg chg="add del">
+          <ac:chgData name="G 2" userId="8d203687cf76d0fd" providerId="LiveId" clId="{76E2985F-61D3-4F0E-8587-FEEB01D31A41}" dt="2019-03-19T00:57:34.274" v="15339" actId="478"/>
+          <ac:picMkLst>
+            <pc:docMk/>
+            <pc:sldMk cId="1816244664" sldId="713"/>
+            <ac:picMk id="5" creationId="{B28518B1-C47A-4B6C-AE52-442A455EE5B8}"/>
+          </ac:picMkLst>
+        </pc:picChg>
+      </pc:sldChg>
+      <pc:sldChg chg="addSp delSp modSp add">
+        <pc:chgData name="G 2" userId="8d203687cf76d0fd" providerId="LiveId" clId="{76E2985F-61D3-4F0E-8587-FEEB01D31A41}" dt="2019-03-19T00:57:56.404" v="15354" actId="1076"/>
+        <pc:sldMkLst>
+          <pc:docMk/>
+          <pc:sldMk cId="719560211" sldId="714"/>
+        </pc:sldMkLst>
+        <pc:spChg chg="add mod">
+          <ac:chgData name="G 2" userId="8d203687cf76d0fd" providerId="LiveId" clId="{76E2985F-61D3-4F0E-8587-FEEB01D31A41}" dt="2019-03-19T00:57:56.404" v="15354" actId="1076"/>
+          <ac:spMkLst>
+            <pc:docMk/>
+            <pc:sldMk cId="719560211" sldId="714"/>
+            <ac:spMk id="3" creationId="{8260B0C5-7C3A-48EB-85D7-9C0301ACC81D}"/>
+          </ac:spMkLst>
+        </pc:spChg>
+        <pc:spChg chg="del">
+          <ac:chgData name="G 2" userId="8d203687cf76d0fd" providerId="LiveId" clId="{76E2985F-61D3-4F0E-8587-FEEB01D31A41}" dt="2019-03-19T00:57:37.643" v="15341" actId="478"/>
+          <ac:spMkLst>
+            <pc:docMk/>
+            <pc:sldMk cId="719560211" sldId="714"/>
+            <ac:spMk id="7" creationId="{E9FA7309-F1C6-4CBD-8CF9-4B7F9DDE73E1}"/>
+          </ac:spMkLst>
+        </pc:spChg>
+        <pc:spChg chg="del">
+          <ac:chgData name="G 2" userId="8d203687cf76d0fd" providerId="LiveId" clId="{76E2985F-61D3-4F0E-8587-FEEB01D31A41}" dt="2019-03-19T00:57:37.643" v="15341" actId="478"/>
+          <ac:spMkLst>
+            <pc:docMk/>
+            <pc:sldMk cId="719560211" sldId="714"/>
+            <ac:spMk id="8" creationId="{56A4447F-7D87-4D48-A0BB-0F0A59C6D550}"/>
+          </ac:spMkLst>
+        </pc:spChg>
+        <pc:picChg chg="mod">
+          <ac:chgData name="G 2" userId="8d203687cf76d0fd" providerId="LiveId" clId="{76E2985F-61D3-4F0E-8587-FEEB01D31A41}" dt="2019-03-19T00:57:50.105" v="15346" actId="1076"/>
+          <ac:picMkLst>
+            <pc:docMk/>
+            <pc:sldMk cId="719560211" sldId="714"/>
+            <ac:picMk id="5" creationId="{B28518B1-C47A-4B6C-AE52-442A455EE5B8}"/>
+          </ac:picMkLst>
+        </pc:picChg>
+      </pc:sldChg>
     </pc:docChg>
   </pc:docChgLst>
 </pc:chgInfo>
@@ -4933,8 +4933,8 @@
         </p:nvSpPr>
         <p:spPr>
           <a:xfrm>
-            <a:off x="778486" y="2942497"/>
-            <a:ext cx="10635028" cy="937011"/>
+            <a:off x="778486" y="3035054"/>
+            <a:ext cx="10635028" cy="751896"/>
           </a:xfrm>
           <a:ln w="6350">
             <a:solidFill>
@@ -4951,7 +4951,7 @@
               <a:lnSpc>
                 <a:spcPct val="120000"/>
               </a:lnSpc>
-              <a:defRPr sz="3446">
+              <a:defRPr sz="2400" b="1">
                 <a:solidFill>
                   <a:schemeClr val="tx2"/>
                 </a:solidFill>
@@ -6634,10 +6634,10 @@
       </p:grpSpPr>
       <p:sp>
         <p:nvSpPr>
-          <p:cNvPr id="4" name="タイトル 3">
+          <p:cNvPr id="2" name="タイトル 1">
             <a:extLst>
               <a:ext uri="{FF2B5EF4-FFF2-40B4-BE49-F238E27FC236}">
-                <a16:creationId xmlns:a16="http://schemas.microsoft.com/office/drawing/2014/main" id="{FD08CAA5-5B67-45E3-99AB-556A364EA09F}"/>
+                <a16:creationId xmlns:a16="http://schemas.microsoft.com/office/drawing/2014/main" id="{D015AAFA-ED21-40FB-B7E3-3F6AFF68ABFC}"/>
               </a:ext>
             </a:extLst>
           </p:cNvPr>
@@ -6650,8 +6650,8 @@
         </p:nvSpPr>
         <p:spPr>
           <a:xfrm>
-            <a:off x="778486" y="2668801"/>
-            <a:ext cx="10635028" cy="1484404"/>
+            <a:off x="778486" y="2741128"/>
+            <a:ext cx="10635028" cy="1339749"/>
           </a:xfrm>
         </p:spPr>
         <p:txBody>
@@ -6659,21 +6659,17 @@
           <a:lstStyle/>
           <a:p>
             <a:r>
-              <a:rPr kumimoji="1" lang="en-US" altLang="ja-JP" sz="3200" b="1" dirty="0"/>
+              <a:rPr lang="en-US" altLang="ja-JP" dirty="0"/>
               <a:t>Title</a:t>
             </a:r>
             <a:br>
-              <a:rPr kumimoji="1" lang="en-US" altLang="ja-JP" sz="3200" b="1" dirty="0"/>
+              <a:rPr lang="en-US" altLang="ja-JP" dirty="0"/>
             </a:br>
             <a:r>
-              <a:rPr kumimoji="1" lang="en-US" altLang="ja-JP" sz="3200" b="1" dirty="0"/>
-              <a:t>Author, 20XX</a:t>
+              <a:rPr lang="en-US" altLang="ja-JP" dirty="0"/>
+              <a:t>Author, 20XX, Source</a:t>
             </a:r>
-            <a:r>
-              <a:rPr lang="en-US" altLang="ja-JP" sz="3200" b="1" dirty="0"/>
-              <a:t>, Source</a:t>
-            </a:r>
-            <a:endParaRPr kumimoji="1" lang="ja-JP" altLang="en-US" sz="3200" b="1" dirty="0"/>
+            <a:endParaRPr kumimoji="1" lang="ja-JP" altLang="en-US" dirty="0"/>
           </a:p>
         </p:txBody>
       </p:sp>
@@ -6682,7 +6678,7 @@
           <p:cNvPr id="3" name="スライド番号プレースホルダー 2">
             <a:extLst>
               <a:ext uri="{FF2B5EF4-FFF2-40B4-BE49-F238E27FC236}">
-                <a16:creationId xmlns:a16="http://schemas.microsoft.com/office/drawing/2014/main" id="{A780F037-B289-4E21-A724-B6EE1B801B90}"/>
+                <a16:creationId xmlns:a16="http://schemas.microsoft.com/office/drawing/2014/main" id="{BCD0D11D-86AD-4146-8FE2-BE370FA1AAC2}"/>
               </a:ext>
             </a:extLst>
           </p:cNvPr>
@@ -6710,7 +6706,7 @@
     </p:spTree>
     <p:extLst>
       <p:ext uri="{BB962C8B-B14F-4D97-AF65-F5344CB8AC3E}">
-        <p14:creationId xmlns:p14="http://schemas.microsoft.com/office/powerpoint/2010/main" val="4269559565"/>
+        <p14:creationId xmlns:p14="http://schemas.microsoft.com/office/powerpoint/2010/main" val="2391051666"/>
       </p:ext>
     </p:extLst>
   </p:cSld>

--- a/ppts/template/template.pptx
+++ b/ppts/template/template.pptx
@@ -2853,7 +2853,7 @@
           <a:p>
             <a:fld id="{116CA9A1-49A5-4813-BE73-64411D697E83}" type="datetimeFigureOut">
               <a:rPr kumimoji="1" lang="ja-JP" altLang="en-US" smtClean="0"/>
-              <a:t>2019/3/19</a:t>
+              <a:t>2019/4/1</a:t>
             </a:fld>
             <a:endParaRPr kumimoji="1" lang="ja-JP" altLang="en-US"/>
           </a:p>
@@ -3018,7 +3018,7 @@
           <a:p>
             <a:fld id="{BB218005-AB2E-4230-9CBF-EC876F8C3946}" type="datetimeFigureOut">
               <a:rPr kumimoji="1" lang="ja-JP" altLang="en-US" smtClean="0"/>
-              <a:t>2019/3/19</a:t>
+              <a:t>2019/4/1</a:t>
             </a:fld>
             <a:endParaRPr kumimoji="1" lang="ja-JP" altLang="en-US"/>
           </a:p>
@@ -6653,6 +6653,9 @@
             <a:off x="778486" y="2591857"/>
             <a:ext cx="10635028" cy="1638292"/>
           </a:xfrm>
+          <a:ln>
+            <a:noFill/>
+          </a:ln>
         </p:spPr>
         <p:txBody>
           <a:bodyPr/>
